--- a/Bai 9/Lập trình với socket.pptx
+++ b/Bai 9/Lập trình với socket.pptx
@@ -5,26 +5,33 @@
     <p:sldMasterId id="2147483648" r:id="rId1"/>
   </p:sldMasterIdLst>
   <p:notesMasterIdLst>
-    <p:notesMasterId r:id="rId16"/>
+    <p:notesMasterId r:id="rId23"/>
   </p:notesMasterIdLst>
   <p:handoutMasterIdLst>
-    <p:handoutMasterId r:id="rId17"/>
+    <p:handoutMasterId r:id="rId24"/>
   </p:handoutMasterIdLst>
   <p:sldIdLst>
     <p:sldId id="256" r:id="rId2"/>
     <p:sldId id="259" r:id="rId3"/>
     <p:sldId id="261" r:id="rId4"/>
     <p:sldId id="262" r:id="rId5"/>
-    <p:sldId id="272" r:id="rId6"/>
-    <p:sldId id="270" r:id="rId7"/>
-    <p:sldId id="263" r:id="rId8"/>
-    <p:sldId id="273" r:id="rId9"/>
-    <p:sldId id="264" r:id="rId10"/>
-    <p:sldId id="274" r:id="rId11"/>
-    <p:sldId id="275" r:id="rId12"/>
-    <p:sldId id="276" r:id="rId13"/>
-    <p:sldId id="277" r:id="rId14"/>
-    <p:sldId id="258" r:id="rId15"/>
+    <p:sldId id="278" r:id="rId6"/>
+    <p:sldId id="272" r:id="rId7"/>
+    <p:sldId id="270" r:id="rId8"/>
+    <p:sldId id="279" r:id="rId9"/>
+    <p:sldId id="263" r:id="rId10"/>
+    <p:sldId id="273" r:id="rId11"/>
+    <p:sldId id="264" r:id="rId12"/>
+    <p:sldId id="274" r:id="rId13"/>
+    <p:sldId id="280" r:id="rId14"/>
+    <p:sldId id="281" r:id="rId15"/>
+    <p:sldId id="283" r:id="rId16"/>
+    <p:sldId id="284" r:id="rId17"/>
+    <p:sldId id="285" r:id="rId18"/>
+    <p:sldId id="286" r:id="rId19"/>
+    <p:sldId id="276" r:id="rId20"/>
+    <p:sldId id="277" r:id="rId21"/>
+    <p:sldId id="258" r:id="rId22"/>
   </p:sldIdLst>
   <p:sldSz cx="9144000" cy="5143500" type="screen16x9"/>
   <p:notesSz cx="6858000" cy="9144000"/>
@@ -224,7 +231,7 @@
           <a:p>
             <a:fld id="{9DF6B2F8-E390-BD4F-9ACD-789C35D23CE3}" type="datetimeFigureOut">
               <a:rPr lang="en-US" smtClean="0"/>
-              <a:t>3/29/2020</a:t>
+              <a:t>7/19/2020</a:t>
             </a:fld>
             <a:endParaRPr lang="en-US"/>
           </a:p>
@@ -390,7 +397,7 @@
           <a:p>
             <a:fld id="{79FF8F81-D7B9-424E-B993-6D09B3871A4E}" type="datetimeFigureOut">
               <a:rPr lang="en-US" smtClean="0"/>
-              <a:t>3/29/2020</a:t>
+              <a:t>7/19/2020</a:t>
             </a:fld>
             <a:endParaRPr lang="en-US"/>
           </a:p>
@@ -892,7 +899,7 @@
           <a:p>
             <a:fld id="{2B3067B3-3AE6-DD4A-9E3D-C999AB3971A1}" type="slidenum">
               <a:rPr lang="en-US" smtClean="0"/>
-              <a:t>6</a:t>
+              <a:t>7</a:t>
             </a:fld>
             <a:endParaRPr lang="en-US"/>
           </a:p>
@@ -976,7 +983,7 @@
           <a:p>
             <a:fld id="{2B3067B3-3AE6-DD4A-9E3D-C999AB3971A1}" type="slidenum">
               <a:rPr lang="en-US" smtClean="0"/>
-              <a:t>7</a:t>
+              <a:t>9</a:t>
             </a:fld>
             <a:endParaRPr lang="en-US"/>
           </a:p>
@@ -1180,7 +1187,7 @@
           <a:p>
             <a:fld id="{2B3067B3-3AE6-DD4A-9E3D-C999AB3971A1}" type="slidenum">
               <a:rPr lang="en-US" smtClean="0"/>
-              <a:t>8</a:t>
+              <a:t>10</a:t>
             </a:fld>
             <a:endParaRPr lang="en-US"/>
           </a:p>
@@ -1285,7 +1292,7 @@
           <a:p>
             <a:fld id="{2B3067B3-3AE6-DD4A-9E3D-C999AB3971A1}" type="slidenum">
               <a:rPr lang="en-US" smtClean="0"/>
-              <a:t>10</a:t>
+              <a:t>12</a:t>
             </a:fld>
             <a:endParaRPr lang="en-US"/>
           </a:p>
@@ -1348,39 +1355,81 @@
           <a:bodyPr/>
           <a:lstStyle/>
           <a:p>
-            <a:pPr marL="171450" marR="0" lvl="0" indent="-171450" algn="l" defTabSz="457200" rtl="0" eaLnBrk="1" fontAlgn="auto" latinLnBrk="0" hangingPunct="1">
-              <a:lnSpc>
-                <a:spcPct val="100000"/>
-              </a:lnSpc>
-              <a:spcBef>
-                <a:spcPts val="0"/>
-              </a:spcBef>
-              <a:spcAft>
-                <a:spcPts val="0"/>
-              </a:spcAft>
-              <a:buClrTx/>
-              <a:buSzTx/>
-              <a:buFont typeface="Arial" panose="020B0604020202020204" pitchFamily="34" charset="0"/>
-              <a:buChar char="•"/>
-              <a:tabLst/>
-              <a:defRPr/>
-            </a:pPr>
-            <a:r>
-              <a:rPr lang="vi-VN" dirty="0" smtClean="0"/>
-              <a:t>Đối với 1 số phương thức truyền nhận như SOCK_STREAM hoặc SOCK_SEQPACKET, trước khi dữ liệu được gửi đi thì 2 socket cần thiết lập 1 kết nối trước.</a:t>
-            </a:r>
-            <a:endParaRPr lang="en-US" dirty="0" smtClean="0"/>
-          </a:p>
-          <a:p>
             <a:pPr marL="171450" indent="-171450">
               <a:buFont typeface="Arial" panose="020B0604020202020204" pitchFamily="34" charset="0"/>
               <a:buChar char="•"/>
             </a:pPr>
             <a:r>
               <a:rPr lang="vi-VN" dirty="0" smtClean="0"/>
-              <a:t>Trong mô hình client server thì client sẽ là người chủ động kết nối trước.</a:t>
+              <a:t>Sau khi kết nối được thiết lập, dữ liệu có thể được gửi nhận thông qua việc đọc ghi vào socket file giống như file bình thường</a:t>
             </a:r>
             <a:endParaRPr lang="en-US" dirty="0" smtClean="0"/>
+          </a:p>
+          <a:p>
+            <a:pPr marL="171450" indent="-171450">
+              <a:buFont typeface="Arial" panose="020B0604020202020204" pitchFamily="34" charset="0"/>
+              <a:buChar char="•"/>
+            </a:pPr>
+            <a:r>
+              <a:rPr lang="en-US" dirty="0" smtClean="0"/>
+              <a:t>OS </a:t>
+            </a:r>
+            <a:r>
+              <a:rPr lang="en-US" dirty="0" err="1" smtClean="0"/>
+              <a:t>thiết</a:t>
+            </a:r>
+            <a:r>
+              <a:rPr lang="en-US" dirty="0" smtClean="0"/>
+              <a:t> </a:t>
+            </a:r>
+            <a:r>
+              <a:rPr lang="en-US" dirty="0" err="1" smtClean="0"/>
+              <a:t>kế</a:t>
+            </a:r>
+            <a:r>
+              <a:rPr lang="en-US" dirty="0" smtClean="0"/>
+              <a:t> </a:t>
+            </a:r>
+            <a:r>
+              <a:rPr lang="en-US" dirty="0" err="1" smtClean="0"/>
+              <a:t>riêng</a:t>
+            </a:r>
+            <a:r>
+              <a:rPr lang="en-US" dirty="0" smtClean="0"/>
+              <a:t> 1 </a:t>
+            </a:r>
+            <a:r>
+              <a:rPr lang="en-US" dirty="0" err="1" smtClean="0"/>
+              <a:t>số</a:t>
+            </a:r>
+            <a:r>
+              <a:rPr lang="en-US" dirty="0" smtClean="0"/>
+              <a:t> </a:t>
+            </a:r>
+            <a:r>
+              <a:rPr lang="en-US" dirty="0" err="1" smtClean="0"/>
+              <a:t>hàm</a:t>
+            </a:r>
+            <a:r>
+              <a:rPr lang="en-US" dirty="0" smtClean="0"/>
+              <a:t> </a:t>
+            </a:r>
+            <a:r>
+              <a:rPr lang="en-US" dirty="0" err="1" smtClean="0"/>
+              <a:t>chuyên</a:t>
+            </a:r>
+            <a:r>
+              <a:rPr lang="en-US" dirty="0" smtClean="0"/>
+              <a:t> dùng gửi </a:t>
+            </a:r>
+            <a:r>
+              <a:rPr lang="en-US" dirty="0" err="1" smtClean="0"/>
+              <a:t>nhận</a:t>
+            </a:r>
+            <a:r>
+              <a:rPr lang="en-US" dirty="0" smtClean="0"/>
+              <a:t> dữ liệu từ socket</a:t>
+            </a:r>
           </a:p>
           <a:p>
             <a:pPr marL="628650" lvl="1" indent="-171450">
@@ -1389,7 +1438,7 @@
             </a:pPr>
             <a:r>
               <a:rPr lang="en-US" dirty="0" smtClean="0"/>
-              <a:t>int connect(int </a:t>
+              <a:t>ssize_t send(int </a:t>
             </a:r>
             <a:r>
               <a:rPr lang="en-US" dirty="0" err="1" smtClean="0"/>
@@ -1397,59 +1446,16 @@
             </a:r>
             <a:r>
               <a:rPr lang="en-US" dirty="0" smtClean="0"/>
-              <a:t>, const </a:t>
-            </a:r>
-            <a:r>
-              <a:rPr lang="en-US" dirty="0" err="1" smtClean="0"/>
-              <a:t>struct</a:t>
-            </a:r>
-            <a:r>
-              <a:rPr lang="en-US" dirty="0" smtClean="0"/>
-              <a:t> </a:t>
-            </a:r>
-            <a:r>
-              <a:rPr lang="en-US" dirty="0" err="1" smtClean="0"/>
-              <a:t>sockaddr</a:t>
-            </a:r>
-            <a:r>
-              <a:rPr lang="en-US" dirty="0" smtClean="0"/>
-              <a:t> *</a:t>
-            </a:r>
-            <a:r>
-              <a:rPr lang="en-US" dirty="0" err="1" smtClean="0"/>
-              <a:t>addr</a:t>
-            </a:r>
-            <a:r>
-              <a:rPr lang="en-US" dirty="0" smtClean="0"/>
-              <a:t>, </a:t>
-            </a:r>
-            <a:r>
-              <a:rPr lang="en-US" dirty="0" err="1" smtClean="0"/>
-              <a:t>socklen_t</a:t>
-            </a:r>
-            <a:r>
-              <a:rPr lang="en-US" dirty="0" smtClean="0"/>
-              <a:t> </a:t>
-            </a:r>
-            <a:r>
-              <a:rPr lang="en-US" dirty="0" err="1" smtClean="0"/>
-              <a:t>len</a:t>
-            </a:r>
-            <a:r>
-              <a:rPr lang="en-US" dirty="0" smtClean="0"/>
-              <a:t>)</a:t>
-            </a:r>
-          </a:p>
-          <a:p>
-            <a:pPr marL="171450" lvl="0" indent="-171450">
-              <a:buFont typeface="Arial" panose="020B0604020202020204" pitchFamily="34" charset="0"/>
-              <a:buChar char="•"/>
-            </a:pPr>
-            <a:r>
-              <a:rPr lang="vi-VN" dirty="0" smtClean="0"/>
-              <a:t>Server sẽ là người chủ động lắng nghe kết nối do client gửi đến</a:t>
-            </a:r>
-            <a:endParaRPr lang="en-US" dirty="0" smtClean="0"/>
+              <a:t>, const void *buf, size_t </a:t>
+            </a:r>
+            <a:r>
+              <a:rPr lang="en-US" dirty="0" err="1" smtClean="0"/>
+              <a:t>nbytes</a:t>
+            </a:r>
+            <a:r>
+              <a:rPr lang="en-US" dirty="0" smtClean="0"/>
+              <a:t>, int flags)</a:t>
+            </a:r>
           </a:p>
           <a:p>
             <a:pPr marL="628650" lvl="1" indent="-171450">
@@ -1457,88 +1463,16 @@
               <a:buChar char="•"/>
             </a:pPr>
             <a:r>
-              <a:rPr lang="sv-SE" dirty="0" smtClean="0"/>
-              <a:t>int listen(int sockfd, int backlog)</a:t>
-            </a:r>
-          </a:p>
-          <a:p>
-            <a:pPr marL="171450" lvl="0" indent="-171450">
-              <a:buFont typeface="Arial" panose="020B0604020202020204" pitchFamily="34" charset="0"/>
-              <a:buChar char="•"/>
-            </a:pPr>
-            <a:r>
-              <a:rPr lang="en-US" dirty="0" err="1" smtClean="0"/>
-              <a:t>Mỗi</a:t>
-            </a:r>
-            <a:r>
-              <a:rPr lang="en-US" dirty="0" smtClean="0"/>
-              <a:t> </a:t>
-            </a:r>
-            <a:r>
-              <a:rPr lang="en-US" dirty="0" err="1" smtClean="0"/>
-              <a:t>khi</a:t>
-            </a:r>
-            <a:r>
-              <a:rPr lang="en-US" dirty="0" smtClean="0"/>
-              <a:t> có connection request gửi từ client, server sẽ </a:t>
-            </a:r>
-            <a:r>
-              <a:rPr lang="en-US" dirty="0" err="1" smtClean="0"/>
-              <a:t>quyết</a:t>
-            </a:r>
-            <a:r>
-              <a:rPr lang="en-US" dirty="0" smtClean="0"/>
-              <a:t> </a:t>
-            </a:r>
-            <a:r>
-              <a:rPr lang="en-US" dirty="0" err="1" smtClean="0"/>
-              <a:t>định</a:t>
-            </a:r>
-            <a:r>
-              <a:rPr lang="en-US" dirty="0" smtClean="0"/>
-              <a:t> có </a:t>
-            </a:r>
-            <a:r>
-              <a:rPr lang="en-US" dirty="0" err="1" smtClean="0"/>
-              <a:t>chấp</a:t>
-            </a:r>
-            <a:r>
-              <a:rPr lang="en-US" dirty="0" smtClean="0"/>
-              <a:t> </a:t>
-            </a:r>
-            <a:r>
-              <a:rPr lang="en-US" dirty="0" err="1" smtClean="0"/>
-              <a:t>nhận</a:t>
-            </a:r>
-            <a:r>
-              <a:rPr lang="en-US" dirty="0" smtClean="0"/>
-              <a:t> </a:t>
-            </a:r>
-            <a:r>
-              <a:rPr lang="en-US" dirty="0" err="1" smtClean="0"/>
-              <a:t>kết</a:t>
-            </a:r>
-            <a:r>
-              <a:rPr lang="en-US" dirty="0" smtClean="0"/>
-              <a:t> </a:t>
-            </a:r>
-            <a:r>
-              <a:rPr lang="en-US" dirty="0" err="1" smtClean="0"/>
-              <a:t>nối</a:t>
-            </a:r>
-            <a:r>
-              <a:rPr lang="en-US" dirty="0" smtClean="0"/>
-              <a:t> hay không</a:t>
-            </a:r>
-          </a:p>
-          <a:p>
-            <a:pPr marL="628650" lvl="1" indent="-171450">
-              <a:buFont typeface="Arial" panose="020B0604020202020204" pitchFamily="34" charset="0"/>
-              <a:buChar char="•"/>
-            </a:pPr>
-            <a:r>
-              <a:rPr lang="en-US" dirty="0" smtClean="0"/>
-              <a:t>int accept(int </a:t>
+              <a:rPr lang="en-US" dirty="0" smtClean="0"/>
+              <a:t>ssize_t </a:t>
+            </a:r>
+            <a:r>
+              <a:rPr lang="en-US" dirty="0" err="1" smtClean="0"/>
+              <a:t>recv</a:t>
+            </a:r>
+            <a:r>
+              <a:rPr lang="en-US" dirty="0" smtClean="0"/>
+              <a:t>(int </a:t>
             </a:r>
             <a:r>
               <a:rPr lang="en-US" dirty="0" err="1" smtClean="0"/>
@@ -1546,47 +1480,15 @@
             </a:r>
             <a:r>
               <a:rPr lang="en-US" dirty="0" smtClean="0"/>
-              <a:t>, </a:t>
-            </a:r>
-            <a:r>
-              <a:rPr lang="en-US" dirty="0" err="1" smtClean="0"/>
-              <a:t>struct</a:t>
-            </a:r>
-            <a:r>
-              <a:rPr lang="en-US" dirty="0" smtClean="0"/>
-              <a:t> </a:t>
-            </a:r>
-            <a:r>
-              <a:rPr lang="en-US" dirty="0" err="1" smtClean="0"/>
-              <a:t>sockaddr</a:t>
-            </a:r>
-            <a:r>
-              <a:rPr lang="en-US" dirty="0" smtClean="0"/>
-              <a:t> *restrict </a:t>
-            </a:r>
-            <a:r>
-              <a:rPr lang="en-US" dirty="0" err="1" smtClean="0"/>
-              <a:t>addr</a:t>
-            </a:r>
-            <a:r>
-              <a:rPr lang="en-US" dirty="0" smtClean="0"/>
-              <a:t>, </a:t>
-            </a:r>
-            <a:r>
-              <a:rPr lang="en-US" dirty="0" err="1" smtClean="0"/>
-              <a:t>socklen_t</a:t>
-            </a:r>
-            <a:r>
-              <a:rPr lang="en-US" dirty="0" smtClean="0"/>
-              <a:t> *restrict </a:t>
-            </a:r>
-            <a:r>
-              <a:rPr lang="en-US" dirty="0" err="1" smtClean="0"/>
-              <a:t>len</a:t>
-            </a:r>
-            <a:r>
-              <a:rPr lang="en-US" dirty="0" smtClean="0"/>
-              <a:t>);</a:t>
+              <a:t>, void *buf, size_t </a:t>
+            </a:r>
+            <a:r>
+              <a:rPr lang="en-US" dirty="0" err="1" smtClean="0"/>
+              <a:t>nbytes</a:t>
+            </a:r>
+            <a:r>
+              <a:rPr lang="en-US" dirty="0" smtClean="0"/>
+              <a:t>, int flags)</a:t>
             </a:r>
             <a:endParaRPr lang="en-US" dirty="0"/>
           </a:p>
@@ -1609,7 +1511,7 @@
           <a:p>
             <a:fld id="{2B3067B3-3AE6-DD4A-9E3D-C999AB3971A1}" type="slidenum">
               <a:rPr lang="en-US" smtClean="0"/>
-              <a:t>11</a:t>
+              <a:t>19</a:t>
             </a:fld>
             <a:endParaRPr lang="en-US"/>
           </a:p>
@@ -1618,7 +1520,7 @@
     </p:spTree>
     <p:extLst>
       <p:ext uri="{BB962C8B-B14F-4D97-AF65-F5344CB8AC3E}">
-        <p14:creationId xmlns:p14="http://schemas.microsoft.com/office/powerpoint/2010/main" val="2766707541"/>
+        <p14:creationId xmlns:p14="http://schemas.microsoft.com/office/powerpoint/2010/main" val="355055906"/>
       </p:ext>
     </p:extLst>
   </p:cSld>
@@ -1672,142 +1574,7 @@
           <a:bodyPr/>
           <a:lstStyle/>
           <a:p>
-            <a:pPr marL="171450" indent="-171450">
-              <a:buFont typeface="Arial" panose="020B0604020202020204" pitchFamily="34" charset="0"/>
-              <a:buChar char="•"/>
-            </a:pPr>
-            <a:r>
-              <a:rPr lang="vi-VN" dirty="0" smtClean="0"/>
-              <a:t>Sau khi kết nối được thiết lập, dữ liệu có thể được gửi nhận thông qua việc đọc ghi vào socket file giống như file bình thường</a:t>
-            </a:r>
-            <a:endParaRPr lang="en-US" dirty="0" smtClean="0"/>
-          </a:p>
-          <a:p>
-            <a:pPr marL="171450" indent="-171450">
-              <a:buFont typeface="Arial" panose="020B0604020202020204" pitchFamily="34" charset="0"/>
-              <a:buChar char="•"/>
-            </a:pPr>
-            <a:r>
-              <a:rPr lang="en-US" dirty="0" smtClean="0"/>
-              <a:t>OS </a:t>
-            </a:r>
-            <a:r>
-              <a:rPr lang="en-US" dirty="0" err="1" smtClean="0"/>
-              <a:t>thiết</a:t>
-            </a:r>
-            <a:r>
-              <a:rPr lang="en-US" dirty="0" smtClean="0"/>
-              <a:t> </a:t>
-            </a:r>
-            <a:r>
-              <a:rPr lang="en-US" dirty="0" err="1" smtClean="0"/>
-              <a:t>kế</a:t>
-            </a:r>
-            <a:r>
-              <a:rPr lang="en-US" dirty="0" smtClean="0"/>
-              <a:t> </a:t>
-            </a:r>
-            <a:r>
-              <a:rPr lang="en-US" dirty="0" err="1" smtClean="0"/>
-              <a:t>riêng</a:t>
-            </a:r>
-            <a:r>
-              <a:rPr lang="en-US" dirty="0" smtClean="0"/>
-              <a:t> 1 </a:t>
-            </a:r>
-            <a:r>
-              <a:rPr lang="en-US" dirty="0" err="1" smtClean="0"/>
-              <a:t>số</a:t>
-            </a:r>
-            <a:r>
-              <a:rPr lang="en-US" dirty="0" smtClean="0"/>
-              <a:t> </a:t>
-            </a:r>
-            <a:r>
-              <a:rPr lang="en-US" dirty="0" err="1" smtClean="0"/>
-              <a:t>hàm</a:t>
-            </a:r>
-            <a:r>
-              <a:rPr lang="en-US" dirty="0" smtClean="0"/>
-              <a:t> </a:t>
-            </a:r>
-            <a:r>
-              <a:rPr lang="en-US" dirty="0" err="1" smtClean="0"/>
-              <a:t>chuyên</a:t>
-            </a:r>
-            <a:r>
-              <a:rPr lang="en-US" dirty="0" smtClean="0"/>
-              <a:t> dùng gửi </a:t>
-            </a:r>
-            <a:r>
-              <a:rPr lang="en-US" dirty="0" err="1" smtClean="0"/>
-              <a:t>nhận</a:t>
-            </a:r>
-            <a:r>
-              <a:rPr lang="en-US" dirty="0" smtClean="0"/>
-              <a:t> dữ liệu từ socket</a:t>
-            </a:r>
-          </a:p>
-          <a:p>
-            <a:pPr marL="628650" lvl="1" indent="-171450">
-              <a:buFont typeface="Arial" panose="020B0604020202020204" pitchFamily="34" charset="0"/>
-              <a:buChar char="•"/>
-            </a:pPr>
-            <a:r>
-              <a:rPr lang="en-US" dirty="0" smtClean="0"/>
-              <a:t>ssize_t send(int </a:t>
-            </a:r>
-            <a:r>
-              <a:rPr lang="en-US" dirty="0" err="1" smtClean="0"/>
-              <a:t>sockfd</a:t>
-            </a:r>
-            <a:r>
-              <a:rPr lang="en-US" dirty="0" smtClean="0"/>
-              <a:t>, const void *buf, size_t </a:t>
-            </a:r>
-            <a:r>
-              <a:rPr lang="en-US" dirty="0" err="1" smtClean="0"/>
-              <a:t>nbytes</a:t>
-            </a:r>
-            <a:r>
-              <a:rPr lang="en-US" dirty="0" smtClean="0"/>
-              <a:t>, int flags)</a:t>
-            </a:r>
-          </a:p>
-          <a:p>
-            <a:pPr marL="628650" lvl="1" indent="-171450">
-              <a:buFont typeface="Arial" panose="020B0604020202020204" pitchFamily="34" charset="0"/>
-              <a:buChar char="•"/>
-            </a:pPr>
-            <a:r>
-              <a:rPr lang="en-US" dirty="0" smtClean="0"/>
-              <a:t>ssize_t </a:t>
-            </a:r>
-            <a:r>
-              <a:rPr lang="en-US" dirty="0" err="1" smtClean="0"/>
-              <a:t>recv</a:t>
-            </a:r>
-            <a:r>
-              <a:rPr lang="en-US" dirty="0" smtClean="0"/>
-              <a:t>(int </a:t>
-            </a:r>
-            <a:r>
-              <a:rPr lang="en-US" dirty="0" err="1" smtClean="0"/>
-              <a:t>sockfd</a:t>
-            </a:r>
-            <a:r>
-              <a:rPr lang="en-US" dirty="0" smtClean="0"/>
-              <a:t>, void *buf, size_t </a:t>
-            </a:r>
-            <a:r>
-              <a:rPr lang="en-US" dirty="0" err="1" smtClean="0"/>
-              <a:t>nbytes</a:t>
-            </a:r>
-            <a:r>
-              <a:rPr lang="en-US" dirty="0" smtClean="0"/>
-              <a:t>, int flags)</a:t>
-            </a:r>
-            <a:endParaRPr lang="en-US" dirty="0"/>
+            <a:endParaRPr lang="en-US"/>
           </a:p>
         </p:txBody>
       </p:sp>
@@ -1828,91 +1595,7 @@
           <a:p>
             <a:fld id="{2B3067B3-3AE6-DD4A-9E3D-C999AB3971A1}" type="slidenum">
               <a:rPr lang="en-US" smtClean="0"/>
-              <a:t>12</a:t>
-            </a:fld>
-            <a:endParaRPr lang="en-US"/>
-          </a:p>
-        </p:txBody>
-      </p:sp>
-    </p:spTree>
-    <p:extLst>
-      <p:ext uri="{BB962C8B-B14F-4D97-AF65-F5344CB8AC3E}">
-        <p14:creationId xmlns:p14="http://schemas.microsoft.com/office/powerpoint/2010/main" val="355055906"/>
-      </p:ext>
-    </p:extLst>
-  </p:cSld>
-  <p:clrMapOvr>
-    <a:masterClrMapping/>
-  </p:clrMapOvr>
-</p:notes>
-</file>
-
-<file path=ppt/notesSlides/notesSlide9.xml><?xml version="1.0" encoding="utf-8"?>
-<p:notes xmlns:a="http://schemas.openxmlformats.org/drawingml/2006/main" xmlns:r="http://schemas.openxmlformats.org/officeDocument/2006/relationships" xmlns:p="http://schemas.openxmlformats.org/presentationml/2006/main">
-  <p:cSld>
-    <p:spTree>
-      <p:nvGrpSpPr>
-        <p:cNvPr id="1" name=""/>
-        <p:cNvGrpSpPr/>
-        <p:nvPr/>
-      </p:nvGrpSpPr>
-      <p:grpSpPr>
-        <a:xfrm>
-          <a:off x="0" y="0"/>
-          <a:ext cx="0" cy="0"/>
-          <a:chOff x="0" y="0"/>
-          <a:chExt cx="0" cy="0"/>
-        </a:xfrm>
-      </p:grpSpPr>
-      <p:sp>
-        <p:nvSpPr>
-          <p:cNvPr id="2" name="Slide Image Placeholder 1"/>
-          <p:cNvSpPr>
-            <a:spLocks noGrp="1" noRot="1" noChangeAspect="1"/>
-          </p:cNvSpPr>
-          <p:nvPr>
-            <p:ph type="sldImg"/>
-          </p:nvPr>
-        </p:nvSpPr>
-        <p:spPr/>
-      </p:sp>
-      <p:sp>
-        <p:nvSpPr>
-          <p:cNvPr id="3" name="Notes Placeholder 2"/>
-          <p:cNvSpPr>
-            <a:spLocks noGrp="1"/>
-          </p:cNvSpPr>
-          <p:nvPr>
-            <p:ph type="body" idx="1"/>
-          </p:nvPr>
-        </p:nvSpPr>
-        <p:spPr/>
-        <p:txBody>
-          <a:bodyPr/>
-          <a:lstStyle/>
-          <a:p>
-            <a:endParaRPr lang="en-US"/>
-          </a:p>
-        </p:txBody>
-      </p:sp>
-      <p:sp>
-        <p:nvSpPr>
-          <p:cNvPr id="4" name="Slide Number Placeholder 3"/>
-          <p:cNvSpPr>
-            <a:spLocks noGrp="1"/>
-          </p:cNvSpPr>
-          <p:nvPr>
-            <p:ph type="sldNum" sz="quarter" idx="10"/>
-          </p:nvPr>
-        </p:nvSpPr>
-        <p:spPr/>
-        <p:txBody>
-          <a:bodyPr/>
-          <a:lstStyle/>
-          <a:p>
-            <a:fld id="{2B3067B3-3AE6-DD4A-9E3D-C999AB3971A1}" type="slidenum">
-              <a:rPr lang="en-US" smtClean="0"/>
-              <a:t>14</a:t>
+              <a:t>21</a:t>
             </a:fld>
             <a:endParaRPr lang="en-US"/>
           </a:p>
@@ -2152,7 +1835,7 @@
           <a:p>
             <a:fld id="{7F3FBE28-58BC-4486-9A8E-6C1F0E326EAB}" type="datetime1">
               <a:rPr lang="en-US" smtClean="0"/>
-              <a:t>3/29/2020</a:t>
+              <a:t>7/19/2020</a:t>
             </a:fld>
             <a:endParaRPr lang="en-US"/>
           </a:p>
@@ -2338,7 +2021,7 @@
           <a:p>
             <a:fld id="{AE5B28C3-1882-4E84-9C82-23BA74B52008}" type="datetime1">
               <a:rPr lang="en-US" smtClean="0"/>
-              <a:t>3/29/2020</a:t>
+              <a:t>7/19/2020</a:t>
             </a:fld>
             <a:endParaRPr lang="en-US"/>
           </a:p>
@@ -2522,7 +2205,7 @@
           <a:p>
             <a:fld id="{945B1917-4DD8-41D3-93A0-974B9DFBBCBF}" type="datetime1">
               <a:rPr lang="en-US" smtClean="0"/>
-              <a:t>3/29/2020</a:t>
+              <a:t>7/19/2020</a:t>
             </a:fld>
             <a:endParaRPr lang="en-US"/>
           </a:p>
@@ -2741,7 +2424,7 @@
           <a:p>
             <a:fld id="{403BB6E5-7AA4-4C0D-BF97-BDC69083DBC9}" type="datetime1">
               <a:rPr lang="en-US" smtClean="0"/>
-              <a:t>3/29/2020</a:t>
+              <a:t>7/19/2020</a:t>
             </a:fld>
             <a:endParaRPr lang="en-US"/>
           </a:p>
@@ -2998,7 +2681,7 @@
           <a:p>
             <a:fld id="{5E5BBB4B-2F94-4F11-9AD4-28D0EBD25231}" type="datetime1">
               <a:rPr lang="en-US" smtClean="0"/>
-              <a:t>3/29/2020</a:t>
+              <a:t>7/19/2020</a:t>
             </a:fld>
             <a:endParaRPr lang="en-US"/>
           </a:p>
@@ -3297,7 +2980,7 @@
           <a:p>
             <a:fld id="{B79A5478-161F-4B28-93E5-DE9BF6B2D5E2}" type="datetime1">
               <a:rPr lang="en-US" smtClean="0"/>
-              <a:t>3/29/2020</a:t>
+              <a:t>7/19/2020</a:t>
             </a:fld>
             <a:endParaRPr lang="en-US"/>
           </a:p>
@@ -3735,7 +3418,7 @@
           <a:p>
             <a:fld id="{30E38055-F1C9-4AC4-B9E3-476EF82AD4CC}" type="datetime1">
               <a:rPr lang="en-US" smtClean="0"/>
-              <a:t>3/29/2020</a:t>
+              <a:t>7/19/2020</a:t>
             </a:fld>
             <a:endParaRPr lang="en-US"/>
           </a:p>
@@ -3864,7 +3547,7 @@
           <a:p>
             <a:fld id="{39D9E8B6-A1D4-4191-8D54-A8260B6A1972}" type="datetime1">
               <a:rPr lang="en-US" smtClean="0"/>
-              <a:t>3/29/2020</a:t>
+              <a:t>7/19/2020</a:t>
             </a:fld>
             <a:endParaRPr lang="en-US"/>
           </a:p>
@@ -3970,7 +3653,7 @@
           <a:p>
             <a:fld id="{924C1980-AF69-46D2-A9FE-14E6E6C939BE}" type="datetime1">
               <a:rPr lang="en-US" smtClean="0"/>
-              <a:t>3/29/2020</a:t>
+              <a:t>7/19/2020</a:t>
             </a:fld>
             <a:endParaRPr lang="en-US"/>
           </a:p>
@@ -4241,7 +3924,7 @@
           <a:p>
             <a:fld id="{AAA33C03-0194-466F-B287-AA772F5566B9}" type="datetime1">
               <a:rPr lang="en-US" smtClean="0"/>
-              <a:t>3/29/2020</a:t>
+              <a:t>7/19/2020</a:t>
             </a:fld>
             <a:endParaRPr lang="en-US"/>
           </a:p>
@@ -4507,7 +4190,7 @@
           <a:p>
             <a:fld id="{D31FF56F-D32E-44F3-A5D6-9F4533FAF9BD}" type="datetime1">
               <a:rPr lang="en-US" smtClean="0"/>
-              <a:t>3/29/2020</a:t>
+              <a:t>7/19/2020</a:t>
             </a:fld>
             <a:endParaRPr lang="en-US"/>
           </a:p>
@@ -4754,7 +4437,7 @@
           <a:p>
             <a:fld id="{0289C729-EC9D-4075-8A00-DCB3B3221814}" type="datetime1">
               <a:rPr lang="en-US" smtClean="0"/>
-              <a:t>3/29/2020</a:t>
+              <a:t>7/19/2020</a:t>
             </a:fld>
             <a:endParaRPr lang="en-US"/>
           </a:p>
@@ -5340,28 +5023,8 @@
           <a:lstStyle/>
           <a:p>
             <a:r>
-              <a:rPr lang="en-US" dirty="0" err="1"/>
-              <a:t>Gán</a:t>
-            </a:r>
-            <a:r>
               <a:rPr lang="en-US" dirty="0"/>
-              <a:t> </a:t>
-            </a:r>
-            <a:r>
-              <a:rPr lang="en-US" dirty="0" err="1"/>
-              <a:t>địa</a:t>
-            </a:r>
-            <a:r>
-              <a:rPr lang="en-US" dirty="0"/>
-              <a:t> </a:t>
-            </a:r>
-            <a:r>
-              <a:rPr lang="en-US" dirty="0" err="1"/>
-              <a:t>chỉ</a:t>
-            </a:r>
-            <a:r>
-              <a:rPr lang="en-US" dirty="0"/>
-              <a:t> cho socket</a:t>
+              <a:t>Address bytes ordering</a:t>
             </a:r>
           </a:p>
         </p:txBody>
@@ -5384,8 +5047,12 @@
           <a:lstStyle/>
           <a:p>
             <a:r>
+              <a:rPr lang="vi-VN" dirty="0" smtClean="0"/>
+              <a:t>Cần </a:t>
+            </a:r>
+            <a:r>
               <a:rPr lang="vi-VN" dirty="0"/>
-              <a:t>Sau khi gán địa chỉ cho socket, mỗi khi ghi data xuống socket file, data sẽ được đóng gói kèm địa chỉ và được phân luồng để gửi đến máy đích</a:t>
+              <a:t>1 chuẩn order dữ liệu chung trong network để tất cả có thể hiểu được</a:t>
             </a:r>
             <a:r>
               <a:rPr lang="vi-VN" dirty="0" smtClean="0"/>
@@ -5394,62 +5061,63 @@
             <a:endParaRPr lang="en-US" dirty="0" smtClean="0"/>
           </a:p>
           <a:p>
+            <a:r>
+              <a:rPr lang="en-US" dirty="0"/>
+              <a:t>Các </a:t>
+            </a:r>
+            <a:r>
+              <a:rPr lang="en-US" dirty="0" err="1"/>
+              <a:t>hàm</a:t>
+            </a:r>
+            <a:r>
+              <a:rPr lang="en-US" dirty="0"/>
+              <a:t> convert order của data từ </a:t>
+            </a:r>
+            <a:r>
+              <a:rPr lang="en-US" dirty="0" err="1"/>
+              <a:t>máy</a:t>
+            </a:r>
+            <a:r>
+              <a:rPr lang="en-US" dirty="0"/>
+              <a:t> tính sang </a:t>
+            </a:r>
+            <a:r>
+              <a:rPr lang="en-US" dirty="0" smtClean="0"/>
+              <a:t>network</a:t>
+            </a:r>
+          </a:p>
+          <a:p>
             <a:pPr lvl="1"/>
             <a:r>
-              <a:rPr lang="en-US" dirty="0" smtClean="0"/>
-              <a:t>int </a:t>
-            </a:r>
-            <a:r>
               <a:rPr lang="en-US" dirty="0"/>
-              <a:t>bind(int </a:t>
+              <a:t>uint32_t </a:t>
             </a:r>
             <a:r>
               <a:rPr lang="en-US" dirty="0" err="1"/>
-              <a:t>sockfd</a:t>
+              <a:t>htonl</a:t>
             </a:r>
             <a:r>
               <a:rPr lang="en-US" dirty="0"/>
-              <a:t>, const </a:t>
+              <a:t>(uint32_t hostint32</a:t>
+            </a:r>
+            <a:r>
+              <a:rPr lang="en-US" dirty="0" smtClean="0"/>
+              <a:t>)</a:t>
+            </a:r>
+          </a:p>
+          <a:p>
+            <a:pPr lvl="1"/>
+            <a:r>
+              <a:rPr lang="en-US" dirty="0"/>
+              <a:t>uint16_t </a:t>
             </a:r>
             <a:r>
               <a:rPr lang="en-US" dirty="0" err="1"/>
-              <a:t>struct</a:t>
+              <a:t>ntohs</a:t>
             </a:r>
             <a:r>
               <a:rPr lang="en-US" dirty="0"/>
-              <a:t> </a:t>
-            </a:r>
-            <a:r>
-              <a:rPr lang="en-US" dirty="0" err="1"/>
-              <a:t>sockaddr</a:t>
-            </a:r>
-            <a:r>
-              <a:rPr lang="en-US" dirty="0"/>
-              <a:t> *</a:t>
-            </a:r>
-            <a:r>
-              <a:rPr lang="en-US" dirty="0" err="1"/>
-              <a:t>addr</a:t>
-            </a:r>
-            <a:r>
-              <a:rPr lang="en-US" dirty="0"/>
-              <a:t>, </a:t>
-            </a:r>
-            <a:r>
-              <a:rPr lang="en-US" dirty="0" err="1"/>
-              <a:t>socklen_t</a:t>
-            </a:r>
-            <a:r>
-              <a:rPr lang="en-US" dirty="0"/>
-              <a:t> </a:t>
-            </a:r>
-            <a:r>
-              <a:rPr lang="en-US" dirty="0" err="1"/>
-              <a:t>len</a:t>
-            </a:r>
-            <a:r>
-              <a:rPr lang="en-US" dirty="0"/>
-              <a:t>)</a:t>
+              <a:t>(uint16_t netint16)</a:t>
             </a:r>
           </a:p>
         </p:txBody>
@@ -5503,7 +5171,7 @@
     </p:spTree>
     <p:extLst>
       <p:ext uri="{BB962C8B-B14F-4D97-AF65-F5344CB8AC3E}">
-        <p14:creationId xmlns:p14="http://schemas.microsoft.com/office/powerpoint/2010/main" val="425040553"/>
+        <p14:creationId xmlns:p14="http://schemas.microsoft.com/office/powerpoint/2010/main" val="3289176059"/>
       </p:ext>
     </p:extLst>
   </p:cSld>
@@ -5546,2524 +5214,6 @@
           <a:lstStyle/>
           <a:p>
             <a:r>
-              <a:rPr lang="en-US" dirty="0" err="1"/>
-              <a:t>Thiết</a:t>
-            </a:r>
-            <a:r>
-              <a:rPr lang="en-US" dirty="0"/>
-              <a:t> </a:t>
-            </a:r>
-            <a:r>
-              <a:rPr lang="en-US" dirty="0" err="1"/>
-              <a:t>lập</a:t>
-            </a:r>
-            <a:r>
-              <a:rPr lang="en-US" dirty="0"/>
-              <a:t> </a:t>
-            </a:r>
-            <a:r>
-              <a:rPr lang="en-US" dirty="0" err="1"/>
-              <a:t>kết</a:t>
-            </a:r>
-            <a:r>
-              <a:rPr lang="en-US" dirty="0"/>
-              <a:t> </a:t>
-            </a:r>
-            <a:r>
-              <a:rPr lang="en-US" dirty="0" err="1"/>
-              <a:t>nối</a:t>
-            </a:r>
-            <a:endParaRPr lang="en-US" dirty="0"/>
-          </a:p>
-        </p:txBody>
-      </p:sp>
-      <p:sp>
-        <p:nvSpPr>
-          <p:cNvPr id="3" name="Content Placeholder 2"/>
-          <p:cNvSpPr>
-            <a:spLocks noGrp="1"/>
-          </p:cNvSpPr>
-          <p:nvPr>
-            <p:ph idx="1"/>
-          </p:nvPr>
-        </p:nvSpPr>
-        <p:spPr/>
-        <p:txBody>
-          <a:bodyPr/>
-          <a:lstStyle/>
-          <a:p>
-            <a:r>
-              <a:rPr lang="en-US" dirty="0" smtClean="0"/>
-              <a:t>Từ </a:t>
-            </a:r>
-            <a:r>
-              <a:rPr lang="en-US" dirty="0" err="1" smtClean="0"/>
-              <a:t>phía</a:t>
-            </a:r>
-            <a:r>
-              <a:rPr lang="en-US" dirty="0" smtClean="0"/>
-              <a:t> client</a:t>
-            </a:r>
-          </a:p>
-          <a:p>
-            <a:pPr lvl="1"/>
-            <a:r>
-              <a:rPr lang="en-US" dirty="0" smtClean="0"/>
-              <a:t>int </a:t>
-            </a:r>
-            <a:r>
-              <a:rPr lang="en-US" dirty="0"/>
-              <a:t>connect(int </a:t>
-            </a:r>
-            <a:r>
-              <a:rPr lang="en-US" dirty="0" err="1"/>
-              <a:t>sockfd</a:t>
-            </a:r>
-            <a:r>
-              <a:rPr lang="en-US" dirty="0"/>
-              <a:t>, const </a:t>
-            </a:r>
-            <a:r>
-              <a:rPr lang="en-US" dirty="0" err="1"/>
-              <a:t>struct</a:t>
-            </a:r>
-            <a:r>
-              <a:rPr lang="en-US" dirty="0"/>
-              <a:t> </a:t>
-            </a:r>
-            <a:r>
-              <a:rPr lang="en-US" dirty="0" err="1"/>
-              <a:t>sockaddr</a:t>
-            </a:r>
-            <a:r>
-              <a:rPr lang="en-US" dirty="0"/>
-              <a:t> *</a:t>
-            </a:r>
-            <a:r>
-              <a:rPr lang="en-US" dirty="0" err="1"/>
-              <a:t>addr</a:t>
-            </a:r>
-            <a:r>
-              <a:rPr lang="en-US" dirty="0"/>
-              <a:t>, </a:t>
-            </a:r>
-            <a:r>
-              <a:rPr lang="en-US" dirty="0" err="1"/>
-              <a:t>socklen_t</a:t>
-            </a:r>
-            <a:r>
-              <a:rPr lang="en-US" dirty="0"/>
-              <a:t> </a:t>
-            </a:r>
-            <a:r>
-              <a:rPr lang="en-US" dirty="0" err="1"/>
-              <a:t>len</a:t>
-            </a:r>
-            <a:r>
-              <a:rPr lang="en-US" dirty="0" smtClean="0"/>
-              <a:t>)</a:t>
-            </a:r>
-          </a:p>
-          <a:p>
-            <a:r>
-              <a:rPr lang="en-US" dirty="0" smtClean="0"/>
-              <a:t>Từ </a:t>
-            </a:r>
-            <a:r>
-              <a:rPr lang="en-US" dirty="0" err="1" smtClean="0"/>
-              <a:t>phía</a:t>
-            </a:r>
-            <a:r>
-              <a:rPr lang="en-US" dirty="0" smtClean="0"/>
-              <a:t> server</a:t>
-            </a:r>
-          </a:p>
-          <a:p>
-            <a:pPr lvl="1"/>
-            <a:r>
-              <a:rPr lang="sv-SE" dirty="0"/>
-              <a:t>int listen(int sockfd, int backlog)</a:t>
-            </a:r>
-            <a:endParaRPr lang="en-US" dirty="0"/>
-          </a:p>
-        </p:txBody>
-      </p:sp>
-      <p:sp>
-        <p:nvSpPr>
-          <p:cNvPr id="4" name="Footer Placeholder 3"/>
-          <p:cNvSpPr>
-            <a:spLocks noGrp="1"/>
-          </p:cNvSpPr>
-          <p:nvPr>
-            <p:ph type="ftr" sz="quarter" idx="11"/>
-          </p:nvPr>
-        </p:nvSpPr>
-        <p:spPr/>
-        <p:txBody>
-          <a:bodyPr/>
-          <a:lstStyle/>
-          <a:p>
-            <a:r>
-              <a:rPr lang="en-US" smtClean="0"/>
-              <a:t>©FPT SOFTWARE - Corporate Training Center - Internal Use</a:t>
-            </a:r>
-            <a:endParaRPr lang="en-US"/>
-          </a:p>
-        </p:txBody>
-      </p:sp>
-      <p:sp>
-        <p:nvSpPr>
-          <p:cNvPr id="5" name="Slide Number Placeholder 4"/>
-          <p:cNvSpPr>
-            <a:spLocks noGrp="1"/>
-          </p:cNvSpPr>
-          <p:nvPr>
-            <p:ph type="sldNum" sz="quarter" idx="12"/>
-          </p:nvPr>
-        </p:nvSpPr>
-        <p:spPr/>
-        <p:txBody>
-          <a:bodyPr/>
-          <a:lstStyle/>
-          <a:p>
-            <a:fld id="{E3B08AF7-4237-6949-8335-F63F47C2C8CC}" type="slidenum">
-              <a:rPr lang="en-US" smtClean="0"/>
-              <a:t>11</a:t>
-            </a:fld>
-            <a:endParaRPr lang="en-US"/>
-          </a:p>
-        </p:txBody>
-      </p:sp>
-    </p:spTree>
-    <p:extLst>
-      <p:ext uri="{BB962C8B-B14F-4D97-AF65-F5344CB8AC3E}">
-        <p14:creationId xmlns:p14="http://schemas.microsoft.com/office/powerpoint/2010/main" val="2793727634"/>
-      </p:ext>
-    </p:extLst>
-  </p:cSld>
-  <p:clrMapOvr>
-    <a:masterClrMapping/>
-  </p:clrMapOvr>
-</p:sld>
-</file>
-
-<file path=ppt/slides/slide12.xml><?xml version="1.0" encoding="utf-8"?>
-<p:sld xmlns:a="http://schemas.openxmlformats.org/drawingml/2006/main" xmlns:r="http://schemas.openxmlformats.org/officeDocument/2006/relationships" xmlns:p="http://schemas.openxmlformats.org/presentationml/2006/main">
-  <p:cSld>
-    <p:spTree>
-      <p:nvGrpSpPr>
-        <p:cNvPr id="1" name=""/>
-        <p:cNvGrpSpPr/>
-        <p:nvPr/>
-      </p:nvGrpSpPr>
-      <p:grpSpPr>
-        <a:xfrm>
-          <a:off x="0" y="0"/>
-          <a:ext cx="0" cy="0"/>
-          <a:chOff x="0" y="0"/>
-          <a:chExt cx="0" cy="0"/>
-        </a:xfrm>
-      </p:grpSpPr>
-      <p:sp>
-        <p:nvSpPr>
-          <p:cNvPr id="2" name="Title 1"/>
-          <p:cNvSpPr>
-            <a:spLocks noGrp="1"/>
-          </p:cNvSpPr>
-          <p:nvPr>
-            <p:ph type="title"/>
-          </p:nvPr>
-        </p:nvSpPr>
-        <p:spPr/>
-        <p:txBody>
-          <a:bodyPr/>
-          <a:lstStyle/>
-          <a:p>
-            <a:r>
-              <a:rPr lang="en-US" dirty="0"/>
-              <a:t>Gửi </a:t>
-            </a:r>
-            <a:r>
-              <a:rPr lang="en-US" dirty="0" err="1"/>
-              <a:t>nhận</a:t>
-            </a:r>
-            <a:r>
-              <a:rPr lang="en-US" dirty="0"/>
-              <a:t> dữ liệu</a:t>
-            </a:r>
-          </a:p>
-        </p:txBody>
-      </p:sp>
-      <p:sp>
-        <p:nvSpPr>
-          <p:cNvPr id="3" name="Content Placeholder 2"/>
-          <p:cNvSpPr>
-            <a:spLocks noGrp="1"/>
-          </p:cNvSpPr>
-          <p:nvPr>
-            <p:ph idx="1"/>
-          </p:nvPr>
-        </p:nvSpPr>
-        <p:spPr/>
-        <p:txBody>
-          <a:bodyPr/>
-          <a:lstStyle/>
-          <a:p>
-            <a:r>
-              <a:rPr lang="en-US" dirty="0"/>
-              <a:t>ssize_t send(int </a:t>
-            </a:r>
-            <a:r>
-              <a:rPr lang="en-US" dirty="0" err="1"/>
-              <a:t>sockfd</a:t>
-            </a:r>
-            <a:r>
-              <a:rPr lang="en-US" dirty="0"/>
-              <a:t>, const void *buf, size_t </a:t>
-            </a:r>
-            <a:r>
-              <a:rPr lang="en-US" dirty="0" err="1"/>
-              <a:t>nbytes</a:t>
-            </a:r>
-            <a:r>
-              <a:rPr lang="en-US" dirty="0"/>
-              <a:t>, int flags</a:t>
-            </a:r>
-            <a:r>
-              <a:rPr lang="en-US" dirty="0" smtClean="0"/>
-              <a:t>)</a:t>
-            </a:r>
-          </a:p>
-          <a:p>
-            <a:r>
-              <a:rPr lang="en-US" dirty="0"/>
-              <a:t>ssize_t </a:t>
-            </a:r>
-            <a:r>
-              <a:rPr lang="en-US" dirty="0" err="1"/>
-              <a:t>recv</a:t>
-            </a:r>
-            <a:r>
-              <a:rPr lang="en-US" dirty="0"/>
-              <a:t>(int </a:t>
-            </a:r>
-            <a:r>
-              <a:rPr lang="en-US" dirty="0" err="1"/>
-              <a:t>sockfd</a:t>
-            </a:r>
-            <a:r>
-              <a:rPr lang="en-US" dirty="0"/>
-              <a:t>, void *buf, size_t </a:t>
-            </a:r>
-            <a:r>
-              <a:rPr lang="en-US" dirty="0" err="1"/>
-              <a:t>nbytes</a:t>
-            </a:r>
-            <a:r>
-              <a:rPr lang="en-US" dirty="0"/>
-              <a:t>, int flags)</a:t>
-            </a:r>
-          </a:p>
-        </p:txBody>
-      </p:sp>
-      <p:sp>
-        <p:nvSpPr>
-          <p:cNvPr id="4" name="Footer Placeholder 3"/>
-          <p:cNvSpPr>
-            <a:spLocks noGrp="1"/>
-          </p:cNvSpPr>
-          <p:nvPr>
-            <p:ph type="ftr" sz="quarter" idx="11"/>
-          </p:nvPr>
-        </p:nvSpPr>
-        <p:spPr/>
-        <p:txBody>
-          <a:bodyPr/>
-          <a:lstStyle/>
-          <a:p>
-            <a:r>
-              <a:rPr lang="en-US" smtClean="0"/>
-              <a:t>©FPT SOFTWARE - Corporate Training Center - Internal Use</a:t>
-            </a:r>
-            <a:endParaRPr lang="en-US"/>
-          </a:p>
-        </p:txBody>
-      </p:sp>
-      <p:sp>
-        <p:nvSpPr>
-          <p:cNvPr id="5" name="Slide Number Placeholder 4"/>
-          <p:cNvSpPr>
-            <a:spLocks noGrp="1"/>
-          </p:cNvSpPr>
-          <p:nvPr>
-            <p:ph type="sldNum" sz="quarter" idx="12"/>
-          </p:nvPr>
-        </p:nvSpPr>
-        <p:spPr/>
-        <p:txBody>
-          <a:bodyPr/>
-          <a:lstStyle/>
-          <a:p>
-            <a:fld id="{E3B08AF7-4237-6949-8335-F63F47C2C8CC}" type="slidenum">
-              <a:rPr lang="en-US" smtClean="0"/>
-              <a:t>12</a:t>
-            </a:fld>
-            <a:endParaRPr lang="en-US"/>
-          </a:p>
-        </p:txBody>
-      </p:sp>
-    </p:spTree>
-    <p:extLst>
-      <p:ext uri="{BB962C8B-B14F-4D97-AF65-F5344CB8AC3E}">
-        <p14:creationId xmlns:p14="http://schemas.microsoft.com/office/powerpoint/2010/main" val="804142397"/>
-      </p:ext>
-    </p:extLst>
-  </p:cSld>
-  <p:clrMapOvr>
-    <a:masterClrMapping/>
-  </p:clrMapOvr>
-</p:sld>
-</file>
-
-<file path=ppt/slides/slide13.xml><?xml version="1.0" encoding="utf-8"?>
-<p:sld xmlns:a="http://schemas.openxmlformats.org/drawingml/2006/main" xmlns:r="http://schemas.openxmlformats.org/officeDocument/2006/relationships" xmlns:p="http://schemas.openxmlformats.org/presentationml/2006/main">
-  <p:cSld>
-    <p:spTree>
-      <p:nvGrpSpPr>
-        <p:cNvPr id="1" name=""/>
-        <p:cNvGrpSpPr/>
-        <p:nvPr/>
-      </p:nvGrpSpPr>
-      <p:grpSpPr>
-        <a:xfrm>
-          <a:off x="0" y="0"/>
-          <a:ext cx="0" cy="0"/>
-          <a:chOff x="0" y="0"/>
-          <a:chExt cx="0" cy="0"/>
-        </a:xfrm>
-      </p:grpSpPr>
-      <p:sp>
-        <p:nvSpPr>
-          <p:cNvPr id="2" name="Title 1"/>
-          <p:cNvSpPr>
-            <a:spLocks noGrp="1"/>
-          </p:cNvSpPr>
-          <p:nvPr>
-            <p:ph type="title"/>
-          </p:nvPr>
-        </p:nvSpPr>
-        <p:spPr/>
-        <p:txBody>
-          <a:bodyPr/>
-          <a:lstStyle/>
-          <a:p>
-            <a:r>
-              <a:rPr lang="en-US" dirty="0" err="1"/>
-              <a:t>Thực</a:t>
-            </a:r>
-            <a:r>
-              <a:rPr lang="en-US" dirty="0"/>
-              <a:t> </a:t>
-            </a:r>
-            <a:r>
-              <a:rPr lang="en-US" dirty="0" err="1"/>
-              <a:t>hành</a:t>
-            </a:r>
-            <a:endParaRPr lang="en-US" dirty="0"/>
-          </a:p>
-        </p:txBody>
-      </p:sp>
-      <p:sp>
-        <p:nvSpPr>
-          <p:cNvPr id="3" name="Content Placeholder 2"/>
-          <p:cNvSpPr>
-            <a:spLocks noGrp="1"/>
-          </p:cNvSpPr>
-          <p:nvPr>
-            <p:ph idx="1"/>
-          </p:nvPr>
-        </p:nvSpPr>
-        <p:spPr/>
-        <p:txBody>
-          <a:bodyPr/>
-          <a:lstStyle/>
-          <a:p>
-            <a:r>
-              <a:rPr lang="vi-VN" dirty="0"/>
-              <a:t>Viết 1 chương trình chat theo mô hình client server. Cả 2 chạy cùng trên 1 máy </a:t>
-            </a:r>
-            <a:r>
-              <a:rPr lang="vi-VN" dirty="0" smtClean="0"/>
-              <a:t>tính</a:t>
-            </a:r>
-            <a:endParaRPr lang="en-US" dirty="0" smtClean="0"/>
-          </a:p>
-          <a:p>
-            <a:r>
-              <a:rPr lang="vi-VN" dirty="0"/>
-              <a:t>Viết chương trình chat client server cho phép chat trong mạng </a:t>
-            </a:r>
-            <a:r>
-              <a:rPr lang="vi-VN" dirty="0" smtClean="0"/>
-              <a:t>Lan</a:t>
-            </a:r>
-            <a:endParaRPr lang="en-US" dirty="0" smtClean="0"/>
-          </a:p>
-          <a:p>
-            <a:r>
-              <a:rPr lang="vi-VN" dirty="0"/>
-              <a:t>Viết chương trình cho phép gửi nhận file từ nhà và công ty</a:t>
-            </a:r>
-            <a:endParaRPr lang="en-US" dirty="0"/>
-          </a:p>
-        </p:txBody>
-      </p:sp>
-      <p:sp>
-        <p:nvSpPr>
-          <p:cNvPr id="4" name="Footer Placeholder 3"/>
-          <p:cNvSpPr>
-            <a:spLocks noGrp="1"/>
-          </p:cNvSpPr>
-          <p:nvPr>
-            <p:ph type="ftr" sz="quarter" idx="11"/>
-          </p:nvPr>
-        </p:nvSpPr>
-        <p:spPr/>
-        <p:txBody>
-          <a:bodyPr/>
-          <a:lstStyle/>
-          <a:p>
-            <a:r>
-              <a:rPr lang="en-US" smtClean="0"/>
-              <a:t>©FPT SOFTWARE - Corporate Training Center - Internal Use</a:t>
-            </a:r>
-            <a:endParaRPr lang="en-US"/>
-          </a:p>
-        </p:txBody>
-      </p:sp>
-      <p:sp>
-        <p:nvSpPr>
-          <p:cNvPr id="5" name="Slide Number Placeholder 4"/>
-          <p:cNvSpPr>
-            <a:spLocks noGrp="1"/>
-          </p:cNvSpPr>
-          <p:nvPr>
-            <p:ph type="sldNum" sz="quarter" idx="12"/>
-          </p:nvPr>
-        </p:nvSpPr>
-        <p:spPr/>
-        <p:txBody>
-          <a:bodyPr/>
-          <a:lstStyle/>
-          <a:p>
-            <a:fld id="{E3B08AF7-4237-6949-8335-F63F47C2C8CC}" type="slidenum">
-              <a:rPr lang="en-US" smtClean="0"/>
-              <a:t>13</a:t>
-            </a:fld>
-            <a:endParaRPr lang="en-US"/>
-          </a:p>
-        </p:txBody>
-      </p:sp>
-    </p:spTree>
-    <p:extLst>
-      <p:ext uri="{BB962C8B-B14F-4D97-AF65-F5344CB8AC3E}">
-        <p14:creationId xmlns:p14="http://schemas.microsoft.com/office/powerpoint/2010/main" val="3421832573"/>
-      </p:ext>
-    </p:extLst>
-  </p:cSld>
-  <p:clrMapOvr>
-    <a:masterClrMapping/>
-  </p:clrMapOvr>
-</p:sld>
-</file>
-
-<file path=ppt/slides/slide14.xml><?xml version="1.0" encoding="utf-8"?>
-<p:sld xmlns:a="http://schemas.openxmlformats.org/drawingml/2006/main" xmlns:r="http://schemas.openxmlformats.org/officeDocument/2006/relationships" xmlns:p="http://schemas.openxmlformats.org/presentationml/2006/main">
-  <p:cSld>
-    <p:bg>
-      <p:bgPr>
-        <a:blipFill dpi="0" rotWithShape="1">
-          <a:blip r:embed="rId3">
-            <a:lum/>
-          </a:blip>
-          <a:srcRect/>
-          <a:stretch>
-            <a:fillRect/>
-          </a:stretch>
-        </a:blipFill>
-        <a:effectLst/>
-      </p:bgPr>
-    </p:bg>
-    <p:spTree>
-      <p:nvGrpSpPr>
-        <p:cNvPr id="1" name=""/>
-        <p:cNvGrpSpPr/>
-        <p:nvPr/>
-      </p:nvGrpSpPr>
-      <p:grpSpPr>
-        <a:xfrm>
-          <a:off x="0" y="0"/>
-          <a:ext cx="0" cy="0"/>
-          <a:chOff x="0" y="0"/>
-          <a:chExt cx="0" cy="0"/>
-        </a:xfrm>
-      </p:grpSpPr>
-      <p:sp>
-        <p:nvSpPr>
-          <p:cNvPr id="2" name="Title 1"/>
-          <p:cNvSpPr>
-            <a:spLocks noGrp="1"/>
-          </p:cNvSpPr>
-          <p:nvPr>
-            <p:ph type="ctrTitle"/>
-          </p:nvPr>
-        </p:nvSpPr>
-        <p:spPr>
-          <a:xfrm>
-            <a:off x="441960" y="2082799"/>
-            <a:ext cx="5115560" cy="678021"/>
-          </a:xfrm>
-        </p:spPr>
-        <p:txBody>
-          <a:bodyPr>
-            <a:noAutofit/>
-          </a:bodyPr>
-          <a:lstStyle/>
-          <a:p>
-            <a:r>
-              <a:rPr lang="en-US" sz="6600" dirty="0" smtClean="0">
-                <a:solidFill>
-                  <a:schemeClr val="accent6">
-                    <a:lumMod val="75000"/>
-                  </a:schemeClr>
-                </a:solidFill>
-                <a:cs typeface="Arial"/>
-              </a:rPr>
-              <a:t>Thank you</a:t>
-            </a:r>
-            <a:endParaRPr lang="en-US" sz="6600" dirty="0">
-              <a:solidFill>
-                <a:schemeClr val="accent6">
-                  <a:lumMod val="75000"/>
-                </a:schemeClr>
-              </a:solidFill>
-              <a:cs typeface="Arial"/>
-            </a:endParaRPr>
-          </a:p>
-        </p:txBody>
-      </p:sp>
-      <p:sp>
-        <p:nvSpPr>
-          <p:cNvPr id="4" name="Footer Placeholder 3"/>
-          <p:cNvSpPr>
-            <a:spLocks noGrp="1"/>
-          </p:cNvSpPr>
-          <p:nvPr>
-            <p:ph type="ftr" sz="quarter" idx="11"/>
-          </p:nvPr>
-        </p:nvSpPr>
-        <p:spPr/>
-        <p:txBody>
-          <a:bodyPr/>
-          <a:lstStyle/>
-          <a:p>
-            <a:r>
-              <a:rPr lang="en-US" smtClean="0"/>
-              <a:t>©FPT SOFTWARE - Corporate Training Center - Internal Use</a:t>
-            </a:r>
-            <a:endParaRPr lang="en-US" dirty="0"/>
-          </a:p>
-        </p:txBody>
-      </p:sp>
-      <p:sp>
-        <p:nvSpPr>
-          <p:cNvPr id="5" name="Slide Number Placeholder 4"/>
-          <p:cNvSpPr>
-            <a:spLocks noGrp="1"/>
-          </p:cNvSpPr>
-          <p:nvPr>
-            <p:ph type="sldNum" sz="quarter" idx="12"/>
-          </p:nvPr>
-        </p:nvSpPr>
-        <p:spPr/>
-        <p:txBody>
-          <a:bodyPr/>
-          <a:lstStyle/>
-          <a:p>
-            <a:fld id="{E3B08AF7-4237-6949-8335-F63F47C2C8CC}" type="slidenum">
-              <a:rPr lang="en-US" smtClean="0"/>
-              <a:t>14</a:t>
-            </a:fld>
-            <a:endParaRPr lang="en-US" dirty="0"/>
-          </a:p>
-        </p:txBody>
-      </p:sp>
-    </p:spTree>
-    <p:extLst>
-      <p:ext uri="{BB962C8B-B14F-4D97-AF65-F5344CB8AC3E}">
-        <p14:creationId xmlns:p14="http://schemas.microsoft.com/office/powerpoint/2010/main" val="3906525621"/>
-      </p:ext>
-    </p:extLst>
-  </p:cSld>
-  <p:clrMapOvr>
-    <a:masterClrMapping/>
-  </p:clrMapOvr>
-  <p:timing>
-    <p:tnLst>
-      <p:par>
-        <p:cTn id="1" dur="indefinite" restart="never" nodeType="tmRoot"/>
-      </p:par>
-    </p:tnLst>
-  </p:timing>
-</p:sld>
-</file>
-
-<file path=ppt/slides/slide2.xml><?xml version="1.0" encoding="utf-8"?>
-<p:sld xmlns:a="http://schemas.openxmlformats.org/drawingml/2006/main" xmlns:r="http://schemas.openxmlformats.org/officeDocument/2006/relationships" xmlns:p="http://schemas.openxmlformats.org/presentationml/2006/main">
-  <p:cSld>
-    <p:spTree>
-      <p:nvGrpSpPr>
-        <p:cNvPr id="1" name=""/>
-        <p:cNvGrpSpPr/>
-        <p:nvPr/>
-      </p:nvGrpSpPr>
-      <p:grpSpPr>
-        <a:xfrm>
-          <a:off x="0" y="0"/>
-          <a:ext cx="0" cy="0"/>
-          <a:chOff x="0" y="0"/>
-          <a:chExt cx="0" cy="0"/>
-        </a:xfrm>
-      </p:grpSpPr>
-      <p:sp>
-        <p:nvSpPr>
-          <p:cNvPr id="6" name="Title 5"/>
-          <p:cNvSpPr>
-            <a:spLocks noGrp="1"/>
-          </p:cNvSpPr>
-          <p:nvPr>
-            <p:ph type="title"/>
-          </p:nvPr>
-        </p:nvSpPr>
-        <p:spPr/>
-        <p:txBody>
-          <a:bodyPr/>
-          <a:lstStyle/>
-          <a:p>
-            <a:r>
-              <a:rPr lang="en-US" dirty="0" smtClean="0"/>
-              <a:t>Agenda</a:t>
-            </a:r>
-            <a:endParaRPr lang="en-US" dirty="0"/>
-          </a:p>
-        </p:txBody>
-      </p:sp>
-      <p:sp>
-        <p:nvSpPr>
-          <p:cNvPr id="7" name="Content Placeholder 6"/>
-          <p:cNvSpPr>
-            <a:spLocks noGrp="1"/>
-          </p:cNvSpPr>
-          <p:nvPr>
-            <p:ph idx="1"/>
-          </p:nvPr>
-        </p:nvSpPr>
-        <p:spPr/>
-        <p:txBody>
-          <a:bodyPr/>
-          <a:lstStyle/>
-          <a:p>
-            <a:r>
-              <a:rPr lang="en-US" dirty="0"/>
-              <a:t>Packet flow </a:t>
-            </a:r>
-            <a:r>
-              <a:rPr lang="en-US" dirty="0" smtClean="0"/>
-              <a:t>diagram.</a:t>
-            </a:r>
-          </a:p>
-          <a:p>
-            <a:r>
-              <a:rPr lang="en-US" dirty="0"/>
-              <a:t>Socket overview.</a:t>
-            </a:r>
-            <a:endParaRPr lang="en-US" dirty="0" smtClean="0"/>
-          </a:p>
-          <a:p>
-            <a:r>
-              <a:rPr lang="en-US" dirty="0"/>
-              <a:t>Programming with </a:t>
-            </a:r>
-            <a:r>
-              <a:rPr lang="en-US" dirty="0" smtClean="0"/>
-              <a:t>socket.</a:t>
-            </a:r>
-          </a:p>
-          <a:p>
-            <a:r>
-              <a:rPr lang="en-US" dirty="0" err="1" smtClean="0"/>
-              <a:t>Thực</a:t>
-            </a:r>
-            <a:r>
-              <a:rPr lang="en-US" dirty="0" smtClean="0"/>
-              <a:t> </a:t>
-            </a:r>
-            <a:r>
-              <a:rPr lang="en-US" dirty="0" err="1" smtClean="0"/>
-              <a:t>hành</a:t>
-            </a:r>
-            <a:r>
-              <a:rPr lang="en-US" dirty="0" smtClean="0"/>
-              <a:t>.</a:t>
-            </a:r>
-            <a:endParaRPr lang="en-US" dirty="0"/>
-          </a:p>
-        </p:txBody>
-      </p:sp>
-      <p:sp>
-        <p:nvSpPr>
-          <p:cNvPr id="4" name="Footer Placeholder 3"/>
-          <p:cNvSpPr>
-            <a:spLocks noGrp="1"/>
-          </p:cNvSpPr>
-          <p:nvPr>
-            <p:ph type="ftr" sz="quarter" idx="11"/>
-          </p:nvPr>
-        </p:nvSpPr>
-        <p:spPr/>
-        <p:txBody>
-          <a:bodyPr/>
-          <a:lstStyle/>
-          <a:p>
-            <a:r>
-              <a:rPr lang="en-US" smtClean="0"/>
-              <a:t>©FPT SOFTWARE - Corporate Training Center - Internal Use</a:t>
-            </a:r>
-            <a:endParaRPr lang="en-US"/>
-          </a:p>
-        </p:txBody>
-      </p:sp>
-      <p:sp>
-        <p:nvSpPr>
-          <p:cNvPr id="5" name="Slide Number Placeholder 4"/>
-          <p:cNvSpPr>
-            <a:spLocks noGrp="1"/>
-          </p:cNvSpPr>
-          <p:nvPr>
-            <p:ph type="sldNum" sz="quarter" idx="12"/>
-          </p:nvPr>
-        </p:nvSpPr>
-        <p:spPr/>
-        <p:txBody>
-          <a:bodyPr/>
-          <a:lstStyle/>
-          <a:p>
-            <a:fld id="{E3B08AF7-4237-6949-8335-F63F47C2C8CC}" type="slidenum">
-              <a:rPr lang="en-US" smtClean="0"/>
-              <a:t>2</a:t>
-            </a:fld>
-            <a:endParaRPr lang="en-US"/>
-          </a:p>
-        </p:txBody>
-      </p:sp>
-    </p:spTree>
-    <p:extLst>
-      <p:ext uri="{BB962C8B-B14F-4D97-AF65-F5344CB8AC3E}">
-        <p14:creationId xmlns:p14="http://schemas.microsoft.com/office/powerpoint/2010/main" val="1147135443"/>
-      </p:ext>
-    </p:extLst>
-  </p:cSld>
-  <p:clrMapOvr>
-    <a:masterClrMapping/>
-  </p:clrMapOvr>
-</p:sld>
-</file>
-
-<file path=ppt/slides/slide3.xml><?xml version="1.0" encoding="utf-8"?>
-<p:sld xmlns:a="http://schemas.openxmlformats.org/drawingml/2006/main" xmlns:r="http://schemas.openxmlformats.org/officeDocument/2006/relationships" xmlns:p="http://schemas.openxmlformats.org/presentationml/2006/main">
-  <p:cSld>
-    <p:spTree>
-      <p:nvGrpSpPr>
-        <p:cNvPr id="1" name=""/>
-        <p:cNvGrpSpPr/>
-        <p:nvPr/>
-      </p:nvGrpSpPr>
-      <p:grpSpPr>
-        <a:xfrm>
-          <a:off x="0" y="0"/>
-          <a:ext cx="0" cy="0"/>
-          <a:chOff x="0" y="0"/>
-          <a:chExt cx="0" cy="0"/>
-        </a:xfrm>
-      </p:grpSpPr>
-      <p:sp>
-        <p:nvSpPr>
-          <p:cNvPr id="10" name="Content Placeholder 9"/>
-          <p:cNvSpPr>
-            <a:spLocks noGrp="1"/>
-          </p:cNvSpPr>
-          <p:nvPr>
-            <p:ph idx="1"/>
-          </p:nvPr>
-        </p:nvSpPr>
-        <p:spPr/>
-        <p:txBody>
-          <a:bodyPr/>
-          <a:lstStyle/>
-          <a:p>
-            <a:r>
-              <a:rPr lang="en-US" dirty="0" err="1" smtClean="0"/>
-              <a:t>Địa</a:t>
-            </a:r>
-            <a:r>
-              <a:rPr lang="en-US" dirty="0" smtClean="0"/>
-              <a:t> </a:t>
-            </a:r>
-            <a:r>
-              <a:rPr lang="en-US" dirty="0" err="1" smtClean="0"/>
-              <a:t>chỉ</a:t>
-            </a:r>
-            <a:r>
-              <a:rPr lang="en-US" dirty="0" smtClean="0"/>
-              <a:t> IP</a:t>
-            </a:r>
-          </a:p>
-          <a:p>
-            <a:pPr lvl="1"/>
-            <a:r>
-              <a:rPr lang="en-US" dirty="0" smtClean="0"/>
-              <a:t>192.168.1.1</a:t>
-            </a:r>
-          </a:p>
-          <a:p>
-            <a:r>
-              <a:rPr lang="en-US" dirty="0" smtClean="0"/>
-              <a:t>Global IP address</a:t>
-            </a:r>
-          </a:p>
-          <a:p>
-            <a:r>
-              <a:rPr lang="en-US" dirty="0" smtClean="0"/>
-              <a:t>Local IP address</a:t>
-            </a:r>
-          </a:p>
-          <a:p>
-            <a:r>
-              <a:rPr lang="en-US" dirty="0" smtClean="0"/>
-              <a:t>Port</a:t>
-            </a:r>
-          </a:p>
-          <a:p>
-            <a:r>
-              <a:rPr lang="en-US" dirty="0" smtClean="0"/>
-              <a:t>Client and sever</a:t>
-            </a:r>
-            <a:endParaRPr lang="en-US" dirty="0"/>
-          </a:p>
-        </p:txBody>
-      </p:sp>
-      <p:pic>
-        <p:nvPicPr>
-          <p:cNvPr id="12" name="Picture 11"/>
-          <p:cNvPicPr>
-            <a:picLocks noChangeAspect="1"/>
-          </p:cNvPicPr>
-          <p:nvPr/>
-        </p:nvPicPr>
-        <p:blipFill>
-          <a:blip r:embed="rId3"/>
-          <a:stretch>
-            <a:fillRect/>
-          </a:stretch>
-        </p:blipFill>
-        <p:spPr>
-          <a:xfrm>
-            <a:off x="457200" y="1786604"/>
-            <a:ext cx="3010719" cy="1648160"/>
-          </a:xfrm>
-          <a:prstGeom prst="rect">
-            <a:avLst/>
-          </a:prstGeom>
-        </p:spPr>
-      </p:pic>
-      <p:sp>
-        <p:nvSpPr>
-          <p:cNvPr id="11" name="Text Placeholder 10"/>
-          <p:cNvSpPr>
-            <a:spLocks noGrp="1"/>
-          </p:cNvSpPr>
-          <p:nvPr>
-            <p:ph type="body" sz="half" idx="2"/>
-          </p:nvPr>
-        </p:nvSpPr>
-        <p:spPr/>
-        <p:txBody>
-          <a:bodyPr/>
-          <a:lstStyle/>
-          <a:p>
-            <a:endParaRPr lang="en-US" dirty="0"/>
-          </a:p>
-        </p:txBody>
-      </p:sp>
-      <p:sp>
-        <p:nvSpPr>
-          <p:cNvPr id="7" name="Footer Placeholder 6"/>
-          <p:cNvSpPr>
-            <a:spLocks noGrp="1"/>
-          </p:cNvSpPr>
-          <p:nvPr>
-            <p:ph type="ftr" sz="quarter" idx="11"/>
-          </p:nvPr>
-        </p:nvSpPr>
-        <p:spPr/>
-        <p:txBody>
-          <a:bodyPr/>
-          <a:lstStyle/>
-          <a:p>
-            <a:r>
-              <a:rPr lang="en-US" dirty="0" smtClean="0"/>
-              <a:t>©FPT SOFTWARE - Corporate Training Center - Internal Use</a:t>
-            </a:r>
-            <a:endParaRPr lang="en-US" dirty="0"/>
-          </a:p>
-        </p:txBody>
-      </p:sp>
-      <p:sp>
-        <p:nvSpPr>
-          <p:cNvPr id="8" name="Slide Number Placeholder 7"/>
-          <p:cNvSpPr>
-            <a:spLocks noGrp="1"/>
-          </p:cNvSpPr>
-          <p:nvPr>
-            <p:ph type="sldNum" sz="quarter" idx="12"/>
-          </p:nvPr>
-        </p:nvSpPr>
-        <p:spPr/>
-        <p:txBody>
-          <a:bodyPr/>
-          <a:lstStyle/>
-          <a:p>
-            <a:fld id="{E3B08AF7-4237-6949-8335-F63F47C2C8CC}" type="slidenum">
-              <a:rPr lang="en-US" smtClean="0"/>
-              <a:t>3</a:t>
-            </a:fld>
-            <a:endParaRPr lang="en-US" dirty="0"/>
-          </a:p>
-        </p:txBody>
-      </p:sp>
-      <p:sp>
-        <p:nvSpPr>
-          <p:cNvPr id="9" name="Title 8"/>
-          <p:cNvSpPr>
-            <a:spLocks noGrp="1"/>
-          </p:cNvSpPr>
-          <p:nvPr>
-            <p:ph type="title"/>
-          </p:nvPr>
-        </p:nvSpPr>
-        <p:spPr/>
-        <p:txBody>
-          <a:bodyPr/>
-          <a:lstStyle/>
-          <a:p>
-            <a:r>
-              <a:rPr lang="en-US" dirty="0" err="1" smtClean="0"/>
-              <a:t>Định</a:t>
-            </a:r>
-            <a:r>
-              <a:rPr lang="en-US" dirty="0" smtClean="0"/>
-              <a:t> </a:t>
-            </a:r>
-            <a:r>
-              <a:rPr lang="en-US" dirty="0" err="1" smtClean="0"/>
-              <a:t>danh</a:t>
-            </a:r>
-            <a:r>
-              <a:rPr lang="en-US" dirty="0" smtClean="0"/>
-              <a:t> trong </a:t>
-            </a:r>
-            <a:r>
-              <a:rPr lang="en-US" dirty="0" err="1" smtClean="0"/>
-              <a:t>mạng</a:t>
-            </a:r>
-            <a:r>
-              <a:rPr lang="en-US" dirty="0" smtClean="0"/>
-              <a:t> internet</a:t>
-            </a:r>
-            <a:endParaRPr lang="en-US" dirty="0"/>
-          </a:p>
-        </p:txBody>
-      </p:sp>
-    </p:spTree>
-    <p:extLst>
-      <p:ext uri="{BB962C8B-B14F-4D97-AF65-F5344CB8AC3E}">
-        <p14:creationId xmlns:p14="http://schemas.microsoft.com/office/powerpoint/2010/main" val="1486024769"/>
-      </p:ext>
-    </p:extLst>
-  </p:cSld>
-  <p:clrMapOvr>
-    <a:masterClrMapping/>
-  </p:clrMapOvr>
-</p:sld>
-</file>
-
-<file path=ppt/slides/slide4.xml><?xml version="1.0" encoding="utf-8"?>
-<p:sld xmlns:a="http://schemas.openxmlformats.org/drawingml/2006/main" xmlns:r="http://schemas.openxmlformats.org/officeDocument/2006/relationships" xmlns:p="http://schemas.openxmlformats.org/presentationml/2006/main">
-  <p:cSld>
-    <p:spTree>
-      <p:nvGrpSpPr>
-        <p:cNvPr id="1" name=""/>
-        <p:cNvGrpSpPr/>
-        <p:nvPr/>
-      </p:nvGrpSpPr>
-      <p:grpSpPr>
-        <a:xfrm>
-          <a:off x="0" y="0"/>
-          <a:ext cx="0" cy="0"/>
-          <a:chOff x="0" y="0"/>
-          <a:chExt cx="0" cy="0"/>
-        </a:xfrm>
-      </p:grpSpPr>
-      <p:sp>
-        <p:nvSpPr>
-          <p:cNvPr id="2" name="Title 1"/>
-          <p:cNvSpPr>
-            <a:spLocks noGrp="1"/>
-          </p:cNvSpPr>
-          <p:nvPr>
-            <p:ph type="title"/>
-          </p:nvPr>
-        </p:nvSpPr>
-        <p:spPr/>
-        <p:txBody>
-          <a:bodyPr/>
-          <a:lstStyle/>
-          <a:p>
-            <a:r>
-              <a:rPr lang="en-US" dirty="0"/>
-              <a:t>Packet flow diagram</a:t>
-            </a:r>
-          </a:p>
-        </p:txBody>
-      </p:sp>
-      <p:pic>
-        <p:nvPicPr>
-          <p:cNvPr id="6" name="Content Placeholder 5"/>
-          <p:cNvPicPr>
-            <a:picLocks noGrp="1" noChangeAspect="1"/>
-          </p:cNvPicPr>
-          <p:nvPr>
-            <p:ph idx="1"/>
-          </p:nvPr>
-        </p:nvPicPr>
-        <p:blipFill>
-          <a:blip r:embed="rId2"/>
-          <a:stretch>
-            <a:fillRect/>
-          </a:stretch>
-        </p:blipFill>
-        <p:spPr>
-          <a:xfrm>
-            <a:off x="1547317" y="871538"/>
-            <a:ext cx="6049366" cy="3722687"/>
-          </a:xfrm>
-          <a:prstGeom prst="rect">
-            <a:avLst/>
-          </a:prstGeom>
-        </p:spPr>
-      </p:pic>
-      <p:sp>
-        <p:nvSpPr>
-          <p:cNvPr id="4" name="Footer Placeholder 3"/>
-          <p:cNvSpPr>
-            <a:spLocks noGrp="1"/>
-          </p:cNvSpPr>
-          <p:nvPr>
-            <p:ph type="ftr" sz="quarter" idx="11"/>
-          </p:nvPr>
-        </p:nvSpPr>
-        <p:spPr/>
-        <p:txBody>
-          <a:bodyPr/>
-          <a:lstStyle/>
-          <a:p>
-            <a:r>
-              <a:rPr lang="en-US" smtClean="0"/>
-              <a:t>©FPT SOFTWARE - Corporate Training Center - Internal Use</a:t>
-            </a:r>
-            <a:endParaRPr lang="en-US"/>
-          </a:p>
-        </p:txBody>
-      </p:sp>
-      <p:sp>
-        <p:nvSpPr>
-          <p:cNvPr id="5" name="Slide Number Placeholder 4"/>
-          <p:cNvSpPr>
-            <a:spLocks noGrp="1"/>
-          </p:cNvSpPr>
-          <p:nvPr>
-            <p:ph type="sldNum" sz="quarter" idx="12"/>
-          </p:nvPr>
-        </p:nvSpPr>
-        <p:spPr/>
-        <p:txBody>
-          <a:bodyPr/>
-          <a:lstStyle/>
-          <a:p>
-            <a:fld id="{E3B08AF7-4237-6949-8335-F63F47C2C8CC}" type="slidenum">
-              <a:rPr lang="en-US" smtClean="0"/>
-              <a:t>4</a:t>
-            </a:fld>
-            <a:endParaRPr lang="en-US"/>
-          </a:p>
-        </p:txBody>
-      </p:sp>
-    </p:spTree>
-    <p:extLst>
-      <p:ext uri="{BB962C8B-B14F-4D97-AF65-F5344CB8AC3E}">
-        <p14:creationId xmlns:p14="http://schemas.microsoft.com/office/powerpoint/2010/main" val="2709202873"/>
-      </p:ext>
-    </p:extLst>
-  </p:cSld>
-  <p:clrMapOvr>
-    <a:masterClrMapping/>
-  </p:clrMapOvr>
-</p:sld>
-</file>
-
-<file path=ppt/slides/slide5.xml><?xml version="1.0" encoding="utf-8"?>
-<p:sld xmlns:a="http://schemas.openxmlformats.org/drawingml/2006/main" xmlns:r="http://schemas.openxmlformats.org/officeDocument/2006/relationships" xmlns:p="http://schemas.openxmlformats.org/presentationml/2006/main">
-  <p:cSld>
-    <p:spTree>
-      <p:nvGrpSpPr>
-        <p:cNvPr id="1" name=""/>
-        <p:cNvGrpSpPr/>
-        <p:nvPr/>
-      </p:nvGrpSpPr>
-      <p:grpSpPr>
-        <a:xfrm>
-          <a:off x="0" y="0"/>
-          <a:ext cx="0" cy="0"/>
-          <a:chOff x="0" y="0"/>
-          <a:chExt cx="0" cy="0"/>
-        </a:xfrm>
-      </p:grpSpPr>
-      <p:sp>
-        <p:nvSpPr>
-          <p:cNvPr id="2" name="Title 1"/>
-          <p:cNvSpPr>
-            <a:spLocks noGrp="1"/>
-          </p:cNvSpPr>
-          <p:nvPr>
-            <p:ph type="title"/>
-          </p:nvPr>
-        </p:nvSpPr>
-        <p:spPr/>
-        <p:txBody>
-          <a:bodyPr/>
-          <a:lstStyle/>
-          <a:p>
-            <a:r>
-              <a:rPr lang="en-US" dirty="0"/>
-              <a:t>Socket overview</a:t>
-            </a:r>
-          </a:p>
-        </p:txBody>
-      </p:sp>
-      <p:sp>
-        <p:nvSpPr>
-          <p:cNvPr id="3" name="Content Placeholder 2"/>
-          <p:cNvSpPr>
-            <a:spLocks noGrp="1"/>
-          </p:cNvSpPr>
-          <p:nvPr>
-            <p:ph idx="1"/>
-          </p:nvPr>
-        </p:nvSpPr>
-        <p:spPr/>
-        <p:txBody>
-          <a:bodyPr/>
-          <a:lstStyle/>
-          <a:p>
-            <a:r>
-              <a:rPr lang="vi-VN" dirty="0"/>
-              <a:t>Socket là các file ở dạng endpoint, khi ghi data vào 1 đầu thì data sẽ được gửi sang 1 hoặc nhiều đầu khác</a:t>
-            </a:r>
-            <a:r>
-              <a:rPr lang="vi-VN" dirty="0" smtClean="0"/>
-              <a:t>.</a:t>
-            </a:r>
-            <a:endParaRPr lang="en-US" dirty="0" smtClean="0"/>
-          </a:p>
-          <a:p>
-            <a:r>
-              <a:rPr lang="vi-VN" dirty="0"/>
-              <a:t>Các với các file thông thường, socket cho phép data được gửi ra khỏi máy tính để đi vào mạng </a:t>
-            </a:r>
-            <a:r>
-              <a:rPr lang="vi-VN" dirty="0" smtClean="0"/>
-              <a:t>internet</a:t>
-            </a:r>
-            <a:r>
-              <a:rPr lang="en-US" dirty="0" smtClean="0"/>
-              <a:t>.</a:t>
-            </a:r>
-            <a:endParaRPr lang="en-US" dirty="0"/>
-          </a:p>
-        </p:txBody>
-      </p:sp>
-      <p:sp>
-        <p:nvSpPr>
-          <p:cNvPr id="4" name="Footer Placeholder 3"/>
-          <p:cNvSpPr>
-            <a:spLocks noGrp="1"/>
-          </p:cNvSpPr>
-          <p:nvPr>
-            <p:ph type="ftr" sz="quarter" idx="11"/>
-          </p:nvPr>
-        </p:nvSpPr>
-        <p:spPr/>
-        <p:txBody>
-          <a:bodyPr/>
-          <a:lstStyle/>
-          <a:p>
-            <a:r>
-              <a:rPr lang="en-US" smtClean="0"/>
-              <a:t>©FPT SOFTWARE - Corporate Training Center - Internal Use</a:t>
-            </a:r>
-            <a:endParaRPr lang="en-US"/>
-          </a:p>
-        </p:txBody>
-      </p:sp>
-      <p:sp>
-        <p:nvSpPr>
-          <p:cNvPr id="5" name="Slide Number Placeholder 4"/>
-          <p:cNvSpPr>
-            <a:spLocks noGrp="1"/>
-          </p:cNvSpPr>
-          <p:nvPr>
-            <p:ph type="sldNum" sz="quarter" idx="12"/>
-          </p:nvPr>
-        </p:nvSpPr>
-        <p:spPr/>
-        <p:txBody>
-          <a:bodyPr/>
-          <a:lstStyle/>
-          <a:p>
-            <a:fld id="{E3B08AF7-4237-6949-8335-F63F47C2C8CC}" type="slidenum">
-              <a:rPr lang="en-US" smtClean="0"/>
-              <a:t>5</a:t>
-            </a:fld>
-            <a:endParaRPr lang="en-US"/>
-          </a:p>
-        </p:txBody>
-      </p:sp>
-    </p:spTree>
-    <p:extLst>
-      <p:ext uri="{BB962C8B-B14F-4D97-AF65-F5344CB8AC3E}">
-        <p14:creationId xmlns:p14="http://schemas.microsoft.com/office/powerpoint/2010/main" val="1668340489"/>
-      </p:ext>
-    </p:extLst>
-  </p:cSld>
-  <p:clrMapOvr>
-    <a:masterClrMapping/>
-  </p:clrMapOvr>
-</p:sld>
-</file>
-
-<file path=ppt/slides/slide6.xml><?xml version="1.0" encoding="utf-8"?>
-<p:sld xmlns:a="http://schemas.openxmlformats.org/drawingml/2006/main" xmlns:r="http://schemas.openxmlformats.org/officeDocument/2006/relationships" xmlns:p="http://schemas.openxmlformats.org/presentationml/2006/main">
-  <p:cSld>
-    <p:spTree>
-      <p:nvGrpSpPr>
-        <p:cNvPr id="1" name=""/>
-        <p:cNvGrpSpPr/>
-        <p:nvPr/>
-      </p:nvGrpSpPr>
-      <p:grpSpPr>
-        <a:xfrm>
-          <a:off x="0" y="0"/>
-          <a:ext cx="0" cy="0"/>
-          <a:chOff x="0" y="0"/>
-          <a:chExt cx="0" cy="0"/>
-        </a:xfrm>
-      </p:grpSpPr>
-      <p:sp>
-        <p:nvSpPr>
-          <p:cNvPr id="2" name="Title 1"/>
-          <p:cNvSpPr>
-            <a:spLocks noGrp="1"/>
-          </p:cNvSpPr>
-          <p:nvPr>
-            <p:ph type="title"/>
-          </p:nvPr>
-        </p:nvSpPr>
-        <p:spPr/>
-        <p:txBody>
-          <a:bodyPr/>
-          <a:lstStyle/>
-          <a:p>
-            <a:r>
-              <a:rPr lang="vi-VN" sz="2800" dirty="0"/>
-              <a:t>Sơ đồ setup socket trên sever và client</a:t>
-            </a:r>
-            <a:endParaRPr lang="en-US" sz="2800" dirty="0"/>
-          </a:p>
-        </p:txBody>
-      </p:sp>
-      <p:sp>
-        <p:nvSpPr>
-          <p:cNvPr id="6" name="Text Placeholder 5"/>
-          <p:cNvSpPr>
-            <a:spLocks noGrp="1"/>
-          </p:cNvSpPr>
-          <p:nvPr>
-            <p:ph type="body" idx="1"/>
-          </p:nvPr>
-        </p:nvSpPr>
-        <p:spPr/>
-        <p:txBody>
-          <a:bodyPr/>
-          <a:lstStyle/>
-          <a:p>
-            <a:r>
-              <a:rPr lang="en-US" dirty="0" smtClean="0"/>
-              <a:t>Sever</a:t>
-            </a:r>
-            <a:endParaRPr lang="en-US" dirty="0"/>
-          </a:p>
-        </p:txBody>
-      </p:sp>
-      <p:sp>
-        <p:nvSpPr>
-          <p:cNvPr id="7" name="Content Placeholder 6"/>
-          <p:cNvSpPr>
-            <a:spLocks noGrp="1"/>
-          </p:cNvSpPr>
-          <p:nvPr>
-            <p:ph sz="half" idx="2"/>
-          </p:nvPr>
-        </p:nvSpPr>
-        <p:spPr/>
-        <p:txBody>
-          <a:bodyPr/>
-          <a:lstStyle/>
-          <a:p>
-            <a:pPr marL="0" indent="0">
-              <a:buNone/>
-            </a:pPr>
-            <a:endParaRPr lang="en-US" dirty="0"/>
-          </a:p>
-        </p:txBody>
-      </p:sp>
-      <p:sp>
-        <p:nvSpPr>
-          <p:cNvPr id="8" name="Text Placeholder 7"/>
-          <p:cNvSpPr>
-            <a:spLocks noGrp="1"/>
-          </p:cNvSpPr>
-          <p:nvPr>
-            <p:ph type="body" sz="quarter" idx="3"/>
-          </p:nvPr>
-        </p:nvSpPr>
-        <p:spPr/>
-        <p:txBody>
-          <a:bodyPr/>
-          <a:lstStyle/>
-          <a:p>
-            <a:r>
-              <a:rPr lang="en-US" dirty="0" smtClean="0"/>
-              <a:t>client</a:t>
-            </a:r>
-            <a:endParaRPr lang="en-US" dirty="0"/>
-          </a:p>
-        </p:txBody>
-      </p:sp>
-      <p:sp>
-        <p:nvSpPr>
-          <p:cNvPr id="9" name="Content Placeholder 8"/>
-          <p:cNvSpPr>
-            <a:spLocks noGrp="1"/>
-          </p:cNvSpPr>
-          <p:nvPr>
-            <p:ph sz="quarter" idx="4"/>
-          </p:nvPr>
-        </p:nvSpPr>
-        <p:spPr/>
-        <p:txBody>
-          <a:bodyPr/>
-          <a:lstStyle/>
-          <a:p>
-            <a:pPr marL="0" indent="0">
-              <a:buNone/>
-            </a:pPr>
-            <a:endParaRPr lang="en-US" dirty="0"/>
-          </a:p>
-        </p:txBody>
-      </p:sp>
-      <p:sp>
-        <p:nvSpPr>
-          <p:cNvPr id="4" name="Footer Placeholder 3"/>
-          <p:cNvSpPr>
-            <a:spLocks noGrp="1"/>
-          </p:cNvSpPr>
-          <p:nvPr>
-            <p:ph type="ftr" sz="quarter" idx="11"/>
-          </p:nvPr>
-        </p:nvSpPr>
-        <p:spPr/>
-        <p:txBody>
-          <a:bodyPr/>
-          <a:lstStyle/>
-          <a:p>
-            <a:r>
-              <a:rPr lang="en-US" smtClean="0"/>
-              <a:t>©FPT SOFTWARE - Corporate Training Center - Internal Use</a:t>
-            </a:r>
-            <a:endParaRPr lang="en-US"/>
-          </a:p>
-        </p:txBody>
-      </p:sp>
-      <p:sp>
-        <p:nvSpPr>
-          <p:cNvPr id="5" name="Slide Number Placeholder 4"/>
-          <p:cNvSpPr>
-            <a:spLocks noGrp="1"/>
-          </p:cNvSpPr>
-          <p:nvPr>
-            <p:ph type="sldNum" sz="quarter" idx="12"/>
-          </p:nvPr>
-        </p:nvSpPr>
-        <p:spPr/>
-        <p:txBody>
-          <a:bodyPr/>
-          <a:lstStyle/>
-          <a:p>
-            <a:fld id="{E3B08AF7-4237-6949-8335-F63F47C2C8CC}" type="slidenum">
-              <a:rPr lang="en-US" smtClean="0"/>
-              <a:t>6</a:t>
-            </a:fld>
-            <a:endParaRPr lang="en-US"/>
-          </a:p>
-        </p:txBody>
-      </p:sp>
-      <p:sp>
-        <p:nvSpPr>
-          <p:cNvPr id="10" name="Rectangle 9"/>
-          <p:cNvSpPr/>
-          <p:nvPr/>
-        </p:nvSpPr>
-        <p:spPr>
-          <a:xfrm>
-            <a:off x="1021977" y="1475334"/>
-            <a:ext cx="2927616" cy="264964"/>
-          </a:xfrm>
-          <a:prstGeom prst="rect">
-            <a:avLst/>
-          </a:prstGeom>
-        </p:spPr>
-        <p:style>
-          <a:lnRef idx="1">
-            <a:schemeClr val="accent1"/>
-          </a:lnRef>
-          <a:fillRef idx="3">
-            <a:schemeClr val="accent1"/>
-          </a:fillRef>
-          <a:effectRef idx="2">
-            <a:schemeClr val="accent1"/>
-          </a:effectRef>
-          <a:fontRef idx="minor">
-            <a:schemeClr val="lt1"/>
-          </a:fontRef>
-        </p:style>
-        <p:txBody>
-          <a:bodyPr rtlCol="0" anchor="ctr"/>
-          <a:lstStyle/>
-          <a:p>
-            <a:pPr algn="ctr"/>
-            <a:r>
-              <a:rPr lang="en-US" dirty="0" smtClean="0"/>
-              <a:t>Socket()</a:t>
-            </a:r>
-            <a:endParaRPr lang="en-US" dirty="0"/>
-          </a:p>
-        </p:txBody>
-      </p:sp>
-      <p:sp>
-        <p:nvSpPr>
-          <p:cNvPr id="11" name="Rectangle 10"/>
-          <p:cNvSpPr/>
-          <p:nvPr/>
-        </p:nvSpPr>
-        <p:spPr>
-          <a:xfrm>
-            <a:off x="1006909" y="1904163"/>
-            <a:ext cx="2927616" cy="264964"/>
-          </a:xfrm>
-          <a:prstGeom prst="rect">
-            <a:avLst/>
-          </a:prstGeom>
-        </p:spPr>
-        <p:style>
-          <a:lnRef idx="1">
-            <a:schemeClr val="accent1"/>
-          </a:lnRef>
-          <a:fillRef idx="3">
-            <a:schemeClr val="accent1"/>
-          </a:fillRef>
-          <a:effectRef idx="2">
-            <a:schemeClr val="accent1"/>
-          </a:effectRef>
-          <a:fontRef idx="minor">
-            <a:schemeClr val="lt1"/>
-          </a:fontRef>
-        </p:style>
-        <p:txBody>
-          <a:bodyPr rtlCol="0" anchor="ctr"/>
-          <a:lstStyle/>
-          <a:p>
-            <a:pPr algn="ctr"/>
-            <a:r>
-              <a:rPr lang="en-US" dirty="0" err="1" smtClean="0"/>
-              <a:t>Init</a:t>
-            </a:r>
-            <a:r>
-              <a:rPr lang="en-US" dirty="0" smtClean="0"/>
-              <a:t> </a:t>
-            </a:r>
-            <a:r>
-              <a:rPr lang="en-US" dirty="0" err="1"/>
-              <a:t>sockaddr_in</a:t>
-            </a:r>
-            <a:endParaRPr lang="en-US" dirty="0"/>
-          </a:p>
-        </p:txBody>
-      </p:sp>
-      <p:sp>
-        <p:nvSpPr>
-          <p:cNvPr id="12" name="Rectangle 11"/>
-          <p:cNvSpPr/>
-          <p:nvPr/>
-        </p:nvSpPr>
-        <p:spPr>
-          <a:xfrm>
-            <a:off x="1006909" y="2304249"/>
-            <a:ext cx="2927616" cy="264964"/>
-          </a:xfrm>
-          <a:prstGeom prst="rect">
-            <a:avLst/>
-          </a:prstGeom>
-        </p:spPr>
-        <p:style>
-          <a:lnRef idx="1">
-            <a:schemeClr val="accent1"/>
-          </a:lnRef>
-          <a:fillRef idx="3">
-            <a:schemeClr val="accent1"/>
-          </a:fillRef>
-          <a:effectRef idx="2">
-            <a:schemeClr val="accent1"/>
-          </a:effectRef>
-          <a:fontRef idx="minor">
-            <a:schemeClr val="lt1"/>
-          </a:fontRef>
-        </p:style>
-        <p:txBody>
-          <a:bodyPr rtlCol="0" anchor="ctr"/>
-          <a:lstStyle/>
-          <a:p>
-            <a:pPr algn="ctr"/>
-            <a:r>
-              <a:rPr lang="en-US" dirty="0" smtClean="0"/>
-              <a:t>Bind()</a:t>
-            </a:r>
-            <a:endParaRPr lang="en-US" dirty="0"/>
-          </a:p>
-        </p:txBody>
-      </p:sp>
-      <p:sp>
-        <p:nvSpPr>
-          <p:cNvPr id="13" name="Rectangle 12"/>
-          <p:cNvSpPr/>
-          <p:nvPr/>
-        </p:nvSpPr>
-        <p:spPr>
-          <a:xfrm>
-            <a:off x="1006909" y="2715480"/>
-            <a:ext cx="2927616" cy="264964"/>
-          </a:xfrm>
-          <a:prstGeom prst="rect">
-            <a:avLst/>
-          </a:prstGeom>
-        </p:spPr>
-        <p:style>
-          <a:lnRef idx="1">
-            <a:schemeClr val="accent1"/>
-          </a:lnRef>
-          <a:fillRef idx="3">
-            <a:schemeClr val="accent1"/>
-          </a:fillRef>
-          <a:effectRef idx="2">
-            <a:schemeClr val="accent1"/>
-          </a:effectRef>
-          <a:fontRef idx="minor">
-            <a:schemeClr val="lt1"/>
-          </a:fontRef>
-        </p:style>
-        <p:txBody>
-          <a:bodyPr rtlCol="0" anchor="ctr"/>
-          <a:lstStyle/>
-          <a:p>
-            <a:pPr algn="ctr"/>
-            <a:r>
-              <a:rPr lang="en-US" dirty="0" smtClean="0"/>
-              <a:t>Listen()</a:t>
-            </a:r>
-            <a:endParaRPr lang="en-US" dirty="0"/>
-          </a:p>
-        </p:txBody>
-      </p:sp>
-      <p:sp>
-        <p:nvSpPr>
-          <p:cNvPr id="14" name="Rectangle 13"/>
-          <p:cNvSpPr/>
-          <p:nvPr/>
-        </p:nvSpPr>
-        <p:spPr>
-          <a:xfrm>
-            <a:off x="1021977" y="3111338"/>
-            <a:ext cx="2927616" cy="264964"/>
-          </a:xfrm>
-          <a:prstGeom prst="rect">
-            <a:avLst/>
-          </a:prstGeom>
-        </p:spPr>
-        <p:style>
-          <a:lnRef idx="1">
-            <a:schemeClr val="accent1"/>
-          </a:lnRef>
-          <a:fillRef idx="3">
-            <a:schemeClr val="accent1"/>
-          </a:fillRef>
-          <a:effectRef idx="2">
-            <a:schemeClr val="accent1"/>
-          </a:effectRef>
-          <a:fontRef idx="minor">
-            <a:schemeClr val="lt1"/>
-          </a:fontRef>
-        </p:style>
-        <p:txBody>
-          <a:bodyPr rtlCol="0" anchor="ctr"/>
-          <a:lstStyle/>
-          <a:p>
-            <a:pPr algn="ctr"/>
-            <a:r>
-              <a:rPr lang="en-US" dirty="0"/>
-              <a:t>accept</a:t>
-            </a:r>
-            <a:r>
-              <a:rPr lang="en-US" dirty="0" smtClean="0"/>
-              <a:t>()</a:t>
-            </a:r>
-            <a:endParaRPr lang="en-US" dirty="0"/>
-          </a:p>
-        </p:txBody>
-      </p:sp>
-      <p:sp>
-        <p:nvSpPr>
-          <p:cNvPr id="15" name="Rectangle 14"/>
-          <p:cNvSpPr/>
-          <p:nvPr/>
-        </p:nvSpPr>
-        <p:spPr>
-          <a:xfrm>
-            <a:off x="5202105" y="1475334"/>
-            <a:ext cx="2927616" cy="264964"/>
-          </a:xfrm>
-          <a:prstGeom prst="rect">
-            <a:avLst/>
-          </a:prstGeom>
-        </p:spPr>
-        <p:style>
-          <a:lnRef idx="1">
-            <a:schemeClr val="accent1"/>
-          </a:lnRef>
-          <a:fillRef idx="3">
-            <a:schemeClr val="accent1"/>
-          </a:fillRef>
-          <a:effectRef idx="2">
-            <a:schemeClr val="accent1"/>
-          </a:effectRef>
-          <a:fontRef idx="minor">
-            <a:schemeClr val="lt1"/>
-          </a:fontRef>
-        </p:style>
-        <p:txBody>
-          <a:bodyPr rtlCol="0" anchor="ctr"/>
-          <a:lstStyle/>
-          <a:p>
-            <a:pPr algn="ctr"/>
-            <a:r>
-              <a:rPr lang="en-US" dirty="0" smtClean="0"/>
-              <a:t>Socket()</a:t>
-            </a:r>
-            <a:endParaRPr lang="en-US" dirty="0"/>
-          </a:p>
-        </p:txBody>
-      </p:sp>
-      <p:sp>
-        <p:nvSpPr>
-          <p:cNvPr id="16" name="Rectangle 15"/>
-          <p:cNvSpPr/>
-          <p:nvPr/>
-        </p:nvSpPr>
-        <p:spPr>
-          <a:xfrm>
-            <a:off x="5202105" y="1904163"/>
-            <a:ext cx="2927616" cy="264964"/>
-          </a:xfrm>
-          <a:prstGeom prst="rect">
-            <a:avLst/>
-          </a:prstGeom>
-        </p:spPr>
-        <p:style>
-          <a:lnRef idx="1">
-            <a:schemeClr val="accent1"/>
-          </a:lnRef>
-          <a:fillRef idx="3">
-            <a:schemeClr val="accent1"/>
-          </a:fillRef>
-          <a:effectRef idx="2">
-            <a:schemeClr val="accent1"/>
-          </a:effectRef>
-          <a:fontRef idx="minor">
-            <a:schemeClr val="lt1"/>
-          </a:fontRef>
-        </p:style>
-        <p:txBody>
-          <a:bodyPr rtlCol="0" anchor="ctr"/>
-          <a:lstStyle/>
-          <a:p>
-            <a:pPr algn="ctr"/>
-            <a:r>
-              <a:rPr lang="en-US" dirty="0" err="1" smtClean="0"/>
-              <a:t>Init</a:t>
-            </a:r>
-            <a:r>
-              <a:rPr lang="en-US" dirty="0" smtClean="0"/>
-              <a:t> </a:t>
-            </a:r>
-            <a:r>
-              <a:rPr lang="en-US" dirty="0" err="1"/>
-              <a:t>sockaddr_in</a:t>
-            </a:r>
-            <a:endParaRPr lang="en-US" dirty="0"/>
-          </a:p>
-        </p:txBody>
-      </p:sp>
-      <p:sp>
-        <p:nvSpPr>
-          <p:cNvPr id="17" name="Rectangle 16"/>
-          <p:cNvSpPr/>
-          <p:nvPr/>
-        </p:nvSpPr>
-        <p:spPr>
-          <a:xfrm>
-            <a:off x="5202105" y="2304249"/>
-            <a:ext cx="2927616" cy="264964"/>
-          </a:xfrm>
-          <a:prstGeom prst="rect">
-            <a:avLst/>
-          </a:prstGeom>
-        </p:spPr>
-        <p:style>
-          <a:lnRef idx="1">
-            <a:schemeClr val="accent1"/>
-          </a:lnRef>
-          <a:fillRef idx="3">
-            <a:schemeClr val="accent1"/>
-          </a:fillRef>
-          <a:effectRef idx="2">
-            <a:schemeClr val="accent1"/>
-          </a:effectRef>
-          <a:fontRef idx="minor">
-            <a:schemeClr val="lt1"/>
-          </a:fontRef>
-        </p:style>
-        <p:txBody>
-          <a:bodyPr rtlCol="0" anchor="ctr"/>
-          <a:lstStyle/>
-          <a:p>
-            <a:pPr algn="ctr"/>
-            <a:r>
-              <a:rPr lang="en-US" dirty="0"/>
-              <a:t>connect</a:t>
-            </a:r>
-            <a:r>
-              <a:rPr lang="en-US" dirty="0" smtClean="0"/>
-              <a:t>()</a:t>
-            </a:r>
-            <a:endParaRPr lang="en-US" dirty="0"/>
-          </a:p>
-        </p:txBody>
-      </p:sp>
-      <p:sp>
-        <p:nvSpPr>
-          <p:cNvPr id="18" name="Rectangle 17"/>
-          <p:cNvSpPr/>
-          <p:nvPr/>
-        </p:nvSpPr>
-        <p:spPr>
-          <a:xfrm>
-            <a:off x="3181218" y="3540167"/>
-            <a:ext cx="2927616" cy="264964"/>
-          </a:xfrm>
-          <a:prstGeom prst="rect">
-            <a:avLst/>
-          </a:prstGeom>
-        </p:spPr>
-        <p:style>
-          <a:lnRef idx="1">
-            <a:schemeClr val="accent1"/>
-          </a:lnRef>
-          <a:fillRef idx="3">
-            <a:schemeClr val="accent1"/>
-          </a:fillRef>
-          <a:effectRef idx="2">
-            <a:schemeClr val="accent1"/>
-          </a:effectRef>
-          <a:fontRef idx="minor">
-            <a:schemeClr val="lt1"/>
-          </a:fontRef>
-        </p:style>
-        <p:txBody>
-          <a:bodyPr rtlCol="0" anchor="ctr"/>
-          <a:lstStyle/>
-          <a:p>
-            <a:pPr algn="ctr"/>
-            <a:r>
-              <a:rPr lang="en-US" dirty="0" smtClean="0"/>
-              <a:t>send()</a:t>
-            </a:r>
-            <a:endParaRPr lang="en-US" dirty="0"/>
-          </a:p>
-        </p:txBody>
-      </p:sp>
-      <p:sp>
-        <p:nvSpPr>
-          <p:cNvPr id="19" name="Rectangle 18"/>
-          <p:cNvSpPr/>
-          <p:nvPr/>
-        </p:nvSpPr>
-        <p:spPr>
-          <a:xfrm>
-            <a:off x="3181218" y="3961435"/>
-            <a:ext cx="2927616" cy="264964"/>
-          </a:xfrm>
-          <a:prstGeom prst="rect">
-            <a:avLst/>
-          </a:prstGeom>
-        </p:spPr>
-        <p:style>
-          <a:lnRef idx="1">
-            <a:schemeClr val="accent1"/>
-          </a:lnRef>
-          <a:fillRef idx="3">
-            <a:schemeClr val="accent1"/>
-          </a:fillRef>
-          <a:effectRef idx="2">
-            <a:schemeClr val="accent1"/>
-          </a:effectRef>
-          <a:fontRef idx="minor">
-            <a:schemeClr val="lt1"/>
-          </a:fontRef>
-        </p:style>
-        <p:txBody>
-          <a:bodyPr rtlCol="0" anchor="ctr"/>
-          <a:lstStyle/>
-          <a:p>
-            <a:pPr algn="ctr"/>
-            <a:r>
-              <a:rPr lang="en-US" dirty="0" smtClean="0"/>
-              <a:t>read()</a:t>
-            </a:r>
-            <a:endParaRPr lang="en-US" dirty="0"/>
-          </a:p>
-        </p:txBody>
-      </p:sp>
-      <p:sp>
-        <p:nvSpPr>
-          <p:cNvPr id="20" name="Rectangle 19"/>
-          <p:cNvSpPr/>
-          <p:nvPr/>
-        </p:nvSpPr>
-        <p:spPr>
-          <a:xfrm>
-            <a:off x="3181218" y="4358947"/>
-            <a:ext cx="2927616" cy="264964"/>
-          </a:xfrm>
-          <a:prstGeom prst="rect">
-            <a:avLst/>
-          </a:prstGeom>
-        </p:spPr>
-        <p:style>
-          <a:lnRef idx="1">
-            <a:schemeClr val="accent1"/>
-          </a:lnRef>
-          <a:fillRef idx="3">
-            <a:schemeClr val="accent1"/>
-          </a:fillRef>
-          <a:effectRef idx="2">
-            <a:schemeClr val="accent1"/>
-          </a:effectRef>
-          <a:fontRef idx="minor">
-            <a:schemeClr val="lt1"/>
-          </a:fontRef>
-        </p:style>
-        <p:txBody>
-          <a:bodyPr rtlCol="0" anchor="ctr"/>
-          <a:lstStyle/>
-          <a:p>
-            <a:pPr algn="ctr"/>
-            <a:r>
-              <a:rPr lang="en-US" dirty="0" smtClean="0"/>
-              <a:t>close()</a:t>
-            </a:r>
-            <a:endParaRPr lang="en-US" dirty="0"/>
-          </a:p>
-        </p:txBody>
-      </p:sp>
-    </p:spTree>
-    <p:extLst>
-      <p:ext uri="{BB962C8B-B14F-4D97-AF65-F5344CB8AC3E}">
-        <p14:creationId xmlns:p14="http://schemas.microsoft.com/office/powerpoint/2010/main" val="1400334781"/>
-      </p:ext>
-    </p:extLst>
-  </p:cSld>
-  <p:clrMapOvr>
-    <a:masterClrMapping/>
-  </p:clrMapOvr>
-</p:sld>
-</file>
-
-<file path=ppt/slides/slide7.xml><?xml version="1.0" encoding="utf-8"?>
-<p:sld xmlns:a="http://schemas.openxmlformats.org/drawingml/2006/main" xmlns:r="http://schemas.openxmlformats.org/officeDocument/2006/relationships" xmlns:p="http://schemas.openxmlformats.org/presentationml/2006/main">
-  <p:cSld>
-    <p:spTree>
-      <p:nvGrpSpPr>
-        <p:cNvPr id="1" name=""/>
-        <p:cNvGrpSpPr/>
-        <p:nvPr/>
-      </p:nvGrpSpPr>
-      <p:grpSpPr>
-        <a:xfrm>
-          <a:off x="0" y="0"/>
-          <a:ext cx="0" cy="0"/>
-          <a:chOff x="0" y="0"/>
-          <a:chExt cx="0" cy="0"/>
-        </a:xfrm>
-      </p:grpSpPr>
-      <p:sp>
-        <p:nvSpPr>
-          <p:cNvPr id="2" name="Title 1"/>
-          <p:cNvSpPr>
-            <a:spLocks noGrp="1"/>
-          </p:cNvSpPr>
-          <p:nvPr>
-            <p:ph type="title"/>
-          </p:nvPr>
-        </p:nvSpPr>
-        <p:spPr/>
-        <p:txBody>
-          <a:bodyPr/>
-          <a:lstStyle/>
-          <a:p>
-            <a:r>
-              <a:rPr lang="en-US" dirty="0"/>
-              <a:t>Create a socket</a:t>
-            </a:r>
-          </a:p>
-        </p:txBody>
-      </p:sp>
-      <p:sp>
-        <p:nvSpPr>
-          <p:cNvPr id="3" name="Content Placeholder 2"/>
-          <p:cNvSpPr>
-            <a:spLocks noGrp="1"/>
-          </p:cNvSpPr>
-          <p:nvPr>
-            <p:ph idx="1"/>
-          </p:nvPr>
-        </p:nvSpPr>
-        <p:spPr/>
-        <p:txBody>
-          <a:bodyPr>
-            <a:normAutofit lnSpcReduction="10000"/>
-          </a:bodyPr>
-          <a:lstStyle/>
-          <a:p>
-            <a:r>
-              <a:rPr lang="en-US" dirty="0"/>
-              <a:t>#include &lt;sys/</a:t>
-            </a:r>
-            <a:r>
-              <a:rPr lang="en-US" dirty="0" err="1"/>
-              <a:t>socket.h</a:t>
-            </a:r>
-            <a:r>
-              <a:rPr lang="en-US" dirty="0" smtClean="0"/>
-              <a:t>&gt;</a:t>
-            </a:r>
-          </a:p>
-          <a:p>
-            <a:r>
-              <a:rPr lang="en-US" dirty="0"/>
-              <a:t>int socket(int domain, int type, int protocol</a:t>
-            </a:r>
-            <a:r>
-              <a:rPr lang="en-US" dirty="0" smtClean="0"/>
-              <a:t>)</a:t>
-            </a:r>
-          </a:p>
-          <a:p>
-            <a:pPr lvl="1"/>
-            <a:r>
-              <a:rPr lang="en-US" dirty="0" err="1"/>
-              <a:t>Giá</a:t>
-            </a:r>
-            <a:r>
-              <a:rPr lang="en-US" dirty="0"/>
-              <a:t> </a:t>
-            </a:r>
-            <a:r>
-              <a:rPr lang="en-US" dirty="0" err="1"/>
-              <a:t>trị</a:t>
-            </a:r>
-            <a:r>
-              <a:rPr lang="en-US" dirty="0"/>
-              <a:t> </a:t>
-            </a:r>
-            <a:r>
-              <a:rPr lang="en-US" dirty="0" err="1"/>
-              <a:t>trả</a:t>
-            </a:r>
-            <a:r>
-              <a:rPr lang="en-US" dirty="0"/>
-              <a:t> về sẽ là file descriptor </a:t>
-            </a:r>
-            <a:r>
-              <a:rPr lang="en-US" dirty="0" err="1"/>
-              <a:t>giống</a:t>
-            </a:r>
-            <a:r>
-              <a:rPr lang="en-US" dirty="0"/>
-              <a:t> với </a:t>
-            </a:r>
-            <a:r>
-              <a:rPr lang="en-US" dirty="0" err="1"/>
-              <a:t>hàm</a:t>
-            </a:r>
-            <a:r>
-              <a:rPr lang="en-US" dirty="0"/>
-              <a:t> </a:t>
-            </a:r>
-            <a:r>
-              <a:rPr lang="en-US" dirty="0" smtClean="0"/>
-              <a:t>open</a:t>
-            </a:r>
-          </a:p>
-          <a:p>
-            <a:pPr lvl="1"/>
-            <a:r>
-              <a:rPr lang="vi-VN" dirty="0"/>
-              <a:t>Tham số domain sẽ define một cách chung nhất về phương thức giao </a:t>
-            </a:r>
-            <a:r>
-              <a:rPr lang="vi-VN" dirty="0" smtClean="0"/>
-              <a:t>tiếp</a:t>
-            </a:r>
-            <a:endParaRPr lang="en-US" dirty="0" smtClean="0"/>
-          </a:p>
-          <a:p>
-            <a:pPr lvl="1"/>
-            <a:r>
-              <a:rPr lang="en-US" dirty="0"/>
-              <a:t>Tham </a:t>
-            </a:r>
-            <a:r>
-              <a:rPr lang="en-US" dirty="0" err="1"/>
-              <a:t>số</a:t>
-            </a:r>
-            <a:r>
-              <a:rPr lang="en-US" dirty="0"/>
-              <a:t> type sẽ </a:t>
-            </a:r>
-            <a:r>
-              <a:rPr lang="en-US" dirty="0" err="1"/>
-              <a:t>định</a:t>
-            </a:r>
-            <a:r>
-              <a:rPr lang="en-US" dirty="0"/>
-              <a:t> </a:t>
-            </a:r>
-            <a:r>
-              <a:rPr lang="en-US" dirty="0" err="1"/>
-              <a:t>nghĩa</a:t>
-            </a:r>
-            <a:r>
-              <a:rPr lang="en-US" dirty="0"/>
-              <a:t> </a:t>
-            </a:r>
-            <a:r>
-              <a:rPr lang="en-US" dirty="0" err="1"/>
-              <a:t>cách</a:t>
-            </a:r>
-            <a:r>
-              <a:rPr lang="en-US" dirty="0"/>
-              <a:t> </a:t>
-            </a:r>
-            <a:r>
-              <a:rPr lang="en-US" dirty="0" err="1"/>
-              <a:t>truyền</a:t>
-            </a:r>
-            <a:r>
-              <a:rPr lang="en-US" dirty="0"/>
-              <a:t> dữ </a:t>
-            </a:r>
-            <a:r>
-              <a:rPr lang="en-US" dirty="0" smtClean="0"/>
-              <a:t>liệu</a:t>
-            </a:r>
-          </a:p>
-          <a:p>
-            <a:pPr lvl="1"/>
-            <a:r>
-              <a:rPr lang="en-US" dirty="0"/>
-              <a:t>Tham </a:t>
-            </a:r>
-            <a:r>
-              <a:rPr lang="en-US" dirty="0" err="1"/>
-              <a:t>số</a:t>
-            </a:r>
-            <a:r>
-              <a:rPr lang="en-US" dirty="0"/>
-              <a:t> protocol </a:t>
-            </a:r>
-            <a:r>
-              <a:rPr lang="en-US" dirty="0" err="1"/>
-              <a:t>định</a:t>
-            </a:r>
-            <a:r>
-              <a:rPr lang="en-US" dirty="0"/>
-              <a:t> </a:t>
-            </a:r>
-            <a:r>
-              <a:rPr lang="en-US" dirty="0" err="1"/>
-              <a:t>nghĩa</a:t>
-            </a:r>
-            <a:r>
-              <a:rPr lang="en-US" dirty="0"/>
-              <a:t> </a:t>
-            </a:r>
-            <a:r>
-              <a:rPr lang="en-US" dirty="0" err="1"/>
-              <a:t>chuẩn</a:t>
-            </a:r>
-            <a:r>
-              <a:rPr lang="en-US" dirty="0"/>
-              <a:t> giao </a:t>
-            </a:r>
-            <a:r>
-              <a:rPr lang="en-US" dirty="0" err="1"/>
-              <a:t>tiếp</a:t>
-            </a:r>
-            <a:endParaRPr lang="en-US" dirty="0"/>
-          </a:p>
-        </p:txBody>
-      </p:sp>
-      <p:sp>
-        <p:nvSpPr>
-          <p:cNvPr id="4" name="Footer Placeholder 3"/>
-          <p:cNvSpPr>
-            <a:spLocks noGrp="1"/>
-          </p:cNvSpPr>
-          <p:nvPr>
-            <p:ph type="ftr" sz="quarter" idx="11"/>
-          </p:nvPr>
-        </p:nvSpPr>
-        <p:spPr/>
-        <p:txBody>
-          <a:bodyPr/>
-          <a:lstStyle/>
-          <a:p>
-            <a:r>
-              <a:rPr lang="en-US" smtClean="0"/>
-              <a:t>©FPT SOFTWARE - Corporate Training Center - Internal Use</a:t>
-            </a:r>
-            <a:endParaRPr lang="en-US"/>
-          </a:p>
-        </p:txBody>
-      </p:sp>
-      <p:sp>
-        <p:nvSpPr>
-          <p:cNvPr id="5" name="Slide Number Placeholder 4"/>
-          <p:cNvSpPr>
-            <a:spLocks noGrp="1"/>
-          </p:cNvSpPr>
-          <p:nvPr>
-            <p:ph type="sldNum" sz="quarter" idx="12"/>
-          </p:nvPr>
-        </p:nvSpPr>
-        <p:spPr/>
-        <p:txBody>
-          <a:bodyPr/>
-          <a:lstStyle/>
-          <a:p>
-            <a:fld id="{E3B08AF7-4237-6949-8335-F63F47C2C8CC}" type="slidenum">
-              <a:rPr lang="en-US" smtClean="0"/>
-              <a:t>7</a:t>
-            </a:fld>
-            <a:endParaRPr lang="en-US"/>
-          </a:p>
-        </p:txBody>
-      </p:sp>
-    </p:spTree>
-    <p:extLst>
-      <p:ext uri="{BB962C8B-B14F-4D97-AF65-F5344CB8AC3E}">
-        <p14:creationId xmlns:p14="http://schemas.microsoft.com/office/powerpoint/2010/main" val="174856696"/>
-      </p:ext>
-    </p:extLst>
-  </p:cSld>
-  <p:clrMapOvr>
-    <a:masterClrMapping/>
-  </p:clrMapOvr>
-</p:sld>
-</file>
-
-<file path=ppt/slides/slide8.xml><?xml version="1.0" encoding="utf-8"?>
-<p:sld xmlns:a="http://schemas.openxmlformats.org/drawingml/2006/main" xmlns:r="http://schemas.openxmlformats.org/officeDocument/2006/relationships" xmlns:p="http://schemas.openxmlformats.org/presentationml/2006/main">
-  <p:cSld>
-    <p:spTree>
-      <p:nvGrpSpPr>
-        <p:cNvPr id="1" name=""/>
-        <p:cNvGrpSpPr/>
-        <p:nvPr/>
-      </p:nvGrpSpPr>
-      <p:grpSpPr>
-        <a:xfrm>
-          <a:off x="0" y="0"/>
-          <a:ext cx="0" cy="0"/>
-          <a:chOff x="0" y="0"/>
-          <a:chExt cx="0" cy="0"/>
-        </a:xfrm>
-      </p:grpSpPr>
-      <p:sp>
-        <p:nvSpPr>
-          <p:cNvPr id="2" name="Title 1"/>
-          <p:cNvSpPr>
-            <a:spLocks noGrp="1"/>
-          </p:cNvSpPr>
-          <p:nvPr>
-            <p:ph type="title"/>
-          </p:nvPr>
-        </p:nvSpPr>
-        <p:spPr/>
-        <p:txBody>
-          <a:bodyPr/>
-          <a:lstStyle/>
-          <a:p>
-            <a:r>
-              <a:rPr lang="en-US" dirty="0"/>
-              <a:t>Address bytes ordering</a:t>
-            </a:r>
-          </a:p>
-        </p:txBody>
-      </p:sp>
-      <p:sp>
-        <p:nvSpPr>
-          <p:cNvPr id="3" name="Content Placeholder 2"/>
-          <p:cNvSpPr>
-            <a:spLocks noGrp="1"/>
-          </p:cNvSpPr>
-          <p:nvPr>
-            <p:ph idx="1"/>
-          </p:nvPr>
-        </p:nvSpPr>
-        <p:spPr/>
-        <p:txBody>
-          <a:bodyPr>
-            <a:normAutofit/>
-          </a:bodyPr>
-          <a:lstStyle/>
-          <a:p>
-            <a:r>
-              <a:rPr lang="vi-VN" dirty="0" smtClean="0"/>
-              <a:t>Cần </a:t>
-            </a:r>
-            <a:r>
-              <a:rPr lang="vi-VN" dirty="0"/>
-              <a:t>1 chuẩn order dữ liệu chung trong network để tất cả có thể hiểu được</a:t>
-            </a:r>
-            <a:r>
-              <a:rPr lang="vi-VN" dirty="0" smtClean="0"/>
-              <a:t>.</a:t>
-            </a:r>
-            <a:endParaRPr lang="en-US" dirty="0" smtClean="0"/>
-          </a:p>
-          <a:p>
-            <a:r>
-              <a:rPr lang="en-US" dirty="0"/>
-              <a:t>Các </a:t>
-            </a:r>
-            <a:r>
-              <a:rPr lang="en-US" dirty="0" err="1"/>
-              <a:t>hàm</a:t>
-            </a:r>
-            <a:r>
-              <a:rPr lang="en-US" dirty="0"/>
-              <a:t> convert order của data từ </a:t>
-            </a:r>
-            <a:r>
-              <a:rPr lang="en-US" dirty="0" err="1"/>
-              <a:t>máy</a:t>
-            </a:r>
-            <a:r>
-              <a:rPr lang="en-US" dirty="0"/>
-              <a:t> tính sang </a:t>
-            </a:r>
-            <a:r>
-              <a:rPr lang="en-US" dirty="0" smtClean="0"/>
-              <a:t>network</a:t>
-            </a:r>
-          </a:p>
-          <a:p>
-            <a:pPr lvl="1"/>
-            <a:r>
-              <a:rPr lang="en-US" dirty="0"/>
-              <a:t>uint32_t </a:t>
-            </a:r>
-            <a:r>
-              <a:rPr lang="en-US" dirty="0" err="1"/>
-              <a:t>htonl</a:t>
-            </a:r>
-            <a:r>
-              <a:rPr lang="en-US" dirty="0"/>
-              <a:t>(uint32_t hostint32</a:t>
-            </a:r>
-            <a:r>
-              <a:rPr lang="en-US" dirty="0" smtClean="0"/>
-              <a:t>)</a:t>
-            </a:r>
-          </a:p>
-          <a:p>
-            <a:pPr lvl="1"/>
-            <a:r>
-              <a:rPr lang="en-US" dirty="0"/>
-              <a:t>uint16_t </a:t>
-            </a:r>
-            <a:r>
-              <a:rPr lang="en-US" dirty="0" err="1"/>
-              <a:t>ntohs</a:t>
-            </a:r>
-            <a:r>
-              <a:rPr lang="en-US" dirty="0"/>
-              <a:t>(uint16_t netint16)</a:t>
-            </a:r>
-          </a:p>
-        </p:txBody>
-      </p:sp>
-      <p:sp>
-        <p:nvSpPr>
-          <p:cNvPr id="4" name="Footer Placeholder 3"/>
-          <p:cNvSpPr>
-            <a:spLocks noGrp="1"/>
-          </p:cNvSpPr>
-          <p:nvPr>
-            <p:ph type="ftr" sz="quarter" idx="11"/>
-          </p:nvPr>
-        </p:nvSpPr>
-        <p:spPr/>
-        <p:txBody>
-          <a:bodyPr/>
-          <a:lstStyle/>
-          <a:p>
-            <a:r>
-              <a:rPr lang="en-US" smtClean="0"/>
-              <a:t>©FPT SOFTWARE - Corporate Training Center - Internal Use</a:t>
-            </a:r>
-            <a:endParaRPr lang="en-US"/>
-          </a:p>
-        </p:txBody>
-      </p:sp>
-      <p:sp>
-        <p:nvSpPr>
-          <p:cNvPr id="5" name="Slide Number Placeholder 4"/>
-          <p:cNvSpPr>
-            <a:spLocks noGrp="1"/>
-          </p:cNvSpPr>
-          <p:nvPr>
-            <p:ph type="sldNum" sz="quarter" idx="12"/>
-          </p:nvPr>
-        </p:nvSpPr>
-        <p:spPr/>
-        <p:txBody>
-          <a:bodyPr/>
-          <a:lstStyle/>
-          <a:p>
-            <a:fld id="{E3B08AF7-4237-6949-8335-F63F47C2C8CC}" type="slidenum">
-              <a:rPr lang="en-US" smtClean="0"/>
-              <a:t>8</a:t>
-            </a:fld>
-            <a:endParaRPr lang="en-US"/>
-          </a:p>
-        </p:txBody>
-      </p:sp>
-    </p:spTree>
-    <p:extLst>
-      <p:ext uri="{BB962C8B-B14F-4D97-AF65-F5344CB8AC3E}">
-        <p14:creationId xmlns:p14="http://schemas.microsoft.com/office/powerpoint/2010/main" val="3289176059"/>
-      </p:ext>
-    </p:extLst>
-  </p:cSld>
-  <p:clrMapOvr>
-    <a:masterClrMapping/>
-  </p:clrMapOvr>
-</p:sld>
-</file>
-
-<file path=ppt/slides/slide9.xml><?xml version="1.0" encoding="utf-8"?>
-<p:sld xmlns:a="http://schemas.openxmlformats.org/drawingml/2006/main" xmlns:r="http://schemas.openxmlformats.org/officeDocument/2006/relationships" xmlns:p="http://schemas.openxmlformats.org/presentationml/2006/main">
-  <p:cSld>
-    <p:spTree>
-      <p:nvGrpSpPr>
-        <p:cNvPr id="1" name=""/>
-        <p:cNvGrpSpPr/>
-        <p:nvPr/>
-      </p:nvGrpSpPr>
-      <p:grpSpPr>
-        <a:xfrm>
-          <a:off x="0" y="0"/>
-          <a:ext cx="0" cy="0"/>
-          <a:chOff x="0" y="0"/>
-          <a:chExt cx="0" cy="0"/>
-        </a:xfrm>
-      </p:grpSpPr>
-      <p:sp>
-        <p:nvSpPr>
-          <p:cNvPr id="2" name="Title 1"/>
-          <p:cNvSpPr>
-            <a:spLocks noGrp="1"/>
-          </p:cNvSpPr>
-          <p:nvPr>
-            <p:ph type="title"/>
-          </p:nvPr>
-        </p:nvSpPr>
-        <p:spPr/>
-        <p:txBody>
-          <a:bodyPr/>
-          <a:lstStyle/>
-          <a:p>
-            <a:r>
               <a:rPr lang="en-US" dirty="0"/>
               <a:t>Address format</a:t>
             </a:r>
@@ -8110,7 +5260,7 @@
           <a:p>
             <a:fld id="{E3B08AF7-4237-6949-8335-F63F47C2C8CC}" type="slidenum">
               <a:rPr lang="en-US" smtClean="0"/>
-              <a:t>9</a:t>
+              <a:t>11</a:t>
             </a:fld>
             <a:endParaRPr lang="en-US"/>
           </a:p>
@@ -8202,6 +5352,5194 @@
     <p:extLst>
       <p:ext uri="{BB962C8B-B14F-4D97-AF65-F5344CB8AC3E}">
         <p14:creationId xmlns:p14="http://schemas.microsoft.com/office/powerpoint/2010/main" val="1008032612"/>
+      </p:ext>
+    </p:extLst>
+  </p:cSld>
+  <p:clrMapOvr>
+    <a:masterClrMapping/>
+  </p:clrMapOvr>
+</p:sld>
+</file>
+
+<file path=ppt/slides/slide12.xml><?xml version="1.0" encoding="utf-8"?>
+<p:sld xmlns:a="http://schemas.openxmlformats.org/drawingml/2006/main" xmlns:r="http://schemas.openxmlformats.org/officeDocument/2006/relationships" xmlns:p="http://schemas.openxmlformats.org/presentationml/2006/main">
+  <p:cSld>
+    <p:spTree>
+      <p:nvGrpSpPr>
+        <p:cNvPr id="1" name=""/>
+        <p:cNvGrpSpPr/>
+        <p:nvPr/>
+      </p:nvGrpSpPr>
+      <p:grpSpPr>
+        <a:xfrm>
+          <a:off x="0" y="0"/>
+          <a:ext cx="0" cy="0"/>
+          <a:chOff x="0" y="0"/>
+          <a:chExt cx="0" cy="0"/>
+        </a:xfrm>
+      </p:grpSpPr>
+      <p:sp>
+        <p:nvSpPr>
+          <p:cNvPr id="2" name="Title 1"/>
+          <p:cNvSpPr>
+            <a:spLocks noGrp="1"/>
+          </p:cNvSpPr>
+          <p:nvPr>
+            <p:ph type="title"/>
+          </p:nvPr>
+        </p:nvSpPr>
+        <p:spPr/>
+        <p:txBody>
+          <a:bodyPr/>
+          <a:lstStyle/>
+          <a:p>
+            <a:r>
+              <a:rPr lang="en-US" dirty="0" err="1"/>
+              <a:t>Gán</a:t>
+            </a:r>
+            <a:r>
+              <a:rPr lang="en-US" dirty="0"/>
+              <a:t> </a:t>
+            </a:r>
+            <a:r>
+              <a:rPr lang="en-US" dirty="0" err="1"/>
+              <a:t>địa</a:t>
+            </a:r>
+            <a:r>
+              <a:rPr lang="en-US" dirty="0"/>
+              <a:t> </a:t>
+            </a:r>
+            <a:r>
+              <a:rPr lang="en-US" dirty="0" err="1"/>
+              <a:t>chỉ</a:t>
+            </a:r>
+            <a:r>
+              <a:rPr lang="en-US" dirty="0"/>
+              <a:t> cho socket</a:t>
+            </a:r>
+          </a:p>
+        </p:txBody>
+      </p:sp>
+      <p:sp>
+        <p:nvSpPr>
+          <p:cNvPr id="3" name="Content Placeholder 2"/>
+          <p:cNvSpPr>
+            <a:spLocks noGrp="1"/>
+          </p:cNvSpPr>
+          <p:nvPr>
+            <p:ph idx="1"/>
+          </p:nvPr>
+        </p:nvSpPr>
+        <p:spPr/>
+        <p:txBody>
+          <a:bodyPr>
+            <a:normAutofit/>
+          </a:bodyPr>
+          <a:lstStyle/>
+          <a:p>
+            <a:r>
+              <a:rPr lang="en-US" dirty="0" smtClean="0"/>
+              <a:t>Socket </a:t>
+            </a:r>
+            <a:r>
+              <a:rPr lang="en-US" dirty="0" err="1" smtClean="0"/>
+              <a:t>sau</a:t>
+            </a:r>
+            <a:r>
+              <a:rPr lang="en-US" dirty="0" smtClean="0"/>
+              <a:t> </a:t>
+            </a:r>
+            <a:r>
+              <a:rPr lang="en-US" dirty="0" err="1" smtClean="0"/>
+              <a:t>khi</a:t>
+            </a:r>
+            <a:r>
+              <a:rPr lang="en-US" dirty="0" smtClean="0"/>
+              <a:t> </a:t>
+            </a:r>
+            <a:r>
+              <a:rPr lang="en-US" dirty="0" err="1" smtClean="0"/>
+              <a:t>được</a:t>
+            </a:r>
+            <a:r>
+              <a:rPr lang="en-US" dirty="0" smtClean="0"/>
+              <a:t> </a:t>
+            </a:r>
+            <a:r>
+              <a:rPr lang="en-US" dirty="0" err="1" smtClean="0"/>
+              <a:t>tạo</a:t>
+            </a:r>
+            <a:r>
+              <a:rPr lang="en-US" dirty="0" smtClean="0"/>
+              <a:t> </a:t>
+            </a:r>
+            <a:r>
+              <a:rPr lang="en-US" dirty="0" err="1" smtClean="0"/>
+              <a:t>ra</a:t>
+            </a:r>
+            <a:r>
+              <a:rPr lang="en-US" dirty="0" smtClean="0"/>
+              <a:t> </a:t>
+            </a:r>
+            <a:r>
+              <a:rPr lang="en-US" dirty="0" err="1" smtClean="0"/>
+              <a:t>chỉ</a:t>
+            </a:r>
+            <a:r>
+              <a:rPr lang="en-US" dirty="0" smtClean="0"/>
+              <a:t> </a:t>
+            </a:r>
+            <a:r>
+              <a:rPr lang="en-US" dirty="0" err="1" smtClean="0"/>
+              <a:t>là</a:t>
+            </a:r>
+            <a:r>
+              <a:rPr lang="en-US" dirty="0" smtClean="0"/>
+              <a:t> 1 file raw </a:t>
+            </a:r>
+            <a:r>
+              <a:rPr lang="en-US" dirty="0" err="1" smtClean="0"/>
+              <a:t>và</a:t>
+            </a:r>
+            <a:r>
+              <a:rPr lang="en-US" dirty="0" smtClean="0"/>
+              <a:t> </a:t>
+            </a:r>
+            <a:r>
+              <a:rPr lang="en-US" dirty="0" err="1" smtClean="0"/>
+              <a:t>chưa</a:t>
+            </a:r>
+            <a:r>
+              <a:rPr lang="en-US" dirty="0" smtClean="0"/>
+              <a:t> </a:t>
+            </a:r>
+            <a:r>
+              <a:rPr lang="en-US" dirty="0" err="1" smtClean="0"/>
+              <a:t>có</a:t>
+            </a:r>
+            <a:r>
+              <a:rPr lang="en-US" dirty="0" smtClean="0"/>
+              <a:t> </a:t>
+            </a:r>
+            <a:r>
+              <a:rPr lang="en-US" dirty="0" err="1" smtClean="0"/>
+              <a:t>địa</a:t>
+            </a:r>
+            <a:r>
+              <a:rPr lang="en-US" dirty="0" smtClean="0"/>
+              <a:t> </a:t>
+            </a:r>
+            <a:r>
+              <a:rPr lang="en-US" dirty="0" err="1" smtClean="0"/>
+              <a:t>chỉ</a:t>
+            </a:r>
+            <a:r>
+              <a:rPr lang="en-US" dirty="0" smtClean="0"/>
+              <a:t> IP, </a:t>
+            </a:r>
+            <a:r>
+              <a:rPr lang="en-US" dirty="0" err="1" smtClean="0"/>
+              <a:t>cần</a:t>
+            </a:r>
+            <a:r>
+              <a:rPr lang="en-US" dirty="0" smtClean="0"/>
+              <a:t> </a:t>
+            </a:r>
+            <a:r>
+              <a:rPr lang="en-US" dirty="0" err="1" smtClean="0"/>
+              <a:t>phải</a:t>
+            </a:r>
+            <a:r>
+              <a:rPr lang="en-US" dirty="0" smtClean="0"/>
+              <a:t> </a:t>
+            </a:r>
+            <a:r>
+              <a:rPr lang="en-US" dirty="0" err="1" smtClean="0"/>
+              <a:t>gán</a:t>
+            </a:r>
+            <a:r>
+              <a:rPr lang="en-US" dirty="0" smtClean="0"/>
+              <a:t> </a:t>
+            </a:r>
+            <a:r>
+              <a:rPr lang="en-US" dirty="0" err="1" smtClean="0"/>
+              <a:t>địa</a:t>
+            </a:r>
+            <a:r>
+              <a:rPr lang="en-US" dirty="0" smtClean="0"/>
+              <a:t> </a:t>
+            </a:r>
+            <a:r>
+              <a:rPr lang="en-US" dirty="0" err="1" smtClean="0"/>
+              <a:t>chỉ</a:t>
+            </a:r>
+            <a:r>
+              <a:rPr lang="en-US" dirty="0" smtClean="0"/>
+              <a:t> IP </a:t>
+            </a:r>
+            <a:r>
+              <a:rPr lang="en-US" dirty="0" err="1" smtClean="0"/>
+              <a:t>cho</a:t>
+            </a:r>
+            <a:r>
+              <a:rPr lang="en-US" dirty="0" smtClean="0"/>
+              <a:t> </a:t>
+            </a:r>
+            <a:r>
+              <a:rPr lang="en-US" dirty="0" err="1" smtClean="0"/>
+              <a:t>nó</a:t>
+            </a:r>
+            <a:r>
+              <a:rPr lang="en-US" dirty="0" smtClean="0"/>
+              <a:t>. </a:t>
+            </a:r>
+            <a:r>
+              <a:rPr lang="en-US" dirty="0" err="1" smtClean="0"/>
+              <a:t>Việc</a:t>
+            </a:r>
+            <a:r>
+              <a:rPr lang="en-US" dirty="0" smtClean="0"/>
+              <a:t> </a:t>
+            </a:r>
+            <a:r>
+              <a:rPr lang="en-US" dirty="0" err="1" smtClean="0"/>
+              <a:t>gán</a:t>
+            </a:r>
+            <a:r>
+              <a:rPr lang="en-US" dirty="0" smtClean="0"/>
+              <a:t> </a:t>
+            </a:r>
+            <a:r>
+              <a:rPr lang="en-US" dirty="0" err="1" smtClean="0"/>
+              <a:t>địa</a:t>
+            </a:r>
+            <a:r>
+              <a:rPr lang="en-US" dirty="0" smtClean="0"/>
+              <a:t> </a:t>
+            </a:r>
+            <a:r>
+              <a:rPr lang="en-US" dirty="0" err="1" smtClean="0"/>
+              <a:t>chỉ</a:t>
+            </a:r>
+            <a:r>
+              <a:rPr lang="en-US" dirty="0" smtClean="0"/>
+              <a:t> IP </a:t>
+            </a:r>
+            <a:r>
+              <a:rPr lang="en-US" dirty="0" err="1" smtClean="0"/>
+              <a:t>sẽ</a:t>
+            </a:r>
+            <a:r>
+              <a:rPr lang="en-US" dirty="0" smtClean="0"/>
+              <a:t> </a:t>
+            </a:r>
+            <a:r>
+              <a:rPr lang="en-US" dirty="0" err="1" smtClean="0"/>
+              <a:t>giúp</a:t>
+            </a:r>
+            <a:r>
+              <a:rPr lang="en-US" dirty="0" smtClean="0"/>
+              <a:t> OS </a:t>
+            </a:r>
+            <a:r>
+              <a:rPr lang="en-US" dirty="0" err="1" smtClean="0"/>
+              <a:t>chuyển</a:t>
+            </a:r>
+            <a:r>
+              <a:rPr lang="en-US" dirty="0" smtClean="0"/>
+              <a:t> </a:t>
+            </a:r>
+            <a:r>
+              <a:rPr lang="en-US" dirty="0" err="1" smtClean="0"/>
+              <a:t>gói</a:t>
+            </a:r>
+            <a:r>
+              <a:rPr lang="en-US" dirty="0" smtClean="0"/>
+              <a:t> tin </a:t>
+            </a:r>
+            <a:r>
+              <a:rPr lang="en-US" dirty="0" err="1" smtClean="0"/>
+              <a:t>từ</a:t>
+            </a:r>
+            <a:r>
+              <a:rPr lang="en-US" dirty="0" smtClean="0"/>
+              <a:t> internet </a:t>
+            </a:r>
+            <a:r>
+              <a:rPr lang="en-US" dirty="0" err="1" smtClean="0"/>
+              <a:t>về</a:t>
+            </a:r>
+            <a:r>
+              <a:rPr lang="en-US" dirty="0" smtClean="0"/>
+              <a:t> </a:t>
+            </a:r>
+            <a:r>
+              <a:rPr lang="en-US" dirty="0" err="1" smtClean="0"/>
+              <a:t>cho</a:t>
+            </a:r>
+            <a:r>
+              <a:rPr lang="en-US" dirty="0" smtClean="0"/>
+              <a:t> socket</a:t>
+            </a:r>
+            <a:r>
+              <a:rPr lang="vi-VN" dirty="0" smtClean="0"/>
+              <a:t>.</a:t>
+            </a:r>
+            <a:endParaRPr lang="en-US" dirty="0" smtClean="0"/>
+          </a:p>
+          <a:p>
+            <a:pPr lvl="1"/>
+            <a:r>
+              <a:rPr lang="en-US" dirty="0" smtClean="0"/>
+              <a:t>int </a:t>
+            </a:r>
+            <a:r>
+              <a:rPr lang="en-US" dirty="0"/>
+              <a:t>bind(int </a:t>
+            </a:r>
+            <a:r>
+              <a:rPr lang="en-US" dirty="0" err="1"/>
+              <a:t>sockfd</a:t>
+            </a:r>
+            <a:r>
+              <a:rPr lang="en-US" dirty="0"/>
+              <a:t>, const </a:t>
+            </a:r>
+            <a:r>
+              <a:rPr lang="en-US" dirty="0" err="1"/>
+              <a:t>struct</a:t>
+            </a:r>
+            <a:r>
+              <a:rPr lang="en-US" dirty="0"/>
+              <a:t> </a:t>
+            </a:r>
+            <a:r>
+              <a:rPr lang="en-US" dirty="0" err="1"/>
+              <a:t>sockaddr</a:t>
+            </a:r>
+            <a:r>
+              <a:rPr lang="en-US" dirty="0"/>
+              <a:t> *</a:t>
+            </a:r>
+            <a:r>
+              <a:rPr lang="en-US" dirty="0" err="1"/>
+              <a:t>addr</a:t>
+            </a:r>
+            <a:r>
+              <a:rPr lang="en-US" dirty="0"/>
+              <a:t>, </a:t>
+            </a:r>
+            <a:r>
+              <a:rPr lang="en-US" dirty="0" err="1"/>
+              <a:t>socklen_t</a:t>
+            </a:r>
+            <a:r>
+              <a:rPr lang="en-US" dirty="0"/>
+              <a:t> </a:t>
+            </a:r>
+            <a:r>
+              <a:rPr lang="en-US" dirty="0" err="1"/>
+              <a:t>len</a:t>
+            </a:r>
+            <a:r>
+              <a:rPr lang="en-US" dirty="0"/>
+              <a:t>)</a:t>
+            </a:r>
+          </a:p>
+        </p:txBody>
+      </p:sp>
+      <p:sp>
+        <p:nvSpPr>
+          <p:cNvPr id="4" name="Footer Placeholder 3"/>
+          <p:cNvSpPr>
+            <a:spLocks noGrp="1"/>
+          </p:cNvSpPr>
+          <p:nvPr>
+            <p:ph type="ftr" sz="quarter" idx="11"/>
+          </p:nvPr>
+        </p:nvSpPr>
+        <p:spPr/>
+        <p:txBody>
+          <a:bodyPr/>
+          <a:lstStyle/>
+          <a:p>
+            <a:r>
+              <a:rPr lang="en-US" smtClean="0"/>
+              <a:t>©FPT SOFTWARE - Corporate Training Center - Internal Use</a:t>
+            </a:r>
+            <a:endParaRPr lang="en-US"/>
+          </a:p>
+        </p:txBody>
+      </p:sp>
+      <p:sp>
+        <p:nvSpPr>
+          <p:cNvPr id="5" name="Slide Number Placeholder 4"/>
+          <p:cNvSpPr>
+            <a:spLocks noGrp="1"/>
+          </p:cNvSpPr>
+          <p:nvPr>
+            <p:ph type="sldNum" sz="quarter" idx="12"/>
+          </p:nvPr>
+        </p:nvSpPr>
+        <p:spPr/>
+        <p:txBody>
+          <a:bodyPr/>
+          <a:lstStyle/>
+          <a:p>
+            <a:fld id="{E3B08AF7-4237-6949-8335-F63F47C2C8CC}" type="slidenum">
+              <a:rPr lang="en-US" smtClean="0"/>
+              <a:t>12</a:t>
+            </a:fld>
+            <a:endParaRPr lang="en-US"/>
+          </a:p>
+        </p:txBody>
+      </p:sp>
+    </p:spTree>
+    <p:extLst>
+      <p:ext uri="{BB962C8B-B14F-4D97-AF65-F5344CB8AC3E}">
+        <p14:creationId xmlns:p14="http://schemas.microsoft.com/office/powerpoint/2010/main" val="425040553"/>
+      </p:ext>
+    </p:extLst>
+  </p:cSld>
+  <p:clrMapOvr>
+    <a:masterClrMapping/>
+  </p:clrMapOvr>
+</p:sld>
+</file>
+
+<file path=ppt/slides/slide13.xml><?xml version="1.0" encoding="utf-8"?>
+<p:sld xmlns:a="http://schemas.openxmlformats.org/drawingml/2006/main" xmlns:r="http://schemas.openxmlformats.org/officeDocument/2006/relationships" xmlns:p="http://schemas.openxmlformats.org/presentationml/2006/main">
+  <p:cSld>
+    <p:spTree>
+      <p:nvGrpSpPr>
+        <p:cNvPr id="1" name=""/>
+        <p:cNvGrpSpPr/>
+        <p:nvPr/>
+      </p:nvGrpSpPr>
+      <p:grpSpPr>
+        <a:xfrm>
+          <a:off x="0" y="0"/>
+          <a:ext cx="0" cy="0"/>
+          <a:chOff x="0" y="0"/>
+          <a:chExt cx="0" cy="0"/>
+        </a:xfrm>
+      </p:grpSpPr>
+      <p:sp>
+        <p:nvSpPr>
+          <p:cNvPr id="2" name="Title 1"/>
+          <p:cNvSpPr>
+            <a:spLocks noGrp="1"/>
+          </p:cNvSpPr>
+          <p:nvPr>
+            <p:ph type="title"/>
+          </p:nvPr>
+        </p:nvSpPr>
+        <p:spPr/>
+        <p:txBody>
+          <a:bodyPr/>
+          <a:lstStyle/>
+          <a:p>
+            <a:r>
+              <a:rPr lang="en-US" dirty="0" err="1" smtClean="0"/>
+              <a:t>Lắng</a:t>
+            </a:r>
+            <a:r>
+              <a:rPr lang="en-US" dirty="0" smtClean="0"/>
+              <a:t> </a:t>
+            </a:r>
+            <a:r>
+              <a:rPr lang="en-US" dirty="0" err="1" smtClean="0"/>
+              <a:t>nghe</a:t>
+            </a:r>
+            <a:r>
+              <a:rPr lang="en-US" dirty="0" smtClean="0"/>
+              <a:t> </a:t>
+            </a:r>
+            <a:r>
+              <a:rPr lang="en-US" dirty="0" err="1" smtClean="0"/>
+              <a:t>kết</a:t>
+            </a:r>
+            <a:r>
+              <a:rPr lang="en-US" dirty="0" smtClean="0"/>
+              <a:t> </a:t>
+            </a:r>
+            <a:r>
+              <a:rPr lang="en-US" dirty="0" err="1" smtClean="0"/>
+              <a:t>nối</a:t>
+            </a:r>
+            <a:endParaRPr lang="en-US" dirty="0"/>
+          </a:p>
+        </p:txBody>
+      </p:sp>
+      <p:sp>
+        <p:nvSpPr>
+          <p:cNvPr id="3" name="Content Placeholder 2"/>
+          <p:cNvSpPr>
+            <a:spLocks noGrp="1"/>
+          </p:cNvSpPr>
+          <p:nvPr>
+            <p:ph idx="1"/>
+          </p:nvPr>
+        </p:nvSpPr>
+        <p:spPr/>
+        <p:txBody>
+          <a:bodyPr/>
+          <a:lstStyle/>
+          <a:p>
+            <a:r>
+              <a:rPr lang="en-US" dirty="0" err="1" smtClean="0"/>
+              <a:t>Thiết</a:t>
+            </a:r>
+            <a:r>
+              <a:rPr lang="en-US" dirty="0" smtClean="0"/>
+              <a:t> </a:t>
+            </a:r>
+            <a:r>
+              <a:rPr lang="en-US" dirty="0" err="1" smtClean="0"/>
+              <a:t>lập</a:t>
+            </a:r>
+            <a:r>
+              <a:rPr lang="en-US" dirty="0" smtClean="0"/>
+              <a:t> 1 </a:t>
+            </a:r>
+            <a:r>
+              <a:rPr lang="en-US" dirty="0" err="1" smtClean="0"/>
+              <a:t>trạng</a:t>
+            </a:r>
+            <a:r>
+              <a:rPr lang="en-US" dirty="0" smtClean="0"/>
+              <a:t> </a:t>
+            </a:r>
+            <a:r>
+              <a:rPr lang="en-US" dirty="0" err="1" smtClean="0"/>
+              <a:t>thái</a:t>
+            </a:r>
+            <a:r>
+              <a:rPr lang="en-US" dirty="0" smtClean="0"/>
+              <a:t> </a:t>
+            </a:r>
+            <a:r>
+              <a:rPr lang="en-US" dirty="0" err="1" smtClean="0"/>
+              <a:t>đặc</a:t>
+            </a:r>
+            <a:r>
+              <a:rPr lang="en-US" dirty="0" smtClean="0"/>
+              <a:t> </a:t>
+            </a:r>
+            <a:r>
+              <a:rPr lang="en-US" dirty="0" err="1" smtClean="0"/>
+              <a:t>biệt</a:t>
+            </a:r>
+            <a:r>
+              <a:rPr lang="en-US" dirty="0" smtClean="0"/>
+              <a:t> </a:t>
+            </a:r>
+            <a:r>
+              <a:rPr lang="en-US" dirty="0" err="1" smtClean="0"/>
+              <a:t>lên</a:t>
+            </a:r>
+            <a:r>
+              <a:rPr lang="en-US" dirty="0" smtClean="0"/>
+              <a:t> socket </a:t>
+            </a:r>
+            <a:r>
+              <a:rPr lang="en-US" dirty="0" err="1" smtClean="0"/>
+              <a:t>là</a:t>
+            </a:r>
+            <a:r>
+              <a:rPr lang="en-US" dirty="0" smtClean="0"/>
+              <a:t> </a:t>
+            </a:r>
+            <a:r>
+              <a:rPr lang="en-US" dirty="0" err="1" smtClean="0"/>
+              <a:t>trạng</a:t>
+            </a:r>
+            <a:r>
+              <a:rPr lang="en-US" dirty="0" smtClean="0"/>
+              <a:t> </a:t>
+            </a:r>
+            <a:r>
+              <a:rPr lang="en-US" dirty="0" err="1" smtClean="0"/>
+              <a:t>thái</a:t>
+            </a:r>
+            <a:r>
+              <a:rPr lang="en-US" dirty="0" smtClean="0"/>
+              <a:t> </a:t>
+            </a:r>
+            <a:r>
+              <a:rPr lang="en-US" dirty="0" err="1" smtClean="0"/>
+              <a:t>lắng</a:t>
+            </a:r>
+            <a:r>
+              <a:rPr lang="en-US" dirty="0" smtClean="0"/>
+              <a:t> </a:t>
+            </a:r>
+            <a:r>
+              <a:rPr lang="en-US" dirty="0" err="1" smtClean="0"/>
+              <a:t>nghe</a:t>
+            </a:r>
+            <a:r>
+              <a:rPr lang="en-US" dirty="0" smtClean="0"/>
+              <a:t>. </a:t>
+            </a:r>
+            <a:r>
+              <a:rPr lang="en-US" dirty="0" err="1" smtClean="0"/>
+              <a:t>Lúc</a:t>
+            </a:r>
+            <a:r>
+              <a:rPr lang="en-US" dirty="0" smtClean="0"/>
+              <a:t> </a:t>
+            </a:r>
+            <a:r>
+              <a:rPr lang="en-US" dirty="0" err="1" smtClean="0"/>
+              <a:t>này</a:t>
+            </a:r>
+            <a:r>
+              <a:rPr lang="en-US" dirty="0" smtClean="0"/>
+              <a:t>, socket </a:t>
+            </a:r>
+            <a:r>
+              <a:rPr lang="en-US" dirty="0" err="1" smtClean="0"/>
+              <a:t>sẽ</a:t>
+            </a:r>
+            <a:r>
+              <a:rPr lang="en-US" dirty="0" smtClean="0"/>
+              <a:t> </a:t>
+            </a:r>
+            <a:r>
+              <a:rPr lang="en-US" dirty="0" err="1" smtClean="0"/>
+              <a:t>nhận</a:t>
+            </a:r>
+            <a:r>
+              <a:rPr lang="en-US" dirty="0" smtClean="0"/>
+              <a:t> </a:t>
+            </a:r>
+            <a:r>
+              <a:rPr lang="en-US" dirty="0" err="1" smtClean="0"/>
+              <a:t>các</a:t>
+            </a:r>
+            <a:r>
+              <a:rPr lang="en-US" dirty="0" smtClean="0"/>
+              <a:t> </a:t>
+            </a:r>
+            <a:r>
+              <a:rPr lang="en-US" dirty="0" err="1" smtClean="0"/>
+              <a:t>bản</a:t>
+            </a:r>
+            <a:r>
+              <a:rPr lang="en-US" dirty="0" smtClean="0"/>
+              <a:t> tin </a:t>
+            </a:r>
+            <a:r>
+              <a:rPr lang="en-US" dirty="0" err="1" smtClean="0"/>
+              <a:t>bắt</a:t>
+            </a:r>
+            <a:r>
+              <a:rPr lang="en-US" dirty="0" smtClean="0"/>
+              <a:t> </a:t>
+            </a:r>
+            <a:r>
+              <a:rPr lang="en-US" dirty="0" err="1" smtClean="0"/>
+              <a:t>tay</a:t>
+            </a:r>
+            <a:r>
+              <a:rPr lang="en-US" dirty="0" smtClean="0"/>
+              <a:t> </a:t>
+            </a:r>
+            <a:r>
+              <a:rPr lang="en-US" dirty="0" err="1" smtClean="0"/>
+              <a:t>gửi</a:t>
+            </a:r>
+            <a:r>
+              <a:rPr lang="en-US" dirty="0" smtClean="0"/>
+              <a:t> </a:t>
+            </a:r>
+            <a:r>
+              <a:rPr lang="en-US" dirty="0" err="1" smtClean="0"/>
+              <a:t>từ</a:t>
+            </a:r>
+            <a:r>
+              <a:rPr lang="en-US" dirty="0" smtClean="0"/>
+              <a:t> internet </a:t>
+            </a:r>
+            <a:r>
+              <a:rPr lang="en-US" dirty="0" err="1" smtClean="0"/>
+              <a:t>và</a:t>
+            </a:r>
+            <a:r>
+              <a:rPr lang="en-US" dirty="0" smtClean="0"/>
+              <a:t> </a:t>
+            </a:r>
+            <a:r>
+              <a:rPr lang="en-US" dirty="0" err="1" smtClean="0"/>
+              <a:t>cho</a:t>
+            </a:r>
+            <a:r>
+              <a:rPr lang="en-US" dirty="0" smtClean="0"/>
+              <a:t> </a:t>
+            </a:r>
+            <a:r>
+              <a:rPr lang="en-US" dirty="0" err="1" smtClean="0"/>
+              <a:t>chúng</a:t>
+            </a:r>
+            <a:r>
+              <a:rPr lang="en-US" dirty="0" smtClean="0"/>
+              <a:t> </a:t>
+            </a:r>
+            <a:r>
+              <a:rPr lang="en-US" dirty="0" err="1" smtClean="0"/>
+              <a:t>vào</a:t>
+            </a:r>
+            <a:r>
+              <a:rPr lang="en-US" dirty="0" smtClean="0"/>
+              <a:t> </a:t>
+            </a:r>
+            <a:r>
+              <a:rPr lang="en-US" dirty="0" err="1" smtClean="0"/>
+              <a:t>hàng</a:t>
+            </a:r>
+            <a:r>
+              <a:rPr lang="en-US" dirty="0" smtClean="0"/>
+              <a:t> </a:t>
+            </a:r>
+            <a:r>
+              <a:rPr lang="en-US" dirty="0" err="1" smtClean="0"/>
+              <a:t>đợi</a:t>
+            </a:r>
+            <a:r>
+              <a:rPr lang="en-US" dirty="0" smtClean="0"/>
+              <a:t> backlog.</a:t>
+            </a:r>
+          </a:p>
+          <a:p>
+            <a:r>
+              <a:rPr lang="sv-SE" dirty="0"/>
+              <a:t>int listen(int sockfd, int backlog);</a:t>
+            </a:r>
+            <a:endParaRPr lang="en-US" dirty="0"/>
+          </a:p>
+        </p:txBody>
+      </p:sp>
+      <p:sp>
+        <p:nvSpPr>
+          <p:cNvPr id="4" name="Footer Placeholder 3"/>
+          <p:cNvSpPr>
+            <a:spLocks noGrp="1"/>
+          </p:cNvSpPr>
+          <p:nvPr>
+            <p:ph type="ftr" sz="quarter" idx="11"/>
+          </p:nvPr>
+        </p:nvSpPr>
+        <p:spPr/>
+        <p:txBody>
+          <a:bodyPr/>
+          <a:lstStyle/>
+          <a:p>
+            <a:r>
+              <a:rPr lang="en-US" smtClean="0"/>
+              <a:t>©FPT SOFTWARE - Corporate Training Center - Internal Use</a:t>
+            </a:r>
+            <a:endParaRPr lang="en-US"/>
+          </a:p>
+        </p:txBody>
+      </p:sp>
+      <p:sp>
+        <p:nvSpPr>
+          <p:cNvPr id="5" name="Slide Number Placeholder 4"/>
+          <p:cNvSpPr>
+            <a:spLocks noGrp="1"/>
+          </p:cNvSpPr>
+          <p:nvPr>
+            <p:ph type="sldNum" sz="quarter" idx="12"/>
+          </p:nvPr>
+        </p:nvSpPr>
+        <p:spPr/>
+        <p:txBody>
+          <a:bodyPr/>
+          <a:lstStyle/>
+          <a:p>
+            <a:fld id="{E3B08AF7-4237-6949-8335-F63F47C2C8CC}" type="slidenum">
+              <a:rPr lang="en-US" smtClean="0"/>
+              <a:t>13</a:t>
+            </a:fld>
+            <a:endParaRPr lang="en-US"/>
+          </a:p>
+        </p:txBody>
+      </p:sp>
+    </p:spTree>
+    <p:extLst>
+      <p:ext uri="{BB962C8B-B14F-4D97-AF65-F5344CB8AC3E}">
+        <p14:creationId xmlns:p14="http://schemas.microsoft.com/office/powerpoint/2010/main" val="3556014838"/>
+      </p:ext>
+    </p:extLst>
+  </p:cSld>
+  <p:clrMapOvr>
+    <a:masterClrMapping/>
+  </p:clrMapOvr>
+</p:sld>
+</file>
+
+<file path=ppt/slides/slide14.xml><?xml version="1.0" encoding="utf-8"?>
+<p:sld xmlns:a="http://schemas.openxmlformats.org/drawingml/2006/main" xmlns:r="http://schemas.openxmlformats.org/officeDocument/2006/relationships" xmlns:p="http://schemas.openxmlformats.org/presentationml/2006/main">
+  <p:cSld>
+    <p:spTree>
+      <p:nvGrpSpPr>
+        <p:cNvPr id="1" name=""/>
+        <p:cNvGrpSpPr/>
+        <p:nvPr/>
+      </p:nvGrpSpPr>
+      <p:grpSpPr>
+        <a:xfrm>
+          <a:off x="0" y="0"/>
+          <a:ext cx="0" cy="0"/>
+          <a:chOff x="0" y="0"/>
+          <a:chExt cx="0" cy="0"/>
+        </a:xfrm>
+      </p:grpSpPr>
+      <p:sp>
+        <p:nvSpPr>
+          <p:cNvPr id="2" name="Title 1"/>
+          <p:cNvSpPr>
+            <a:spLocks noGrp="1"/>
+          </p:cNvSpPr>
+          <p:nvPr>
+            <p:ph type="title"/>
+          </p:nvPr>
+        </p:nvSpPr>
+        <p:spPr/>
+        <p:txBody>
+          <a:bodyPr/>
+          <a:lstStyle/>
+          <a:p>
+            <a:r>
+              <a:rPr lang="en-US" dirty="0" err="1" smtClean="0"/>
+              <a:t>Chấp</a:t>
+            </a:r>
+            <a:r>
+              <a:rPr lang="en-US" dirty="0" smtClean="0"/>
+              <a:t> </a:t>
+            </a:r>
+            <a:r>
+              <a:rPr lang="en-US" dirty="0" err="1" smtClean="0"/>
+              <a:t>nhận</a:t>
+            </a:r>
+            <a:r>
+              <a:rPr lang="en-US" dirty="0" smtClean="0"/>
+              <a:t> </a:t>
+            </a:r>
+            <a:r>
+              <a:rPr lang="en-US" dirty="0" err="1" smtClean="0"/>
+              <a:t>kết</a:t>
+            </a:r>
+            <a:r>
+              <a:rPr lang="en-US" dirty="0" smtClean="0"/>
+              <a:t> </a:t>
+            </a:r>
+            <a:r>
+              <a:rPr lang="en-US" dirty="0" err="1" smtClean="0"/>
+              <a:t>nối</a:t>
+            </a:r>
+            <a:endParaRPr lang="en-US" dirty="0"/>
+          </a:p>
+        </p:txBody>
+      </p:sp>
+      <p:sp>
+        <p:nvSpPr>
+          <p:cNvPr id="3" name="Content Placeholder 2"/>
+          <p:cNvSpPr>
+            <a:spLocks noGrp="1"/>
+          </p:cNvSpPr>
+          <p:nvPr>
+            <p:ph idx="1"/>
+          </p:nvPr>
+        </p:nvSpPr>
+        <p:spPr/>
+        <p:txBody>
+          <a:bodyPr/>
+          <a:lstStyle/>
+          <a:p>
+            <a:r>
+              <a:rPr lang="en-US" dirty="0" err="1" smtClean="0"/>
+              <a:t>Mỗi</a:t>
+            </a:r>
+            <a:r>
+              <a:rPr lang="en-US" dirty="0" smtClean="0"/>
+              <a:t> </a:t>
+            </a:r>
+            <a:r>
+              <a:rPr lang="en-US" dirty="0" err="1" smtClean="0"/>
+              <a:t>khi</a:t>
+            </a:r>
+            <a:r>
+              <a:rPr lang="en-US" dirty="0" smtClean="0"/>
+              <a:t> </a:t>
+            </a:r>
+            <a:r>
+              <a:rPr lang="en-US" dirty="0" err="1" smtClean="0"/>
+              <a:t>gọi</a:t>
+            </a:r>
+            <a:r>
+              <a:rPr lang="en-US" dirty="0" smtClean="0"/>
+              <a:t> </a:t>
+            </a:r>
+            <a:r>
+              <a:rPr lang="en-US" dirty="0" err="1" smtClean="0"/>
+              <a:t>hàm</a:t>
+            </a:r>
+            <a:r>
+              <a:rPr lang="en-US" dirty="0" smtClean="0"/>
+              <a:t> accept(), OS </a:t>
+            </a:r>
+            <a:r>
+              <a:rPr lang="en-US" dirty="0" err="1" smtClean="0"/>
+              <a:t>sẽ</a:t>
+            </a:r>
+            <a:r>
+              <a:rPr lang="en-US" dirty="0" smtClean="0"/>
+              <a:t> </a:t>
+            </a:r>
+            <a:r>
+              <a:rPr lang="en-US" dirty="0" err="1" smtClean="0"/>
+              <a:t>lấy</a:t>
+            </a:r>
+            <a:r>
+              <a:rPr lang="en-US" dirty="0" smtClean="0"/>
+              <a:t> </a:t>
+            </a:r>
+            <a:r>
+              <a:rPr lang="en-US" dirty="0" err="1" smtClean="0"/>
+              <a:t>ra</a:t>
+            </a:r>
+            <a:r>
+              <a:rPr lang="en-US" dirty="0" smtClean="0"/>
+              <a:t> 1 </a:t>
+            </a:r>
+            <a:r>
+              <a:rPr lang="en-US" dirty="0" err="1" smtClean="0"/>
+              <a:t>phần</a:t>
+            </a:r>
+            <a:r>
+              <a:rPr lang="en-US" dirty="0" smtClean="0"/>
+              <a:t> </a:t>
+            </a:r>
+            <a:r>
+              <a:rPr lang="en-US" dirty="0" err="1" smtClean="0"/>
+              <a:t>tử</a:t>
+            </a:r>
+            <a:r>
+              <a:rPr lang="en-US" dirty="0" smtClean="0"/>
+              <a:t> </a:t>
+            </a:r>
+            <a:r>
+              <a:rPr lang="en-US" dirty="0" err="1" smtClean="0"/>
+              <a:t>trong</a:t>
+            </a:r>
+            <a:r>
+              <a:rPr lang="en-US" dirty="0" smtClean="0"/>
+              <a:t> </a:t>
+            </a:r>
+            <a:r>
+              <a:rPr lang="en-US" dirty="0" err="1" smtClean="0"/>
+              <a:t>hàng</a:t>
+            </a:r>
+            <a:r>
+              <a:rPr lang="en-US" dirty="0" smtClean="0"/>
+              <a:t> </a:t>
+            </a:r>
+            <a:r>
+              <a:rPr lang="en-US" dirty="0" err="1" smtClean="0"/>
+              <a:t>đợi</a:t>
+            </a:r>
+            <a:r>
+              <a:rPr lang="en-US" dirty="0" smtClean="0"/>
+              <a:t> backlog, </a:t>
+            </a:r>
+            <a:r>
+              <a:rPr lang="en-US" dirty="0" err="1" smtClean="0"/>
+              <a:t>khởi</a:t>
+            </a:r>
+            <a:r>
+              <a:rPr lang="en-US" dirty="0" smtClean="0"/>
+              <a:t> </a:t>
+            </a:r>
+            <a:r>
+              <a:rPr lang="en-US" dirty="0" err="1" smtClean="0"/>
+              <a:t>tạo</a:t>
+            </a:r>
+            <a:r>
+              <a:rPr lang="en-US" dirty="0" smtClean="0"/>
+              <a:t> </a:t>
+            </a:r>
+            <a:r>
+              <a:rPr lang="en-US" dirty="0" err="1" smtClean="0"/>
+              <a:t>cho</a:t>
+            </a:r>
+            <a:r>
+              <a:rPr lang="en-US" dirty="0" smtClean="0"/>
+              <a:t> </a:t>
+            </a:r>
+            <a:r>
+              <a:rPr lang="en-US" dirty="0" err="1" smtClean="0"/>
+              <a:t>nó</a:t>
+            </a:r>
+            <a:r>
+              <a:rPr lang="en-US" dirty="0" smtClean="0"/>
+              <a:t> 1 socket </a:t>
+            </a:r>
+            <a:r>
+              <a:rPr lang="en-US" dirty="0" err="1" smtClean="0"/>
+              <a:t>làm</a:t>
+            </a:r>
+            <a:r>
+              <a:rPr lang="en-US" dirty="0" smtClean="0"/>
+              <a:t> </a:t>
+            </a:r>
+            <a:r>
+              <a:rPr lang="en-US" dirty="0" err="1" smtClean="0"/>
+              <a:t>đầu</a:t>
+            </a:r>
+            <a:r>
+              <a:rPr lang="en-US" dirty="0" smtClean="0"/>
+              <a:t> </a:t>
+            </a:r>
+            <a:r>
+              <a:rPr lang="en-US" dirty="0" err="1" smtClean="0"/>
+              <a:t>đường</a:t>
+            </a:r>
+            <a:r>
+              <a:rPr lang="en-US" dirty="0" smtClean="0"/>
+              <a:t> </a:t>
+            </a:r>
+            <a:r>
+              <a:rPr lang="en-US" dirty="0" err="1" smtClean="0"/>
+              <a:t>ống</a:t>
+            </a:r>
+            <a:r>
+              <a:rPr lang="en-US" dirty="0" smtClean="0"/>
+              <a:t> </a:t>
+            </a:r>
+            <a:r>
+              <a:rPr lang="en-US" dirty="0" err="1" smtClean="0"/>
+              <a:t>để</a:t>
+            </a:r>
+            <a:r>
+              <a:rPr lang="en-US" dirty="0" smtClean="0"/>
+              <a:t> </a:t>
+            </a:r>
+            <a:r>
+              <a:rPr lang="en-US" dirty="0" err="1" smtClean="0"/>
+              <a:t>kết</a:t>
+            </a:r>
+            <a:r>
+              <a:rPr lang="en-US" dirty="0" smtClean="0"/>
+              <a:t> </a:t>
+            </a:r>
+            <a:r>
+              <a:rPr lang="en-US" dirty="0" err="1" smtClean="0"/>
+              <a:t>nối</a:t>
+            </a:r>
+            <a:r>
+              <a:rPr lang="en-US" dirty="0" smtClean="0"/>
+              <a:t> </a:t>
+            </a:r>
+            <a:r>
+              <a:rPr lang="en-US" dirty="0" err="1" smtClean="0"/>
+              <a:t>đến</a:t>
+            </a:r>
+            <a:r>
+              <a:rPr lang="en-US" dirty="0" smtClean="0"/>
+              <a:t> socket </a:t>
+            </a:r>
+            <a:r>
+              <a:rPr lang="en-US" dirty="0" err="1" smtClean="0"/>
+              <a:t>của</a:t>
+            </a:r>
+            <a:r>
+              <a:rPr lang="en-US" dirty="0"/>
+              <a:t> </a:t>
+            </a:r>
+            <a:r>
+              <a:rPr lang="en-US" dirty="0" err="1" smtClean="0"/>
+              <a:t>đầu</a:t>
+            </a:r>
+            <a:r>
+              <a:rPr lang="en-US" dirty="0" smtClean="0"/>
+              <a:t> </a:t>
+            </a:r>
+            <a:r>
+              <a:rPr lang="en-US" dirty="0" err="1" smtClean="0"/>
+              <a:t>ống</a:t>
+            </a:r>
+            <a:r>
+              <a:rPr lang="en-US" dirty="0" smtClean="0"/>
+              <a:t> </a:t>
+            </a:r>
+            <a:r>
+              <a:rPr lang="en-US" dirty="0" err="1" smtClean="0"/>
+              <a:t>bên</a:t>
+            </a:r>
+            <a:r>
+              <a:rPr lang="en-US" dirty="0" smtClean="0"/>
+              <a:t> </a:t>
+            </a:r>
+            <a:r>
+              <a:rPr lang="en-US" dirty="0" err="1" smtClean="0"/>
+              <a:t>kia</a:t>
+            </a:r>
+            <a:r>
+              <a:rPr lang="en-US" dirty="0" smtClean="0"/>
+              <a:t>.</a:t>
+            </a:r>
+          </a:p>
+          <a:p>
+            <a:r>
+              <a:rPr lang="en-US" dirty="0" err="1"/>
+              <a:t>int</a:t>
+            </a:r>
+            <a:r>
+              <a:rPr lang="en-US" dirty="0"/>
+              <a:t> accept(</a:t>
+            </a:r>
+            <a:r>
+              <a:rPr lang="en-US" dirty="0" err="1"/>
+              <a:t>int</a:t>
+            </a:r>
+            <a:r>
+              <a:rPr lang="en-US" dirty="0"/>
+              <a:t> </a:t>
+            </a:r>
+            <a:r>
+              <a:rPr lang="en-US" dirty="0" err="1"/>
+              <a:t>sockfd</a:t>
+            </a:r>
+            <a:r>
+              <a:rPr lang="en-US" dirty="0"/>
+              <a:t>, </a:t>
+            </a:r>
+            <a:r>
+              <a:rPr lang="en-US" dirty="0" err="1"/>
+              <a:t>struct</a:t>
+            </a:r>
+            <a:r>
+              <a:rPr lang="en-US" dirty="0"/>
+              <a:t> </a:t>
+            </a:r>
+            <a:r>
+              <a:rPr lang="en-US" dirty="0" err="1"/>
+              <a:t>sockaddr</a:t>
+            </a:r>
+            <a:r>
+              <a:rPr lang="en-US" dirty="0"/>
+              <a:t> *</a:t>
+            </a:r>
+            <a:r>
+              <a:rPr lang="en-US" dirty="0" err="1"/>
+              <a:t>addr</a:t>
+            </a:r>
+            <a:r>
+              <a:rPr lang="en-US" dirty="0"/>
+              <a:t>, </a:t>
+            </a:r>
+            <a:r>
+              <a:rPr lang="en-US" dirty="0" err="1"/>
+              <a:t>socklen_t</a:t>
+            </a:r>
+            <a:r>
+              <a:rPr lang="en-US" dirty="0"/>
+              <a:t> *</a:t>
+            </a:r>
+            <a:r>
+              <a:rPr lang="en-US" dirty="0" err="1"/>
+              <a:t>addrlen</a:t>
+            </a:r>
+            <a:r>
+              <a:rPr lang="en-US" dirty="0"/>
+              <a:t>);</a:t>
+            </a:r>
+          </a:p>
+        </p:txBody>
+      </p:sp>
+      <p:sp>
+        <p:nvSpPr>
+          <p:cNvPr id="4" name="Footer Placeholder 3"/>
+          <p:cNvSpPr>
+            <a:spLocks noGrp="1"/>
+          </p:cNvSpPr>
+          <p:nvPr>
+            <p:ph type="ftr" sz="quarter" idx="11"/>
+          </p:nvPr>
+        </p:nvSpPr>
+        <p:spPr/>
+        <p:txBody>
+          <a:bodyPr/>
+          <a:lstStyle/>
+          <a:p>
+            <a:r>
+              <a:rPr lang="en-US" smtClean="0"/>
+              <a:t>©FPT SOFTWARE - Corporate Training Center - Internal Use</a:t>
+            </a:r>
+            <a:endParaRPr lang="en-US"/>
+          </a:p>
+        </p:txBody>
+      </p:sp>
+      <p:sp>
+        <p:nvSpPr>
+          <p:cNvPr id="5" name="Slide Number Placeholder 4"/>
+          <p:cNvSpPr>
+            <a:spLocks noGrp="1"/>
+          </p:cNvSpPr>
+          <p:nvPr>
+            <p:ph type="sldNum" sz="quarter" idx="12"/>
+          </p:nvPr>
+        </p:nvSpPr>
+        <p:spPr/>
+        <p:txBody>
+          <a:bodyPr/>
+          <a:lstStyle/>
+          <a:p>
+            <a:fld id="{E3B08AF7-4237-6949-8335-F63F47C2C8CC}" type="slidenum">
+              <a:rPr lang="en-US" smtClean="0"/>
+              <a:t>14</a:t>
+            </a:fld>
+            <a:endParaRPr lang="en-US"/>
+          </a:p>
+        </p:txBody>
+      </p:sp>
+    </p:spTree>
+    <p:extLst>
+      <p:ext uri="{BB962C8B-B14F-4D97-AF65-F5344CB8AC3E}">
+        <p14:creationId xmlns:p14="http://schemas.microsoft.com/office/powerpoint/2010/main" val="591125742"/>
+      </p:ext>
+    </p:extLst>
+  </p:cSld>
+  <p:clrMapOvr>
+    <a:masterClrMapping/>
+  </p:clrMapOvr>
+</p:sld>
+</file>
+
+<file path=ppt/slides/slide15.xml><?xml version="1.0" encoding="utf-8"?>
+<p:sld xmlns:a="http://schemas.openxmlformats.org/drawingml/2006/main" xmlns:r="http://schemas.openxmlformats.org/officeDocument/2006/relationships" xmlns:p="http://schemas.openxmlformats.org/presentationml/2006/main">
+  <p:cSld>
+    <p:spTree>
+      <p:nvGrpSpPr>
+        <p:cNvPr id="1" name=""/>
+        <p:cNvGrpSpPr/>
+        <p:nvPr/>
+      </p:nvGrpSpPr>
+      <p:grpSpPr>
+        <a:xfrm>
+          <a:off x="0" y="0"/>
+          <a:ext cx="0" cy="0"/>
+          <a:chOff x="0" y="0"/>
+          <a:chExt cx="0" cy="0"/>
+        </a:xfrm>
+      </p:grpSpPr>
+      <p:sp>
+        <p:nvSpPr>
+          <p:cNvPr id="9" name="Title 8"/>
+          <p:cNvSpPr>
+            <a:spLocks noGrp="1"/>
+          </p:cNvSpPr>
+          <p:nvPr>
+            <p:ph type="title"/>
+          </p:nvPr>
+        </p:nvSpPr>
+        <p:spPr/>
+        <p:txBody>
+          <a:bodyPr/>
+          <a:lstStyle/>
+          <a:p>
+            <a:endParaRPr lang="en-US"/>
+          </a:p>
+        </p:txBody>
+      </p:sp>
+      <p:sp>
+        <p:nvSpPr>
+          <p:cNvPr id="10" name="Text Placeholder 9"/>
+          <p:cNvSpPr>
+            <a:spLocks noGrp="1"/>
+          </p:cNvSpPr>
+          <p:nvPr>
+            <p:ph type="body" idx="1"/>
+          </p:nvPr>
+        </p:nvSpPr>
+        <p:spPr/>
+        <p:txBody>
+          <a:bodyPr>
+            <a:normAutofit/>
+          </a:bodyPr>
+          <a:lstStyle/>
+          <a:p>
+            <a:pPr algn="ctr"/>
+            <a:r>
+              <a:rPr lang="en-US" sz="3200" dirty="0" err="1" smtClean="0">
+                <a:solidFill>
+                  <a:schemeClr val="tx1"/>
+                </a:solidFill>
+              </a:rPr>
+              <a:t>Thiết</a:t>
+            </a:r>
+            <a:r>
+              <a:rPr lang="en-US" sz="3200" dirty="0" smtClean="0">
+                <a:solidFill>
+                  <a:schemeClr val="tx1"/>
+                </a:solidFill>
+              </a:rPr>
+              <a:t> </a:t>
+            </a:r>
+            <a:r>
+              <a:rPr lang="en-US" sz="3200" dirty="0" err="1" smtClean="0">
+                <a:solidFill>
+                  <a:schemeClr val="tx1"/>
+                </a:solidFill>
+              </a:rPr>
+              <a:t>lập</a:t>
+            </a:r>
+            <a:r>
+              <a:rPr lang="en-US" sz="3200" dirty="0" smtClean="0">
+                <a:solidFill>
+                  <a:schemeClr val="tx1"/>
+                </a:solidFill>
+              </a:rPr>
+              <a:t> </a:t>
+            </a:r>
+            <a:r>
+              <a:rPr lang="en-US" sz="3200" dirty="0" err="1" smtClean="0">
+                <a:solidFill>
+                  <a:schemeClr val="tx1"/>
+                </a:solidFill>
+              </a:rPr>
+              <a:t>kết</a:t>
+            </a:r>
+            <a:r>
+              <a:rPr lang="en-US" sz="3200" dirty="0" smtClean="0">
+                <a:solidFill>
+                  <a:schemeClr val="tx1"/>
+                </a:solidFill>
+              </a:rPr>
+              <a:t> </a:t>
+            </a:r>
+            <a:r>
+              <a:rPr lang="en-US" sz="3200" dirty="0" err="1" smtClean="0">
+                <a:solidFill>
+                  <a:schemeClr val="tx1"/>
+                </a:solidFill>
+              </a:rPr>
+              <a:t>nối</a:t>
+            </a:r>
+            <a:r>
+              <a:rPr lang="en-US" sz="3200" dirty="0" smtClean="0">
+                <a:solidFill>
+                  <a:schemeClr val="tx1"/>
+                </a:solidFill>
+              </a:rPr>
+              <a:t> </a:t>
+            </a:r>
+            <a:r>
+              <a:rPr lang="en-US" sz="3200" dirty="0" err="1" smtClean="0">
+                <a:solidFill>
+                  <a:schemeClr val="tx1"/>
+                </a:solidFill>
+              </a:rPr>
+              <a:t>từ</a:t>
+            </a:r>
+            <a:r>
+              <a:rPr lang="en-US" sz="3200" dirty="0" smtClean="0">
+                <a:solidFill>
+                  <a:schemeClr val="tx1"/>
+                </a:solidFill>
+              </a:rPr>
+              <a:t> </a:t>
+            </a:r>
+            <a:r>
+              <a:rPr lang="en-US" sz="3200" dirty="0" err="1" smtClean="0">
+                <a:solidFill>
+                  <a:schemeClr val="tx1"/>
+                </a:solidFill>
+              </a:rPr>
+              <a:t>phía</a:t>
+            </a:r>
+            <a:r>
+              <a:rPr lang="en-US" sz="3200" dirty="0" smtClean="0">
+                <a:solidFill>
+                  <a:schemeClr val="tx1"/>
+                </a:solidFill>
+              </a:rPr>
+              <a:t> client</a:t>
+            </a:r>
+            <a:endParaRPr lang="en-US" sz="3200" dirty="0">
+              <a:solidFill>
+                <a:schemeClr val="tx1"/>
+              </a:solidFill>
+            </a:endParaRPr>
+          </a:p>
+        </p:txBody>
+      </p:sp>
+      <p:sp>
+        <p:nvSpPr>
+          <p:cNvPr id="7" name="Footer Placeholder 6"/>
+          <p:cNvSpPr>
+            <a:spLocks noGrp="1"/>
+          </p:cNvSpPr>
+          <p:nvPr>
+            <p:ph type="ftr" sz="quarter" idx="11"/>
+          </p:nvPr>
+        </p:nvSpPr>
+        <p:spPr/>
+        <p:txBody>
+          <a:bodyPr/>
+          <a:lstStyle/>
+          <a:p>
+            <a:r>
+              <a:rPr lang="en-US" smtClean="0"/>
+              <a:t>©FPT SOFTWARE - Corporate Training Center - Internal Use</a:t>
+            </a:r>
+            <a:endParaRPr lang="en-US"/>
+          </a:p>
+        </p:txBody>
+      </p:sp>
+      <p:sp>
+        <p:nvSpPr>
+          <p:cNvPr id="8" name="Slide Number Placeholder 7"/>
+          <p:cNvSpPr>
+            <a:spLocks noGrp="1"/>
+          </p:cNvSpPr>
+          <p:nvPr>
+            <p:ph type="sldNum" sz="quarter" idx="12"/>
+          </p:nvPr>
+        </p:nvSpPr>
+        <p:spPr/>
+        <p:txBody>
+          <a:bodyPr/>
+          <a:lstStyle/>
+          <a:p>
+            <a:fld id="{E3B08AF7-4237-6949-8335-F63F47C2C8CC}" type="slidenum">
+              <a:rPr lang="en-US" smtClean="0"/>
+              <a:t>15</a:t>
+            </a:fld>
+            <a:endParaRPr lang="en-US"/>
+          </a:p>
+        </p:txBody>
+      </p:sp>
+    </p:spTree>
+    <p:extLst>
+      <p:ext uri="{BB962C8B-B14F-4D97-AF65-F5344CB8AC3E}">
+        <p14:creationId xmlns:p14="http://schemas.microsoft.com/office/powerpoint/2010/main" val="918515834"/>
+      </p:ext>
+    </p:extLst>
+  </p:cSld>
+  <p:clrMapOvr>
+    <a:masterClrMapping/>
+  </p:clrMapOvr>
+</p:sld>
+</file>
+
+<file path=ppt/slides/slide16.xml><?xml version="1.0" encoding="utf-8"?>
+<p:sld xmlns:a="http://schemas.openxmlformats.org/drawingml/2006/main" xmlns:r="http://schemas.openxmlformats.org/officeDocument/2006/relationships" xmlns:p="http://schemas.openxmlformats.org/presentationml/2006/main">
+  <p:cSld>
+    <p:spTree>
+      <p:nvGrpSpPr>
+        <p:cNvPr id="1" name=""/>
+        <p:cNvGrpSpPr/>
+        <p:nvPr/>
+      </p:nvGrpSpPr>
+      <p:grpSpPr>
+        <a:xfrm>
+          <a:off x="0" y="0"/>
+          <a:ext cx="0" cy="0"/>
+          <a:chOff x="0" y="0"/>
+          <a:chExt cx="0" cy="0"/>
+        </a:xfrm>
+      </p:grpSpPr>
+      <p:sp>
+        <p:nvSpPr>
+          <p:cNvPr id="2" name="Title 1"/>
+          <p:cNvSpPr>
+            <a:spLocks noGrp="1"/>
+          </p:cNvSpPr>
+          <p:nvPr>
+            <p:ph type="title"/>
+          </p:nvPr>
+        </p:nvSpPr>
+        <p:spPr/>
+        <p:txBody>
+          <a:bodyPr/>
+          <a:lstStyle/>
+          <a:p>
+            <a:endParaRPr lang="en-US" dirty="0"/>
+          </a:p>
+        </p:txBody>
+      </p:sp>
+      <p:sp>
+        <p:nvSpPr>
+          <p:cNvPr id="3" name="Content Placeholder 2"/>
+          <p:cNvSpPr>
+            <a:spLocks noGrp="1"/>
+          </p:cNvSpPr>
+          <p:nvPr>
+            <p:ph idx="1"/>
+          </p:nvPr>
+        </p:nvSpPr>
+        <p:spPr/>
+        <p:txBody>
+          <a:bodyPr/>
+          <a:lstStyle/>
+          <a:p>
+            <a:r>
+              <a:rPr lang="en-US" dirty="0" err="1" smtClean="0"/>
+              <a:t>Thiết</a:t>
+            </a:r>
+            <a:r>
+              <a:rPr lang="en-US" dirty="0" smtClean="0"/>
+              <a:t> </a:t>
+            </a:r>
+            <a:r>
+              <a:rPr lang="en-US" dirty="0" err="1" smtClean="0"/>
+              <a:t>lập</a:t>
+            </a:r>
+            <a:r>
+              <a:rPr lang="en-US" dirty="0" smtClean="0"/>
+              <a:t> </a:t>
+            </a:r>
+            <a:r>
+              <a:rPr lang="en-US" dirty="0" err="1" smtClean="0"/>
+              <a:t>kết</a:t>
+            </a:r>
+            <a:r>
+              <a:rPr lang="en-US" dirty="0" smtClean="0"/>
+              <a:t> </a:t>
+            </a:r>
+            <a:r>
+              <a:rPr lang="en-US" dirty="0" err="1" smtClean="0"/>
+              <a:t>nối</a:t>
+            </a:r>
+            <a:r>
+              <a:rPr lang="en-US" dirty="0" smtClean="0"/>
+              <a:t> </a:t>
+            </a:r>
+            <a:r>
+              <a:rPr lang="en-US" dirty="0" err="1" smtClean="0"/>
+              <a:t>từ</a:t>
+            </a:r>
+            <a:r>
+              <a:rPr lang="en-US" dirty="0"/>
+              <a:t> </a:t>
+            </a:r>
+            <a:r>
+              <a:rPr lang="en-US" dirty="0" err="1" smtClean="0"/>
+              <a:t>phía</a:t>
+            </a:r>
+            <a:r>
+              <a:rPr lang="en-US" dirty="0" smtClean="0"/>
+              <a:t> client </a:t>
+            </a:r>
+            <a:r>
+              <a:rPr lang="en-US" dirty="0" err="1" smtClean="0"/>
+              <a:t>có</a:t>
+            </a:r>
+            <a:r>
+              <a:rPr lang="en-US" dirty="0" smtClean="0"/>
+              <a:t> 3 </a:t>
+            </a:r>
+            <a:r>
+              <a:rPr lang="en-US" dirty="0" err="1" smtClean="0"/>
+              <a:t>bước</a:t>
+            </a:r>
+            <a:r>
+              <a:rPr lang="en-US" dirty="0" smtClean="0"/>
+              <a:t> </a:t>
+            </a:r>
+            <a:r>
+              <a:rPr lang="en-US" dirty="0" err="1" smtClean="0"/>
+              <a:t>đầu</a:t>
+            </a:r>
+            <a:r>
+              <a:rPr lang="en-US" dirty="0" smtClean="0"/>
+              <a:t> </a:t>
+            </a:r>
+            <a:r>
+              <a:rPr lang="en-US" dirty="0" err="1" smtClean="0"/>
+              <a:t>tiên</a:t>
+            </a:r>
+            <a:r>
+              <a:rPr lang="en-US" dirty="0" smtClean="0"/>
+              <a:t> </a:t>
+            </a:r>
+            <a:r>
+              <a:rPr lang="en-US" dirty="0" err="1" smtClean="0"/>
+              <a:t>giống</a:t>
+            </a:r>
+            <a:r>
+              <a:rPr lang="en-US" dirty="0" smtClean="0"/>
+              <a:t> </a:t>
+            </a:r>
+            <a:r>
+              <a:rPr lang="en-US" dirty="0" err="1" smtClean="0"/>
+              <a:t>với</a:t>
+            </a:r>
+            <a:r>
+              <a:rPr lang="en-US" dirty="0" smtClean="0"/>
+              <a:t> server.</a:t>
+            </a:r>
+          </a:p>
+          <a:p>
+            <a:pPr lvl="1"/>
+            <a:r>
+              <a:rPr lang="en-US" dirty="0" err="1" smtClean="0"/>
+              <a:t>Khởi</a:t>
+            </a:r>
+            <a:r>
+              <a:rPr lang="en-US" dirty="0" smtClean="0"/>
+              <a:t> </a:t>
+            </a:r>
+            <a:r>
+              <a:rPr lang="en-US" dirty="0" err="1" smtClean="0"/>
+              <a:t>tạo</a:t>
+            </a:r>
+            <a:r>
+              <a:rPr lang="en-US" dirty="0" smtClean="0"/>
+              <a:t> socket.</a:t>
+            </a:r>
+          </a:p>
+          <a:p>
+            <a:pPr lvl="1"/>
+            <a:r>
+              <a:rPr lang="en-US" dirty="0" err="1" smtClean="0"/>
+              <a:t>Khởi</a:t>
+            </a:r>
+            <a:r>
+              <a:rPr lang="en-US" dirty="0" smtClean="0"/>
+              <a:t> </a:t>
+            </a:r>
+            <a:r>
+              <a:rPr lang="en-US" dirty="0" err="1" smtClean="0"/>
+              <a:t>tạo</a:t>
+            </a:r>
+            <a:r>
+              <a:rPr lang="en-US" dirty="0" smtClean="0"/>
+              <a:t> </a:t>
+            </a:r>
+            <a:r>
+              <a:rPr lang="en-US" dirty="0" err="1" smtClean="0"/>
+              <a:t>địa</a:t>
+            </a:r>
+            <a:r>
+              <a:rPr lang="en-US" dirty="0" smtClean="0"/>
+              <a:t> </a:t>
+            </a:r>
+            <a:r>
+              <a:rPr lang="en-US" dirty="0" err="1" smtClean="0"/>
+              <a:t>chỉ</a:t>
+            </a:r>
+            <a:r>
+              <a:rPr lang="en-US" dirty="0" smtClean="0"/>
+              <a:t>.</a:t>
+            </a:r>
+          </a:p>
+          <a:p>
+            <a:pPr lvl="1"/>
+            <a:r>
+              <a:rPr lang="en-US" dirty="0" err="1" smtClean="0"/>
+              <a:t>Gán</a:t>
+            </a:r>
+            <a:r>
+              <a:rPr lang="en-US" dirty="0" smtClean="0"/>
+              <a:t> </a:t>
+            </a:r>
+            <a:r>
+              <a:rPr lang="en-US" dirty="0" err="1" smtClean="0"/>
+              <a:t>địa</a:t>
+            </a:r>
+            <a:r>
+              <a:rPr lang="en-US" dirty="0" smtClean="0"/>
+              <a:t> </a:t>
+            </a:r>
+            <a:r>
+              <a:rPr lang="en-US" dirty="0" err="1" smtClean="0"/>
+              <a:t>chỉ</a:t>
+            </a:r>
+            <a:r>
+              <a:rPr lang="en-US" dirty="0" smtClean="0"/>
+              <a:t> </a:t>
+            </a:r>
+            <a:r>
+              <a:rPr lang="en-US" dirty="0" err="1" smtClean="0"/>
+              <a:t>cho</a:t>
+            </a:r>
+            <a:r>
+              <a:rPr lang="en-US" dirty="0" smtClean="0"/>
+              <a:t> socket.</a:t>
+            </a:r>
+            <a:endParaRPr lang="en-US" dirty="0"/>
+          </a:p>
+        </p:txBody>
+      </p:sp>
+      <p:sp>
+        <p:nvSpPr>
+          <p:cNvPr id="4" name="Footer Placeholder 3"/>
+          <p:cNvSpPr>
+            <a:spLocks noGrp="1"/>
+          </p:cNvSpPr>
+          <p:nvPr>
+            <p:ph type="ftr" sz="quarter" idx="11"/>
+          </p:nvPr>
+        </p:nvSpPr>
+        <p:spPr/>
+        <p:txBody>
+          <a:bodyPr/>
+          <a:lstStyle/>
+          <a:p>
+            <a:r>
+              <a:rPr lang="en-US" smtClean="0"/>
+              <a:t>©FPT SOFTWARE - Corporate Training Center - Internal Use</a:t>
+            </a:r>
+            <a:endParaRPr lang="en-US"/>
+          </a:p>
+        </p:txBody>
+      </p:sp>
+      <p:sp>
+        <p:nvSpPr>
+          <p:cNvPr id="5" name="Slide Number Placeholder 4"/>
+          <p:cNvSpPr>
+            <a:spLocks noGrp="1"/>
+          </p:cNvSpPr>
+          <p:nvPr>
+            <p:ph type="sldNum" sz="quarter" idx="12"/>
+          </p:nvPr>
+        </p:nvSpPr>
+        <p:spPr/>
+        <p:txBody>
+          <a:bodyPr/>
+          <a:lstStyle/>
+          <a:p>
+            <a:fld id="{E3B08AF7-4237-6949-8335-F63F47C2C8CC}" type="slidenum">
+              <a:rPr lang="en-US" smtClean="0"/>
+              <a:t>16</a:t>
+            </a:fld>
+            <a:endParaRPr lang="en-US"/>
+          </a:p>
+        </p:txBody>
+      </p:sp>
+    </p:spTree>
+    <p:extLst>
+      <p:ext uri="{BB962C8B-B14F-4D97-AF65-F5344CB8AC3E}">
+        <p14:creationId xmlns:p14="http://schemas.microsoft.com/office/powerpoint/2010/main" val="3455723609"/>
+      </p:ext>
+    </p:extLst>
+  </p:cSld>
+  <p:clrMapOvr>
+    <a:masterClrMapping/>
+  </p:clrMapOvr>
+</p:sld>
+</file>
+
+<file path=ppt/slides/slide17.xml><?xml version="1.0" encoding="utf-8"?>
+<p:sld xmlns:a="http://schemas.openxmlformats.org/drawingml/2006/main" xmlns:r="http://schemas.openxmlformats.org/officeDocument/2006/relationships" xmlns:p="http://schemas.openxmlformats.org/presentationml/2006/main">
+  <p:cSld>
+    <p:spTree>
+      <p:nvGrpSpPr>
+        <p:cNvPr id="1" name=""/>
+        <p:cNvGrpSpPr/>
+        <p:nvPr/>
+      </p:nvGrpSpPr>
+      <p:grpSpPr>
+        <a:xfrm>
+          <a:off x="0" y="0"/>
+          <a:ext cx="0" cy="0"/>
+          <a:chOff x="0" y="0"/>
+          <a:chExt cx="0" cy="0"/>
+        </a:xfrm>
+      </p:grpSpPr>
+      <p:sp>
+        <p:nvSpPr>
+          <p:cNvPr id="2" name="Title 1"/>
+          <p:cNvSpPr>
+            <a:spLocks noGrp="1"/>
+          </p:cNvSpPr>
+          <p:nvPr>
+            <p:ph type="title"/>
+          </p:nvPr>
+        </p:nvSpPr>
+        <p:spPr/>
+        <p:txBody>
+          <a:bodyPr/>
+          <a:lstStyle/>
+          <a:p>
+            <a:r>
+              <a:rPr lang="en-US" dirty="0" err="1" smtClean="0"/>
+              <a:t>Kết</a:t>
+            </a:r>
+            <a:r>
+              <a:rPr lang="en-US" dirty="0" smtClean="0"/>
+              <a:t> </a:t>
+            </a:r>
+            <a:r>
+              <a:rPr lang="en-US" dirty="0" err="1" smtClean="0"/>
+              <a:t>nối</a:t>
+            </a:r>
+            <a:r>
+              <a:rPr lang="en-US" dirty="0" smtClean="0"/>
+              <a:t> </a:t>
+            </a:r>
+            <a:r>
+              <a:rPr lang="en-US" dirty="0" err="1" smtClean="0"/>
+              <a:t>đến</a:t>
+            </a:r>
+            <a:r>
+              <a:rPr lang="en-US" dirty="0" smtClean="0"/>
+              <a:t> server</a:t>
+            </a:r>
+            <a:endParaRPr lang="en-US" dirty="0"/>
+          </a:p>
+        </p:txBody>
+      </p:sp>
+      <p:sp>
+        <p:nvSpPr>
+          <p:cNvPr id="3" name="Content Placeholder 2"/>
+          <p:cNvSpPr>
+            <a:spLocks noGrp="1"/>
+          </p:cNvSpPr>
+          <p:nvPr>
+            <p:ph idx="1"/>
+          </p:nvPr>
+        </p:nvSpPr>
+        <p:spPr/>
+        <p:txBody>
+          <a:bodyPr>
+            <a:normAutofit/>
+          </a:bodyPr>
+          <a:lstStyle/>
+          <a:p>
+            <a:r>
+              <a:rPr lang="en-US" dirty="0" err="1" smtClean="0"/>
+              <a:t>Để</a:t>
+            </a:r>
+            <a:r>
+              <a:rPr lang="en-US" dirty="0" smtClean="0"/>
+              <a:t> </a:t>
+            </a:r>
+            <a:r>
+              <a:rPr lang="en-US" dirty="0" err="1" smtClean="0"/>
+              <a:t>thiết</a:t>
+            </a:r>
+            <a:r>
+              <a:rPr lang="en-US" dirty="0" smtClean="0"/>
+              <a:t> </a:t>
+            </a:r>
+            <a:r>
+              <a:rPr lang="en-US" dirty="0" err="1" smtClean="0"/>
+              <a:t>lập</a:t>
+            </a:r>
+            <a:r>
+              <a:rPr lang="en-US" dirty="0" smtClean="0"/>
+              <a:t> </a:t>
+            </a:r>
+            <a:r>
+              <a:rPr lang="en-US" dirty="0" err="1" smtClean="0"/>
+              <a:t>kết</a:t>
+            </a:r>
+            <a:r>
+              <a:rPr lang="en-US" dirty="0" smtClean="0"/>
+              <a:t> </a:t>
+            </a:r>
+            <a:r>
+              <a:rPr lang="en-US" dirty="0" err="1" smtClean="0"/>
+              <a:t>nối</a:t>
+            </a:r>
+            <a:r>
+              <a:rPr lang="en-US" dirty="0" smtClean="0"/>
+              <a:t>, client </a:t>
+            </a:r>
+            <a:r>
+              <a:rPr lang="en-US" dirty="0" err="1" smtClean="0"/>
+              <a:t>cần</a:t>
+            </a:r>
+            <a:r>
+              <a:rPr lang="en-US" dirty="0" smtClean="0"/>
+              <a:t> </a:t>
+            </a:r>
+            <a:r>
+              <a:rPr lang="en-US" dirty="0" err="1" smtClean="0"/>
+              <a:t>gửi</a:t>
+            </a:r>
+            <a:r>
+              <a:rPr lang="en-US" dirty="0" smtClean="0"/>
+              <a:t> </a:t>
+            </a:r>
+            <a:r>
+              <a:rPr lang="en-US" dirty="0" err="1" smtClean="0"/>
+              <a:t>bản</a:t>
+            </a:r>
+            <a:r>
+              <a:rPr lang="en-US" dirty="0" smtClean="0"/>
+              <a:t> tin </a:t>
+            </a:r>
+            <a:r>
+              <a:rPr lang="en-US" dirty="0" err="1" smtClean="0"/>
+              <a:t>bắt</a:t>
+            </a:r>
+            <a:r>
+              <a:rPr lang="en-US" dirty="0" smtClean="0"/>
+              <a:t> </a:t>
+            </a:r>
+            <a:r>
+              <a:rPr lang="en-US" dirty="0" err="1" smtClean="0"/>
+              <a:t>tay</a:t>
+            </a:r>
+            <a:r>
+              <a:rPr lang="en-US" dirty="0" smtClean="0"/>
+              <a:t> </a:t>
+            </a:r>
+            <a:r>
+              <a:rPr lang="en-US" dirty="0" err="1" smtClean="0"/>
+              <a:t>đến</a:t>
+            </a:r>
+            <a:r>
+              <a:rPr lang="en-US" dirty="0" smtClean="0"/>
+              <a:t> server </a:t>
+            </a:r>
+            <a:r>
+              <a:rPr lang="en-US" dirty="0" err="1" smtClean="0"/>
+              <a:t>thông</a:t>
+            </a:r>
+            <a:r>
+              <a:rPr lang="en-US" dirty="0" smtClean="0"/>
+              <a:t> qua </a:t>
+            </a:r>
+            <a:r>
+              <a:rPr lang="en-US" dirty="0" err="1" smtClean="0"/>
+              <a:t>hàm</a:t>
+            </a:r>
+            <a:r>
+              <a:rPr lang="en-US" dirty="0" smtClean="0"/>
+              <a:t> connect(). </a:t>
+            </a:r>
+            <a:r>
+              <a:rPr lang="en-US" dirty="0" err="1" smtClean="0"/>
+              <a:t>Nếu</a:t>
+            </a:r>
+            <a:r>
+              <a:rPr lang="en-US" dirty="0" smtClean="0"/>
+              <a:t> </a:t>
+            </a:r>
+            <a:r>
+              <a:rPr lang="en-US" dirty="0" err="1" smtClean="0"/>
+              <a:t>phía</a:t>
+            </a:r>
+            <a:r>
+              <a:rPr lang="en-US" dirty="0" smtClean="0"/>
+              <a:t> server </a:t>
+            </a:r>
+            <a:r>
+              <a:rPr lang="en-US" dirty="0" err="1" smtClean="0"/>
+              <a:t>đồng</a:t>
+            </a:r>
+            <a:r>
+              <a:rPr lang="en-US" dirty="0" smtClean="0"/>
+              <a:t> ý </a:t>
+            </a:r>
+            <a:r>
+              <a:rPr lang="en-US" dirty="0" err="1" smtClean="0"/>
+              <a:t>kết</a:t>
+            </a:r>
+            <a:r>
+              <a:rPr lang="en-US" dirty="0" smtClean="0"/>
+              <a:t> </a:t>
+            </a:r>
+            <a:r>
+              <a:rPr lang="en-US" dirty="0" err="1" smtClean="0"/>
+              <a:t>nối</a:t>
+            </a:r>
+            <a:r>
+              <a:rPr lang="en-US" dirty="0" smtClean="0"/>
+              <a:t> </a:t>
+            </a:r>
+            <a:r>
+              <a:rPr lang="en-US" dirty="0" err="1" smtClean="0"/>
+              <a:t>thì</a:t>
+            </a:r>
+            <a:r>
+              <a:rPr lang="en-US" dirty="0" smtClean="0"/>
+              <a:t> </a:t>
+            </a:r>
+            <a:r>
+              <a:rPr lang="en-US" dirty="0" err="1" smtClean="0"/>
+              <a:t>một</a:t>
+            </a:r>
+            <a:r>
+              <a:rPr lang="en-US" dirty="0" smtClean="0"/>
+              <a:t> </a:t>
+            </a:r>
+            <a:r>
+              <a:rPr lang="en-US" dirty="0" err="1" smtClean="0"/>
+              <a:t>đường</a:t>
+            </a:r>
+            <a:r>
+              <a:rPr lang="en-US" dirty="0" smtClean="0"/>
+              <a:t> </a:t>
+            </a:r>
+            <a:r>
+              <a:rPr lang="en-US" dirty="0" err="1" smtClean="0"/>
+              <a:t>truyền</a:t>
+            </a:r>
+            <a:r>
+              <a:rPr lang="en-US" dirty="0" smtClean="0"/>
+              <a:t> </a:t>
+            </a:r>
+            <a:r>
+              <a:rPr lang="en-US" dirty="0" err="1" smtClean="0"/>
+              <a:t>sẽ</a:t>
+            </a:r>
+            <a:r>
+              <a:rPr lang="en-US" dirty="0" smtClean="0"/>
+              <a:t> </a:t>
+            </a:r>
+            <a:r>
+              <a:rPr lang="en-US" dirty="0" err="1" smtClean="0"/>
+              <a:t>được</a:t>
+            </a:r>
+            <a:r>
+              <a:rPr lang="en-US" dirty="0" smtClean="0"/>
+              <a:t> </a:t>
+            </a:r>
+            <a:r>
+              <a:rPr lang="en-US" dirty="0" err="1" smtClean="0"/>
+              <a:t>thiết</a:t>
+            </a:r>
+            <a:r>
+              <a:rPr lang="en-US" dirty="0" smtClean="0"/>
+              <a:t> </a:t>
+            </a:r>
+            <a:r>
+              <a:rPr lang="en-US" dirty="0" err="1" smtClean="0"/>
+              <a:t>lập</a:t>
+            </a:r>
+            <a:r>
+              <a:rPr lang="en-US" dirty="0" smtClean="0"/>
+              <a:t> </a:t>
+            </a:r>
+            <a:r>
+              <a:rPr lang="en-US" dirty="0" err="1" smtClean="0"/>
+              <a:t>giữa</a:t>
+            </a:r>
+            <a:r>
+              <a:rPr lang="en-US" dirty="0" smtClean="0"/>
+              <a:t> socket </a:t>
+            </a:r>
+            <a:r>
+              <a:rPr lang="en-US" dirty="0" err="1" smtClean="0"/>
+              <a:t>của</a:t>
+            </a:r>
+            <a:r>
+              <a:rPr lang="en-US" dirty="0" smtClean="0"/>
+              <a:t> client </a:t>
+            </a:r>
+            <a:r>
+              <a:rPr lang="en-US" dirty="0" err="1" smtClean="0"/>
+              <a:t>và</a:t>
+            </a:r>
+            <a:r>
+              <a:rPr lang="en-US" dirty="0" smtClean="0"/>
+              <a:t> socket </a:t>
+            </a:r>
+            <a:r>
+              <a:rPr lang="en-US" dirty="0" err="1" smtClean="0"/>
+              <a:t>của</a:t>
+            </a:r>
+            <a:r>
+              <a:rPr lang="en-US" dirty="0" smtClean="0"/>
+              <a:t> server.</a:t>
+            </a:r>
+          </a:p>
+          <a:p>
+            <a:r>
+              <a:rPr lang="en-US" dirty="0" err="1"/>
+              <a:t>int</a:t>
+            </a:r>
+            <a:r>
+              <a:rPr lang="en-US" dirty="0"/>
+              <a:t> connect(</a:t>
+            </a:r>
+            <a:r>
+              <a:rPr lang="en-US" dirty="0" err="1"/>
+              <a:t>int</a:t>
+            </a:r>
+            <a:r>
+              <a:rPr lang="en-US" dirty="0"/>
+              <a:t> </a:t>
+            </a:r>
+            <a:r>
+              <a:rPr lang="en-US" dirty="0" err="1"/>
+              <a:t>sockfd</a:t>
+            </a:r>
+            <a:r>
+              <a:rPr lang="en-US" dirty="0"/>
+              <a:t>, </a:t>
+            </a:r>
+            <a:r>
+              <a:rPr lang="en-US" dirty="0" err="1"/>
+              <a:t>const</a:t>
+            </a:r>
+            <a:r>
+              <a:rPr lang="en-US" dirty="0"/>
+              <a:t> </a:t>
+            </a:r>
+            <a:r>
+              <a:rPr lang="en-US" dirty="0" err="1"/>
+              <a:t>struct</a:t>
+            </a:r>
+            <a:r>
+              <a:rPr lang="en-US" dirty="0"/>
+              <a:t> </a:t>
+            </a:r>
+            <a:r>
+              <a:rPr lang="en-US" dirty="0" err="1"/>
+              <a:t>sockaddr</a:t>
+            </a:r>
+            <a:r>
+              <a:rPr lang="en-US" dirty="0"/>
+              <a:t> *</a:t>
+            </a:r>
+            <a:r>
+              <a:rPr lang="en-US" dirty="0" err="1" smtClean="0"/>
+              <a:t>addr</a:t>
+            </a:r>
+            <a:r>
+              <a:rPr lang="en-US" dirty="0" smtClean="0"/>
+              <a:t>, </a:t>
+            </a:r>
+            <a:r>
+              <a:rPr lang="en-US" dirty="0" err="1" smtClean="0"/>
+              <a:t>socklen_t</a:t>
+            </a:r>
+            <a:r>
+              <a:rPr lang="en-US" dirty="0" smtClean="0"/>
+              <a:t> </a:t>
+            </a:r>
+            <a:r>
+              <a:rPr lang="en-US" dirty="0" err="1"/>
+              <a:t>addrlen</a:t>
+            </a:r>
+            <a:r>
+              <a:rPr lang="en-US" dirty="0"/>
+              <a:t>);</a:t>
+            </a:r>
+          </a:p>
+        </p:txBody>
+      </p:sp>
+      <p:sp>
+        <p:nvSpPr>
+          <p:cNvPr id="4" name="Footer Placeholder 3"/>
+          <p:cNvSpPr>
+            <a:spLocks noGrp="1"/>
+          </p:cNvSpPr>
+          <p:nvPr>
+            <p:ph type="ftr" sz="quarter" idx="11"/>
+          </p:nvPr>
+        </p:nvSpPr>
+        <p:spPr/>
+        <p:txBody>
+          <a:bodyPr/>
+          <a:lstStyle/>
+          <a:p>
+            <a:r>
+              <a:rPr lang="en-US" smtClean="0"/>
+              <a:t>©FPT SOFTWARE - Corporate Training Center - Internal Use</a:t>
+            </a:r>
+            <a:endParaRPr lang="en-US"/>
+          </a:p>
+        </p:txBody>
+      </p:sp>
+      <p:sp>
+        <p:nvSpPr>
+          <p:cNvPr id="5" name="Slide Number Placeholder 4"/>
+          <p:cNvSpPr>
+            <a:spLocks noGrp="1"/>
+          </p:cNvSpPr>
+          <p:nvPr>
+            <p:ph type="sldNum" sz="quarter" idx="12"/>
+          </p:nvPr>
+        </p:nvSpPr>
+        <p:spPr/>
+        <p:txBody>
+          <a:bodyPr/>
+          <a:lstStyle/>
+          <a:p>
+            <a:fld id="{E3B08AF7-4237-6949-8335-F63F47C2C8CC}" type="slidenum">
+              <a:rPr lang="en-US" smtClean="0"/>
+              <a:t>17</a:t>
+            </a:fld>
+            <a:endParaRPr lang="en-US"/>
+          </a:p>
+        </p:txBody>
+      </p:sp>
+    </p:spTree>
+    <p:extLst>
+      <p:ext uri="{BB962C8B-B14F-4D97-AF65-F5344CB8AC3E}">
+        <p14:creationId xmlns:p14="http://schemas.microsoft.com/office/powerpoint/2010/main" val="2765118221"/>
+      </p:ext>
+    </p:extLst>
+  </p:cSld>
+  <p:clrMapOvr>
+    <a:masterClrMapping/>
+  </p:clrMapOvr>
+</p:sld>
+</file>
+
+<file path=ppt/slides/slide18.xml><?xml version="1.0" encoding="utf-8"?>
+<p:sld xmlns:a="http://schemas.openxmlformats.org/drawingml/2006/main" xmlns:r="http://schemas.openxmlformats.org/officeDocument/2006/relationships" xmlns:p="http://schemas.openxmlformats.org/presentationml/2006/main">
+  <p:cSld>
+    <p:spTree>
+      <p:nvGrpSpPr>
+        <p:cNvPr id="1" name=""/>
+        <p:cNvGrpSpPr/>
+        <p:nvPr/>
+      </p:nvGrpSpPr>
+      <p:grpSpPr>
+        <a:xfrm>
+          <a:off x="0" y="0"/>
+          <a:ext cx="0" cy="0"/>
+          <a:chOff x="0" y="0"/>
+          <a:chExt cx="0" cy="0"/>
+        </a:xfrm>
+      </p:grpSpPr>
+      <p:sp>
+        <p:nvSpPr>
+          <p:cNvPr id="9" name="Title 8"/>
+          <p:cNvSpPr>
+            <a:spLocks noGrp="1"/>
+          </p:cNvSpPr>
+          <p:nvPr>
+            <p:ph type="title"/>
+          </p:nvPr>
+        </p:nvSpPr>
+        <p:spPr/>
+        <p:txBody>
+          <a:bodyPr/>
+          <a:lstStyle/>
+          <a:p>
+            <a:endParaRPr lang="en-US"/>
+          </a:p>
+        </p:txBody>
+      </p:sp>
+      <p:sp>
+        <p:nvSpPr>
+          <p:cNvPr id="10" name="Text Placeholder 9"/>
+          <p:cNvSpPr>
+            <a:spLocks noGrp="1"/>
+          </p:cNvSpPr>
+          <p:nvPr>
+            <p:ph type="body" idx="1"/>
+          </p:nvPr>
+        </p:nvSpPr>
+        <p:spPr/>
+        <p:txBody>
+          <a:bodyPr>
+            <a:normAutofit/>
+          </a:bodyPr>
+          <a:lstStyle/>
+          <a:p>
+            <a:pPr algn="ctr"/>
+            <a:r>
+              <a:rPr lang="en-US" sz="3200" dirty="0" err="1" smtClean="0">
+                <a:solidFill>
+                  <a:schemeClr val="tx1"/>
+                </a:solidFill>
+              </a:rPr>
+              <a:t>Gửi</a:t>
+            </a:r>
+            <a:r>
+              <a:rPr lang="en-US" sz="3200" dirty="0" smtClean="0">
+                <a:solidFill>
+                  <a:schemeClr val="tx1"/>
+                </a:solidFill>
+              </a:rPr>
+              <a:t> </a:t>
+            </a:r>
+            <a:r>
+              <a:rPr lang="en-US" sz="3200" dirty="0" err="1" smtClean="0">
+                <a:solidFill>
+                  <a:schemeClr val="tx1"/>
+                </a:solidFill>
+              </a:rPr>
+              <a:t>nhận</a:t>
+            </a:r>
+            <a:r>
+              <a:rPr lang="en-US" sz="3200" dirty="0" smtClean="0">
+                <a:solidFill>
+                  <a:schemeClr val="tx1"/>
+                </a:solidFill>
+              </a:rPr>
+              <a:t> </a:t>
+            </a:r>
+            <a:r>
+              <a:rPr lang="en-US" sz="3200" dirty="0" err="1" smtClean="0">
+                <a:solidFill>
+                  <a:schemeClr val="tx1"/>
+                </a:solidFill>
+              </a:rPr>
+              <a:t>dữ</a:t>
+            </a:r>
+            <a:r>
+              <a:rPr lang="en-US" sz="3200" dirty="0" smtClean="0">
+                <a:solidFill>
+                  <a:schemeClr val="tx1"/>
+                </a:solidFill>
+              </a:rPr>
+              <a:t> </a:t>
+            </a:r>
+            <a:r>
+              <a:rPr lang="en-US" sz="3200" dirty="0" err="1" smtClean="0">
+                <a:solidFill>
+                  <a:schemeClr val="tx1"/>
+                </a:solidFill>
+              </a:rPr>
+              <a:t>liệu</a:t>
+            </a:r>
+            <a:r>
+              <a:rPr lang="en-US" sz="3200" dirty="0" smtClean="0">
+                <a:solidFill>
+                  <a:schemeClr val="tx1"/>
+                </a:solidFill>
+              </a:rPr>
+              <a:t> </a:t>
+            </a:r>
+            <a:r>
+              <a:rPr lang="en-US" sz="3200" dirty="0" err="1" smtClean="0">
+                <a:solidFill>
+                  <a:schemeClr val="tx1"/>
+                </a:solidFill>
+              </a:rPr>
+              <a:t>giữa</a:t>
+            </a:r>
+            <a:r>
+              <a:rPr lang="en-US" sz="3200" dirty="0" smtClean="0">
+                <a:solidFill>
+                  <a:schemeClr val="tx1"/>
+                </a:solidFill>
+              </a:rPr>
+              <a:t> client </a:t>
+            </a:r>
+            <a:r>
+              <a:rPr lang="en-US" sz="3200" dirty="0" err="1" smtClean="0">
+                <a:solidFill>
+                  <a:schemeClr val="tx1"/>
+                </a:solidFill>
+              </a:rPr>
+              <a:t>và</a:t>
+            </a:r>
+            <a:r>
+              <a:rPr lang="en-US" sz="3200" dirty="0" smtClean="0">
+                <a:solidFill>
+                  <a:schemeClr val="tx1"/>
+                </a:solidFill>
+              </a:rPr>
+              <a:t> server</a:t>
+            </a:r>
+            <a:endParaRPr lang="en-US" sz="3200" dirty="0">
+              <a:solidFill>
+                <a:schemeClr val="tx1"/>
+              </a:solidFill>
+            </a:endParaRPr>
+          </a:p>
+        </p:txBody>
+      </p:sp>
+      <p:sp>
+        <p:nvSpPr>
+          <p:cNvPr id="7" name="Footer Placeholder 6"/>
+          <p:cNvSpPr>
+            <a:spLocks noGrp="1"/>
+          </p:cNvSpPr>
+          <p:nvPr>
+            <p:ph type="ftr" sz="quarter" idx="11"/>
+          </p:nvPr>
+        </p:nvSpPr>
+        <p:spPr/>
+        <p:txBody>
+          <a:bodyPr/>
+          <a:lstStyle/>
+          <a:p>
+            <a:r>
+              <a:rPr lang="en-US" smtClean="0"/>
+              <a:t>©FPT SOFTWARE - Corporate Training Center - Internal Use</a:t>
+            </a:r>
+            <a:endParaRPr lang="en-US"/>
+          </a:p>
+        </p:txBody>
+      </p:sp>
+      <p:sp>
+        <p:nvSpPr>
+          <p:cNvPr id="8" name="Slide Number Placeholder 7"/>
+          <p:cNvSpPr>
+            <a:spLocks noGrp="1"/>
+          </p:cNvSpPr>
+          <p:nvPr>
+            <p:ph type="sldNum" sz="quarter" idx="12"/>
+          </p:nvPr>
+        </p:nvSpPr>
+        <p:spPr/>
+        <p:txBody>
+          <a:bodyPr/>
+          <a:lstStyle/>
+          <a:p>
+            <a:fld id="{E3B08AF7-4237-6949-8335-F63F47C2C8CC}" type="slidenum">
+              <a:rPr lang="en-US" smtClean="0"/>
+              <a:t>18</a:t>
+            </a:fld>
+            <a:endParaRPr lang="en-US"/>
+          </a:p>
+        </p:txBody>
+      </p:sp>
+    </p:spTree>
+    <p:extLst>
+      <p:ext uri="{BB962C8B-B14F-4D97-AF65-F5344CB8AC3E}">
+        <p14:creationId xmlns:p14="http://schemas.microsoft.com/office/powerpoint/2010/main" val="4010061624"/>
+      </p:ext>
+    </p:extLst>
+  </p:cSld>
+  <p:clrMapOvr>
+    <a:masterClrMapping/>
+  </p:clrMapOvr>
+</p:sld>
+</file>
+
+<file path=ppt/slides/slide19.xml><?xml version="1.0" encoding="utf-8"?>
+<p:sld xmlns:a="http://schemas.openxmlformats.org/drawingml/2006/main" xmlns:r="http://schemas.openxmlformats.org/officeDocument/2006/relationships" xmlns:p="http://schemas.openxmlformats.org/presentationml/2006/main">
+  <p:cSld>
+    <p:spTree>
+      <p:nvGrpSpPr>
+        <p:cNvPr id="1" name=""/>
+        <p:cNvGrpSpPr/>
+        <p:nvPr/>
+      </p:nvGrpSpPr>
+      <p:grpSpPr>
+        <a:xfrm>
+          <a:off x="0" y="0"/>
+          <a:ext cx="0" cy="0"/>
+          <a:chOff x="0" y="0"/>
+          <a:chExt cx="0" cy="0"/>
+        </a:xfrm>
+      </p:grpSpPr>
+      <p:sp>
+        <p:nvSpPr>
+          <p:cNvPr id="2" name="Title 1"/>
+          <p:cNvSpPr>
+            <a:spLocks noGrp="1"/>
+          </p:cNvSpPr>
+          <p:nvPr>
+            <p:ph type="title"/>
+          </p:nvPr>
+        </p:nvSpPr>
+        <p:spPr/>
+        <p:txBody>
+          <a:bodyPr/>
+          <a:lstStyle/>
+          <a:p>
+            <a:r>
+              <a:rPr lang="en-US" dirty="0"/>
+              <a:t>Gửi </a:t>
+            </a:r>
+            <a:r>
+              <a:rPr lang="en-US" dirty="0" err="1"/>
+              <a:t>nhận</a:t>
+            </a:r>
+            <a:r>
+              <a:rPr lang="en-US" dirty="0"/>
+              <a:t> dữ liệu</a:t>
+            </a:r>
+          </a:p>
+        </p:txBody>
+      </p:sp>
+      <p:sp>
+        <p:nvSpPr>
+          <p:cNvPr id="3" name="Content Placeholder 2"/>
+          <p:cNvSpPr>
+            <a:spLocks noGrp="1"/>
+          </p:cNvSpPr>
+          <p:nvPr>
+            <p:ph idx="1"/>
+          </p:nvPr>
+        </p:nvSpPr>
+        <p:spPr/>
+        <p:txBody>
+          <a:bodyPr/>
+          <a:lstStyle/>
+          <a:p>
+            <a:r>
+              <a:rPr lang="en-US" dirty="0"/>
+              <a:t>ssize_t send(int </a:t>
+            </a:r>
+            <a:r>
+              <a:rPr lang="en-US" dirty="0" err="1"/>
+              <a:t>sockfd</a:t>
+            </a:r>
+            <a:r>
+              <a:rPr lang="en-US" dirty="0"/>
+              <a:t>, const void *buf, size_t </a:t>
+            </a:r>
+            <a:r>
+              <a:rPr lang="en-US" dirty="0" err="1"/>
+              <a:t>nbytes</a:t>
+            </a:r>
+            <a:r>
+              <a:rPr lang="en-US" dirty="0"/>
+              <a:t>, int flags</a:t>
+            </a:r>
+            <a:r>
+              <a:rPr lang="en-US" dirty="0" smtClean="0"/>
+              <a:t>)</a:t>
+            </a:r>
+          </a:p>
+          <a:p>
+            <a:r>
+              <a:rPr lang="en-US" dirty="0"/>
+              <a:t>ssize_t </a:t>
+            </a:r>
+            <a:r>
+              <a:rPr lang="en-US" dirty="0" err="1"/>
+              <a:t>recv</a:t>
+            </a:r>
+            <a:r>
+              <a:rPr lang="en-US" dirty="0"/>
+              <a:t>(int </a:t>
+            </a:r>
+            <a:r>
+              <a:rPr lang="en-US" dirty="0" err="1"/>
+              <a:t>sockfd</a:t>
+            </a:r>
+            <a:r>
+              <a:rPr lang="en-US" dirty="0"/>
+              <a:t>, void *buf, size_t </a:t>
+            </a:r>
+            <a:r>
+              <a:rPr lang="en-US" dirty="0" err="1"/>
+              <a:t>nbytes</a:t>
+            </a:r>
+            <a:r>
+              <a:rPr lang="en-US" dirty="0"/>
+              <a:t>, int flags</a:t>
+            </a:r>
+            <a:r>
+              <a:rPr lang="en-US" dirty="0" smtClean="0"/>
+              <a:t>)</a:t>
+            </a:r>
+          </a:p>
+          <a:p>
+            <a:r>
+              <a:rPr lang="en-US" dirty="0" err="1"/>
+              <a:t>int</a:t>
+            </a:r>
+            <a:r>
+              <a:rPr lang="en-US" dirty="0"/>
+              <a:t> close(</a:t>
+            </a:r>
+            <a:r>
+              <a:rPr lang="en-US" dirty="0" err="1"/>
+              <a:t>int</a:t>
+            </a:r>
+            <a:r>
+              <a:rPr lang="en-US" dirty="0"/>
+              <a:t> </a:t>
+            </a:r>
+            <a:r>
+              <a:rPr lang="en-US" dirty="0" err="1"/>
+              <a:t>fd</a:t>
+            </a:r>
+            <a:r>
+              <a:rPr lang="en-US" dirty="0"/>
+              <a:t>);</a:t>
+            </a:r>
+            <a:endParaRPr lang="en-US" dirty="0"/>
+          </a:p>
+        </p:txBody>
+      </p:sp>
+      <p:sp>
+        <p:nvSpPr>
+          <p:cNvPr id="4" name="Footer Placeholder 3"/>
+          <p:cNvSpPr>
+            <a:spLocks noGrp="1"/>
+          </p:cNvSpPr>
+          <p:nvPr>
+            <p:ph type="ftr" sz="quarter" idx="11"/>
+          </p:nvPr>
+        </p:nvSpPr>
+        <p:spPr/>
+        <p:txBody>
+          <a:bodyPr/>
+          <a:lstStyle/>
+          <a:p>
+            <a:r>
+              <a:rPr lang="en-US" smtClean="0"/>
+              <a:t>©FPT SOFTWARE - Corporate Training Center - Internal Use</a:t>
+            </a:r>
+            <a:endParaRPr lang="en-US"/>
+          </a:p>
+        </p:txBody>
+      </p:sp>
+      <p:sp>
+        <p:nvSpPr>
+          <p:cNvPr id="5" name="Slide Number Placeholder 4"/>
+          <p:cNvSpPr>
+            <a:spLocks noGrp="1"/>
+          </p:cNvSpPr>
+          <p:nvPr>
+            <p:ph type="sldNum" sz="quarter" idx="12"/>
+          </p:nvPr>
+        </p:nvSpPr>
+        <p:spPr/>
+        <p:txBody>
+          <a:bodyPr/>
+          <a:lstStyle/>
+          <a:p>
+            <a:fld id="{E3B08AF7-4237-6949-8335-F63F47C2C8CC}" type="slidenum">
+              <a:rPr lang="en-US" smtClean="0"/>
+              <a:t>19</a:t>
+            </a:fld>
+            <a:endParaRPr lang="en-US"/>
+          </a:p>
+        </p:txBody>
+      </p:sp>
+    </p:spTree>
+    <p:extLst>
+      <p:ext uri="{BB962C8B-B14F-4D97-AF65-F5344CB8AC3E}">
+        <p14:creationId xmlns:p14="http://schemas.microsoft.com/office/powerpoint/2010/main" val="804142397"/>
+      </p:ext>
+    </p:extLst>
+  </p:cSld>
+  <p:clrMapOvr>
+    <a:masterClrMapping/>
+  </p:clrMapOvr>
+</p:sld>
+</file>
+
+<file path=ppt/slides/slide2.xml><?xml version="1.0" encoding="utf-8"?>
+<p:sld xmlns:a="http://schemas.openxmlformats.org/drawingml/2006/main" xmlns:r="http://schemas.openxmlformats.org/officeDocument/2006/relationships" xmlns:p="http://schemas.openxmlformats.org/presentationml/2006/main">
+  <p:cSld>
+    <p:spTree>
+      <p:nvGrpSpPr>
+        <p:cNvPr id="1" name=""/>
+        <p:cNvGrpSpPr/>
+        <p:nvPr/>
+      </p:nvGrpSpPr>
+      <p:grpSpPr>
+        <a:xfrm>
+          <a:off x="0" y="0"/>
+          <a:ext cx="0" cy="0"/>
+          <a:chOff x="0" y="0"/>
+          <a:chExt cx="0" cy="0"/>
+        </a:xfrm>
+      </p:grpSpPr>
+      <p:sp>
+        <p:nvSpPr>
+          <p:cNvPr id="6" name="Title 5"/>
+          <p:cNvSpPr>
+            <a:spLocks noGrp="1"/>
+          </p:cNvSpPr>
+          <p:nvPr>
+            <p:ph type="title"/>
+          </p:nvPr>
+        </p:nvSpPr>
+        <p:spPr/>
+        <p:txBody>
+          <a:bodyPr/>
+          <a:lstStyle/>
+          <a:p>
+            <a:r>
+              <a:rPr lang="en-US" dirty="0" smtClean="0"/>
+              <a:t>Agenda</a:t>
+            </a:r>
+            <a:endParaRPr lang="en-US" dirty="0"/>
+          </a:p>
+        </p:txBody>
+      </p:sp>
+      <p:sp>
+        <p:nvSpPr>
+          <p:cNvPr id="7" name="Content Placeholder 6"/>
+          <p:cNvSpPr>
+            <a:spLocks noGrp="1"/>
+          </p:cNvSpPr>
+          <p:nvPr>
+            <p:ph idx="1"/>
+          </p:nvPr>
+        </p:nvSpPr>
+        <p:spPr/>
+        <p:txBody>
+          <a:bodyPr/>
+          <a:lstStyle/>
+          <a:p>
+            <a:r>
+              <a:rPr lang="en-US" dirty="0"/>
+              <a:t>Packet flow </a:t>
+            </a:r>
+            <a:r>
+              <a:rPr lang="en-US" dirty="0" smtClean="0"/>
+              <a:t>diagram.</a:t>
+            </a:r>
+          </a:p>
+          <a:p>
+            <a:r>
+              <a:rPr lang="en-US" dirty="0"/>
+              <a:t>Socket overview.</a:t>
+            </a:r>
+            <a:endParaRPr lang="en-US" dirty="0" smtClean="0"/>
+          </a:p>
+          <a:p>
+            <a:r>
+              <a:rPr lang="en-US" dirty="0"/>
+              <a:t>Programming with </a:t>
+            </a:r>
+            <a:r>
+              <a:rPr lang="en-US" dirty="0" smtClean="0"/>
+              <a:t>socket.</a:t>
+            </a:r>
+          </a:p>
+          <a:p>
+            <a:r>
+              <a:rPr lang="en-US" dirty="0" err="1" smtClean="0"/>
+              <a:t>Thực</a:t>
+            </a:r>
+            <a:r>
+              <a:rPr lang="en-US" dirty="0" smtClean="0"/>
+              <a:t> </a:t>
+            </a:r>
+            <a:r>
+              <a:rPr lang="en-US" dirty="0" err="1" smtClean="0"/>
+              <a:t>hành</a:t>
+            </a:r>
+            <a:r>
+              <a:rPr lang="en-US" dirty="0" smtClean="0"/>
+              <a:t>.</a:t>
+            </a:r>
+            <a:endParaRPr lang="en-US" dirty="0"/>
+          </a:p>
+        </p:txBody>
+      </p:sp>
+      <p:sp>
+        <p:nvSpPr>
+          <p:cNvPr id="4" name="Footer Placeholder 3"/>
+          <p:cNvSpPr>
+            <a:spLocks noGrp="1"/>
+          </p:cNvSpPr>
+          <p:nvPr>
+            <p:ph type="ftr" sz="quarter" idx="11"/>
+          </p:nvPr>
+        </p:nvSpPr>
+        <p:spPr/>
+        <p:txBody>
+          <a:bodyPr/>
+          <a:lstStyle/>
+          <a:p>
+            <a:r>
+              <a:rPr lang="en-US" smtClean="0"/>
+              <a:t>©FPT SOFTWARE - Corporate Training Center - Internal Use</a:t>
+            </a:r>
+            <a:endParaRPr lang="en-US"/>
+          </a:p>
+        </p:txBody>
+      </p:sp>
+      <p:sp>
+        <p:nvSpPr>
+          <p:cNvPr id="5" name="Slide Number Placeholder 4"/>
+          <p:cNvSpPr>
+            <a:spLocks noGrp="1"/>
+          </p:cNvSpPr>
+          <p:nvPr>
+            <p:ph type="sldNum" sz="quarter" idx="12"/>
+          </p:nvPr>
+        </p:nvSpPr>
+        <p:spPr/>
+        <p:txBody>
+          <a:bodyPr/>
+          <a:lstStyle/>
+          <a:p>
+            <a:fld id="{E3B08AF7-4237-6949-8335-F63F47C2C8CC}" type="slidenum">
+              <a:rPr lang="en-US" smtClean="0"/>
+              <a:t>2</a:t>
+            </a:fld>
+            <a:endParaRPr lang="en-US"/>
+          </a:p>
+        </p:txBody>
+      </p:sp>
+    </p:spTree>
+    <p:extLst>
+      <p:ext uri="{BB962C8B-B14F-4D97-AF65-F5344CB8AC3E}">
+        <p14:creationId xmlns:p14="http://schemas.microsoft.com/office/powerpoint/2010/main" val="1147135443"/>
+      </p:ext>
+    </p:extLst>
+  </p:cSld>
+  <p:clrMapOvr>
+    <a:masterClrMapping/>
+  </p:clrMapOvr>
+</p:sld>
+</file>
+
+<file path=ppt/slides/slide20.xml><?xml version="1.0" encoding="utf-8"?>
+<p:sld xmlns:a="http://schemas.openxmlformats.org/drawingml/2006/main" xmlns:r="http://schemas.openxmlformats.org/officeDocument/2006/relationships" xmlns:p="http://schemas.openxmlformats.org/presentationml/2006/main">
+  <p:cSld>
+    <p:spTree>
+      <p:nvGrpSpPr>
+        <p:cNvPr id="1" name=""/>
+        <p:cNvGrpSpPr/>
+        <p:nvPr/>
+      </p:nvGrpSpPr>
+      <p:grpSpPr>
+        <a:xfrm>
+          <a:off x="0" y="0"/>
+          <a:ext cx="0" cy="0"/>
+          <a:chOff x="0" y="0"/>
+          <a:chExt cx="0" cy="0"/>
+        </a:xfrm>
+      </p:grpSpPr>
+      <p:sp>
+        <p:nvSpPr>
+          <p:cNvPr id="2" name="Title 1"/>
+          <p:cNvSpPr>
+            <a:spLocks noGrp="1"/>
+          </p:cNvSpPr>
+          <p:nvPr>
+            <p:ph type="title"/>
+          </p:nvPr>
+        </p:nvSpPr>
+        <p:spPr/>
+        <p:txBody>
+          <a:bodyPr/>
+          <a:lstStyle/>
+          <a:p>
+            <a:r>
+              <a:rPr lang="en-US" dirty="0" err="1"/>
+              <a:t>Thực</a:t>
+            </a:r>
+            <a:r>
+              <a:rPr lang="en-US" dirty="0"/>
+              <a:t> </a:t>
+            </a:r>
+            <a:r>
+              <a:rPr lang="en-US" dirty="0" err="1"/>
+              <a:t>hành</a:t>
+            </a:r>
+            <a:endParaRPr lang="en-US" dirty="0"/>
+          </a:p>
+        </p:txBody>
+      </p:sp>
+      <p:sp>
+        <p:nvSpPr>
+          <p:cNvPr id="3" name="Content Placeholder 2"/>
+          <p:cNvSpPr>
+            <a:spLocks noGrp="1"/>
+          </p:cNvSpPr>
+          <p:nvPr>
+            <p:ph idx="1"/>
+          </p:nvPr>
+        </p:nvSpPr>
+        <p:spPr/>
+        <p:txBody>
+          <a:bodyPr/>
+          <a:lstStyle/>
+          <a:p>
+            <a:r>
+              <a:rPr lang="vi-VN" dirty="0"/>
+              <a:t>Viết 1 chương trình chat theo mô hình client server. Cả 2 chạy cùng trên 1 máy </a:t>
+            </a:r>
+            <a:r>
+              <a:rPr lang="vi-VN" dirty="0" smtClean="0"/>
+              <a:t>tính</a:t>
+            </a:r>
+            <a:endParaRPr lang="en-US" dirty="0" smtClean="0"/>
+          </a:p>
+          <a:p>
+            <a:r>
+              <a:rPr lang="vi-VN" dirty="0"/>
+              <a:t>Viết chương trình chat client server cho phép chat trong mạng </a:t>
+            </a:r>
+            <a:r>
+              <a:rPr lang="vi-VN" dirty="0" smtClean="0"/>
+              <a:t>Lan</a:t>
+            </a:r>
+            <a:endParaRPr lang="en-US" dirty="0" smtClean="0"/>
+          </a:p>
+          <a:p>
+            <a:r>
+              <a:rPr lang="vi-VN" dirty="0"/>
+              <a:t>Viết chương trình cho phép gửi nhận file từ nhà và công ty</a:t>
+            </a:r>
+            <a:endParaRPr lang="en-US" dirty="0"/>
+          </a:p>
+        </p:txBody>
+      </p:sp>
+      <p:sp>
+        <p:nvSpPr>
+          <p:cNvPr id="4" name="Footer Placeholder 3"/>
+          <p:cNvSpPr>
+            <a:spLocks noGrp="1"/>
+          </p:cNvSpPr>
+          <p:nvPr>
+            <p:ph type="ftr" sz="quarter" idx="11"/>
+          </p:nvPr>
+        </p:nvSpPr>
+        <p:spPr/>
+        <p:txBody>
+          <a:bodyPr/>
+          <a:lstStyle/>
+          <a:p>
+            <a:r>
+              <a:rPr lang="en-US" smtClean="0"/>
+              <a:t>©FPT SOFTWARE - Corporate Training Center - Internal Use</a:t>
+            </a:r>
+            <a:endParaRPr lang="en-US"/>
+          </a:p>
+        </p:txBody>
+      </p:sp>
+      <p:sp>
+        <p:nvSpPr>
+          <p:cNvPr id="5" name="Slide Number Placeholder 4"/>
+          <p:cNvSpPr>
+            <a:spLocks noGrp="1"/>
+          </p:cNvSpPr>
+          <p:nvPr>
+            <p:ph type="sldNum" sz="quarter" idx="12"/>
+          </p:nvPr>
+        </p:nvSpPr>
+        <p:spPr/>
+        <p:txBody>
+          <a:bodyPr/>
+          <a:lstStyle/>
+          <a:p>
+            <a:fld id="{E3B08AF7-4237-6949-8335-F63F47C2C8CC}" type="slidenum">
+              <a:rPr lang="en-US" smtClean="0"/>
+              <a:t>20</a:t>
+            </a:fld>
+            <a:endParaRPr lang="en-US"/>
+          </a:p>
+        </p:txBody>
+      </p:sp>
+    </p:spTree>
+    <p:extLst>
+      <p:ext uri="{BB962C8B-B14F-4D97-AF65-F5344CB8AC3E}">
+        <p14:creationId xmlns:p14="http://schemas.microsoft.com/office/powerpoint/2010/main" val="3421832573"/>
+      </p:ext>
+    </p:extLst>
+  </p:cSld>
+  <p:clrMapOvr>
+    <a:masterClrMapping/>
+  </p:clrMapOvr>
+</p:sld>
+</file>
+
+<file path=ppt/slides/slide21.xml><?xml version="1.0" encoding="utf-8"?>
+<p:sld xmlns:a="http://schemas.openxmlformats.org/drawingml/2006/main" xmlns:r="http://schemas.openxmlformats.org/officeDocument/2006/relationships" xmlns:p="http://schemas.openxmlformats.org/presentationml/2006/main">
+  <p:cSld>
+    <p:bg>
+      <p:bgPr>
+        <a:blipFill dpi="0" rotWithShape="1">
+          <a:blip r:embed="rId3">
+            <a:lum/>
+          </a:blip>
+          <a:srcRect/>
+          <a:stretch>
+            <a:fillRect/>
+          </a:stretch>
+        </a:blipFill>
+        <a:effectLst/>
+      </p:bgPr>
+    </p:bg>
+    <p:spTree>
+      <p:nvGrpSpPr>
+        <p:cNvPr id="1" name=""/>
+        <p:cNvGrpSpPr/>
+        <p:nvPr/>
+      </p:nvGrpSpPr>
+      <p:grpSpPr>
+        <a:xfrm>
+          <a:off x="0" y="0"/>
+          <a:ext cx="0" cy="0"/>
+          <a:chOff x="0" y="0"/>
+          <a:chExt cx="0" cy="0"/>
+        </a:xfrm>
+      </p:grpSpPr>
+      <p:sp>
+        <p:nvSpPr>
+          <p:cNvPr id="2" name="Title 1"/>
+          <p:cNvSpPr>
+            <a:spLocks noGrp="1"/>
+          </p:cNvSpPr>
+          <p:nvPr>
+            <p:ph type="ctrTitle"/>
+          </p:nvPr>
+        </p:nvSpPr>
+        <p:spPr>
+          <a:xfrm>
+            <a:off x="441960" y="2082799"/>
+            <a:ext cx="5115560" cy="678021"/>
+          </a:xfrm>
+        </p:spPr>
+        <p:txBody>
+          <a:bodyPr>
+            <a:noAutofit/>
+          </a:bodyPr>
+          <a:lstStyle/>
+          <a:p>
+            <a:r>
+              <a:rPr lang="en-US" sz="6600" dirty="0" smtClean="0">
+                <a:solidFill>
+                  <a:schemeClr val="accent6">
+                    <a:lumMod val="75000"/>
+                  </a:schemeClr>
+                </a:solidFill>
+                <a:cs typeface="Arial"/>
+              </a:rPr>
+              <a:t>Thank you</a:t>
+            </a:r>
+            <a:endParaRPr lang="en-US" sz="6600" dirty="0">
+              <a:solidFill>
+                <a:schemeClr val="accent6">
+                  <a:lumMod val="75000"/>
+                </a:schemeClr>
+              </a:solidFill>
+              <a:cs typeface="Arial"/>
+            </a:endParaRPr>
+          </a:p>
+        </p:txBody>
+      </p:sp>
+      <p:sp>
+        <p:nvSpPr>
+          <p:cNvPr id="4" name="Footer Placeholder 3"/>
+          <p:cNvSpPr>
+            <a:spLocks noGrp="1"/>
+          </p:cNvSpPr>
+          <p:nvPr>
+            <p:ph type="ftr" sz="quarter" idx="11"/>
+          </p:nvPr>
+        </p:nvSpPr>
+        <p:spPr/>
+        <p:txBody>
+          <a:bodyPr/>
+          <a:lstStyle/>
+          <a:p>
+            <a:r>
+              <a:rPr lang="en-US" smtClean="0"/>
+              <a:t>©FPT SOFTWARE - Corporate Training Center - Internal Use</a:t>
+            </a:r>
+            <a:endParaRPr lang="en-US" dirty="0"/>
+          </a:p>
+        </p:txBody>
+      </p:sp>
+      <p:sp>
+        <p:nvSpPr>
+          <p:cNvPr id="5" name="Slide Number Placeholder 4"/>
+          <p:cNvSpPr>
+            <a:spLocks noGrp="1"/>
+          </p:cNvSpPr>
+          <p:nvPr>
+            <p:ph type="sldNum" sz="quarter" idx="12"/>
+          </p:nvPr>
+        </p:nvSpPr>
+        <p:spPr/>
+        <p:txBody>
+          <a:bodyPr/>
+          <a:lstStyle/>
+          <a:p>
+            <a:fld id="{E3B08AF7-4237-6949-8335-F63F47C2C8CC}" type="slidenum">
+              <a:rPr lang="en-US" smtClean="0"/>
+              <a:t>21</a:t>
+            </a:fld>
+            <a:endParaRPr lang="en-US" dirty="0"/>
+          </a:p>
+        </p:txBody>
+      </p:sp>
+    </p:spTree>
+    <p:extLst>
+      <p:ext uri="{BB962C8B-B14F-4D97-AF65-F5344CB8AC3E}">
+        <p14:creationId xmlns:p14="http://schemas.microsoft.com/office/powerpoint/2010/main" val="3906525621"/>
+      </p:ext>
+    </p:extLst>
+  </p:cSld>
+  <p:clrMapOvr>
+    <a:masterClrMapping/>
+  </p:clrMapOvr>
+  <p:timing>
+    <p:tnLst>
+      <p:par>
+        <p:cTn id="1" dur="indefinite" restart="never" nodeType="tmRoot"/>
+      </p:par>
+    </p:tnLst>
+  </p:timing>
+</p:sld>
+</file>
+
+<file path=ppt/slides/slide3.xml><?xml version="1.0" encoding="utf-8"?>
+<p:sld xmlns:a="http://schemas.openxmlformats.org/drawingml/2006/main" xmlns:r="http://schemas.openxmlformats.org/officeDocument/2006/relationships" xmlns:p="http://schemas.openxmlformats.org/presentationml/2006/main">
+  <p:cSld>
+    <p:spTree>
+      <p:nvGrpSpPr>
+        <p:cNvPr id="1" name=""/>
+        <p:cNvGrpSpPr/>
+        <p:nvPr/>
+      </p:nvGrpSpPr>
+      <p:grpSpPr>
+        <a:xfrm>
+          <a:off x="0" y="0"/>
+          <a:ext cx="0" cy="0"/>
+          <a:chOff x="0" y="0"/>
+          <a:chExt cx="0" cy="0"/>
+        </a:xfrm>
+      </p:grpSpPr>
+      <p:sp>
+        <p:nvSpPr>
+          <p:cNvPr id="10" name="Content Placeholder 9"/>
+          <p:cNvSpPr>
+            <a:spLocks noGrp="1"/>
+          </p:cNvSpPr>
+          <p:nvPr>
+            <p:ph idx="1"/>
+          </p:nvPr>
+        </p:nvSpPr>
+        <p:spPr/>
+        <p:txBody>
+          <a:bodyPr/>
+          <a:lstStyle/>
+          <a:p>
+            <a:r>
+              <a:rPr lang="en-US" dirty="0" err="1" smtClean="0"/>
+              <a:t>Địa</a:t>
+            </a:r>
+            <a:r>
+              <a:rPr lang="en-US" dirty="0" smtClean="0"/>
+              <a:t> </a:t>
+            </a:r>
+            <a:r>
+              <a:rPr lang="en-US" dirty="0" err="1" smtClean="0"/>
+              <a:t>chỉ</a:t>
+            </a:r>
+            <a:r>
+              <a:rPr lang="en-US" dirty="0" smtClean="0"/>
+              <a:t> IP</a:t>
+            </a:r>
+          </a:p>
+          <a:p>
+            <a:pPr lvl="1"/>
+            <a:r>
+              <a:rPr lang="en-US" dirty="0" smtClean="0"/>
+              <a:t>192.168.1.1</a:t>
+            </a:r>
+          </a:p>
+          <a:p>
+            <a:r>
+              <a:rPr lang="en-US" dirty="0" smtClean="0"/>
+              <a:t>Global IP address</a:t>
+            </a:r>
+          </a:p>
+          <a:p>
+            <a:r>
+              <a:rPr lang="en-US" dirty="0" smtClean="0"/>
+              <a:t>Local IP address</a:t>
+            </a:r>
+          </a:p>
+          <a:p>
+            <a:r>
+              <a:rPr lang="en-US" dirty="0" smtClean="0"/>
+              <a:t>Port</a:t>
+            </a:r>
+          </a:p>
+          <a:p>
+            <a:r>
+              <a:rPr lang="en-US" dirty="0" smtClean="0"/>
+              <a:t>Client and sever</a:t>
+            </a:r>
+            <a:endParaRPr lang="en-US" dirty="0"/>
+          </a:p>
+        </p:txBody>
+      </p:sp>
+      <p:pic>
+        <p:nvPicPr>
+          <p:cNvPr id="12" name="Picture 11"/>
+          <p:cNvPicPr>
+            <a:picLocks noChangeAspect="1"/>
+          </p:cNvPicPr>
+          <p:nvPr/>
+        </p:nvPicPr>
+        <p:blipFill>
+          <a:blip r:embed="rId3"/>
+          <a:stretch>
+            <a:fillRect/>
+          </a:stretch>
+        </p:blipFill>
+        <p:spPr>
+          <a:xfrm>
+            <a:off x="457200" y="1786604"/>
+            <a:ext cx="3010719" cy="1648160"/>
+          </a:xfrm>
+          <a:prstGeom prst="rect">
+            <a:avLst/>
+          </a:prstGeom>
+        </p:spPr>
+      </p:pic>
+      <p:sp>
+        <p:nvSpPr>
+          <p:cNvPr id="11" name="Text Placeholder 10"/>
+          <p:cNvSpPr>
+            <a:spLocks noGrp="1"/>
+          </p:cNvSpPr>
+          <p:nvPr>
+            <p:ph type="body" sz="half" idx="2"/>
+          </p:nvPr>
+        </p:nvSpPr>
+        <p:spPr/>
+        <p:txBody>
+          <a:bodyPr/>
+          <a:lstStyle/>
+          <a:p>
+            <a:endParaRPr lang="en-US" dirty="0"/>
+          </a:p>
+        </p:txBody>
+      </p:sp>
+      <p:sp>
+        <p:nvSpPr>
+          <p:cNvPr id="7" name="Footer Placeholder 6"/>
+          <p:cNvSpPr>
+            <a:spLocks noGrp="1"/>
+          </p:cNvSpPr>
+          <p:nvPr>
+            <p:ph type="ftr" sz="quarter" idx="11"/>
+          </p:nvPr>
+        </p:nvSpPr>
+        <p:spPr/>
+        <p:txBody>
+          <a:bodyPr/>
+          <a:lstStyle/>
+          <a:p>
+            <a:r>
+              <a:rPr lang="en-US" dirty="0" smtClean="0"/>
+              <a:t>©FPT SOFTWARE - Corporate Training Center - Internal Use</a:t>
+            </a:r>
+            <a:endParaRPr lang="en-US" dirty="0"/>
+          </a:p>
+        </p:txBody>
+      </p:sp>
+      <p:sp>
+        <p:nvSpPr>
+          <p:cNvPr id="8" name="Slide Number Placeholder 7"/>
+          <p:cNvSpPr>
+            <a:spLocks noGrp="1"/>
+          </p:cNvSpPr>
+          <p:nvPr>
+            <p:ph type="sldNum" sz="quarter" idx="12"/>
+          </p:nvPr>
+        </p:nvSpPr>
+        <p:spPr/>
+        <p:txBody>
+          <a:bodyPr/>
+          <a:lstStyle/>
+          <a:p>
+            <a:fld id="{E3B08AF7-4237-6949-8335-F63F47C2C8CC}" type="slidenum">
+              <a:rPr lang="en-US" smtClean="0"/>
+              <a:t>3</a:t>
+            </a:fld>
+            <a:endParaRPr lang="en-US" dirty="0"/>
+          </a:p>
+        </p:txBody>
+      </p:sp>
+      <p:sp>
+        <p:nvSpPr>
+          <p:cNvPr id="9" name="Title 8"/>
+          <p:cNvSpPr>
+            <a:spLocks noGrp="1"/>
+          </p:cNvSpPr>
+          <p:nvPr>
+            <p:ph type="title"/>
+          </p:nvPr>
+        </p:nvSpPr>
+        <p:spPr/>
+        <p:txBody>
+          <a:bodyPr/>
+          <a:lstStyle/>
+          <a:p>
+            <a:r>
+              <a:rPr lang="en-US" dirty="0" err="1" smtClean="0"/>
+              <a:t>Định</a:t>
+            </a:r>
+            <a:r>
+              <a:rPr lang="en-US" dirty="0" smtClean="0"/>
+              <a:t> </a:t>
+            </a:r>
+            <a:r>
+              <a:rPr lang="en-US" dirty="0" err="1" smtClean="0"/>
+              <a:t>danh</a:t>
+            </a:r>
+            <a:r>
+              <a:rPr lang="en-US" dirty="0" smtClean="0"/>
+              <a:t> trong </a:t>
+            </a:r>
+            <a:r>
+              <a:rPr lang="en-US" dirty="0" err="1" smtClean="0"/>
+              <a:t>mạng</a:t>
+            </a:r>
+            <a:r>
+              <a:rPr lang="en-US" dirty="0" smtClean="0"/>
+              <a:t> internet</a:t>
+            </a:r>
+            <a:endParaRPr lang="en-US" dirty="0"/>
+          </a:p>
+        </p:txBody>
+      </p:sp>
+    </p:spTree>
+    <p:extLst>
+      <p:ext uri="{BB962C8B-B14F-4D97-AF65-F5344CB8AC3E}">
+        <p14:creationId xmlns:p14="http://schemas.microsoft.com/office/powerpoint/2010/main" val="1486024769"/>
+      </p:ext>
+    </p:extLst>
+  </p:cSld>
+  <p:clrMapOvr>
+    <a:masterClrMapping/>
+  </p:clrMapOvr>
+</p:sld>
+</file>
+
+<file path=ppt/slides/slide4.xml><?xml version="1.0" encoding="utf-8"?>
+<p:sld xmlns:a="http://schemas.openxmlformats.org/drawingml/2006/main" xmlns:r="http://schemas.openxmlformats.org/officeDocument/2006/relationships" xmlns:p="http://schemas.openxmlformats.org/presentationml/2006/main">
+  <p:cSld>
+    <p:spTree>
+      <p:nvGrpSpPr>
+        <p:cNvPr id="1" name=""/>
+        <p:cNvGrpSpPr/>
+        <p:nvPr/>
+      </p:nvGrpSpPr>
+      <p:grpSpPr>
+        <a:xfrm>
+          <a:off x="0" y="0"/>
+          <a:ext cx="0" cy="0"/>
+          <a:chOff x="0" y="0"/>
+          <a:chExt cx="0" cy="0"/>
+        </a:xfrm>
+      </p:grpSpPr>
+      <p:sp>
+        <p:nvSpPr>
+          <p:cNvPr id="2" name="Title 1"/>
+          <p:cNvSpPr>
+            <a:spLocks noGrp="1"/>
+          </p:cNvSpPr>
+          <p:nvPr>
+            <p:ph type="title"/>
+          </p:nvPr>
+        </p:nvSpPr>
+        <p:spPr/>
+        <p:txBody>
+          <a:bodyPr/>
+          <a:lstStyle/>
+          <a:p>
+            <a:r>
+              <a:rPr lang="en-US" dirty="0"/>
+              <a:t>Packet flow diagram</a:t>
+            </a:r>
+          </a:p>
+        </p:txBody>
+      </p:sp>
+      <p:pic>
+        <p:nvPicPr>
+          <p:cNvPr id="6" name="Content Placeholder 5"/>
+          <p:cNvPicPr>
+            <a:picLocks noGrp="1" noChangeAspect="1"/>
+          </p:cNvPicPr>
+          <p:nvPr>
+            <p:ph idx="1"/>
+          </p:nvPr>
+        </p:nvPicPr>
+        <p:blipFill>
+          <a:blip r:embed="rId2"/>
+          <a:stretch>
+            <a:fillRect/>
+          </a:stretch>
+        </p:blipFill>
+        <p:spPr>
+          <a:xfrm>
+            <a:off x="1547317" y="871538"/>
+            <a:ext cx="6049366" cy="3722687"/>
+          </a:xfrm>
+          <a:prstGeom prst="rect">
+            <a:avLst/>
+          </a:prstGeom>
+        </p:spPr>
+      </p:pic>
+      <p:sp>
+        <p:nvSpPr>
+          <p:cNvPr id="4" name="Footer Placeholder 3"/>
+          <p:cNvSpPr>
+            <a:spLocks noGrp="1"/>
+          </p:cNvSpPr>
+          <p:nvPr>
+            <p:ph type="ftr" sz="quarter" idx="11"/>
+          </p:nvPr>
+        </p:nvSpPr>
+        <p:spPr/>
+        <p:txBody>
+          <a:bodyPr/>
+          <a:lstStyle/>
+          <a:p>
+            <a:r>
+              <a:rPr lang="en-US" smtClean="0"/>
+              <a:t>©FPT SOFTWARE - Corporate Training Center - Internal Use</a:t>
+            </a:r>
+            <a:endParaRPr lang="en-US"/>
+          </a:p>
+        </p:txBody>
+      </p:sp>
+      <p:sp>
+        <p:nvSpPr>
+          <p:cNvPr id="5" name="Slide Number Placeholder 4"/>
+          <p:cNvSpPr>
+            <a:spLocks noGrp="1"/>
+          </p:cNvSpPr>
+          <p:nvPr>
+            <p:ph type="sldNum" sz="quarter" idx="12"/>
+          </p:nvPr>
+        </p:nvSpPr>
+        <p:spPr/>
+        <p:txBody>
+          <a:bodyPr/>
+          <a:lstStyle/>
+          <a:p>
+            <a:fld id="{E3B08AF7-4237-6949-8335-F63F47C2C8CC}" type="slidenum">
+              <a:rPr lang="en-US" smtClean="0"/>
+              <a:t>4</a:t>
+            </a:fld>
+            <a:endParaRPr lang="en-US"/>
+          </a:p>
+        </p:txBody>
+      </p:sp>
+    </p:spTree>
+    <p:extLst>
+      <p:ext uri="{BB962C8B-B14F-4D97-AF65-F5344CB8AC3E}">
+        <p14:creationId xmlns:p14="http://schemas.microsoft.com/office/powerpoint/2010/main" val="2709202873"/>
+      </p:ext>
+    </p:extLst>
+  </p:cSld>
+  <p:clrMapOvr>
+    <a:masterClrMapping/>
+  </p:clrMapOvr>
+</p:sld>
+</file>
+
+<file path=ppt/slides/slide5.xml><?xml version="1.0" encoding="utf-8"?>
+<p:sld xmlns:a="http://schemas.openxmlformats.org/drawingml/2006/main" xmlns:r="http://schemas.openxmlformats.org/officeDocument/2006/relationships" xmlns:p="http://schemas.openxmlformats.org/presentationml/2006/main">
+  <p:cSld>
+    <p:spTree>
+      <p:nvGrpSpPr>
+        <p:cNvPr id="1" name=""/>
+        <p:cNvGrpSpPr/>
+        <p:nvPr/>
+      </p:nvGrpSpPr>
+      <p:grpSpPr>
+        <a:xfrm>
+          <a:off x="0" y="0"/>
+          <a:ext cx="0" cy="0"/>
+          <a:chOff x="0" y="0"/>
+          <a:chExt cx="0" cy="0"/>
+        </a:xfrm>
+      </p:grpSpPr>
+      <p:sp>
+        <p:nvSpPr>
+          <p:cNvPr id="2" name="Title 1"/>
+          <p:cNvSpPr>
+            <a:spLocks noGrp="1"/>
+          </p:cNvSpPr>
+          <p:nvPr>
+            <p:ph type="title"/>
+          </p:nvPr>
+        </p:nvSpPr>
+        <p:spPr/>
+        <p:txBody>
+          <a:bodyPr/>
+          <a:lstStyle/>
+          <a:p>
+            <a:r>
+              <a:rPr lang="en-US" dirty="0" smtClean="0"/>
+              <a:t>Network interface</a:t>
+            </a:r>
+            <a:endParaRPr lang="en-US" dirty="0"/>
+          </a:p>
+        </p:txBody>
+      </p:sp>
+      <p:sp>
+        <p:nvSpPr>
+          <p:cNvPr id="3" name="Content Placeholder 2"/>
+          <p:cNvSpPr>
+            <a:spLocks noGrp="1"/>
+          </p:cNvSpPr>
+          <p:nvPr>
+            <p:ph idx="1"/>
+          </p:nvPr>
+        </p:nvSpPr>
+        <p:spPr/>
+        <p:txBody>
+          <a:bodyPr/>
+          <a:lstStyle/>
+          <a:p>
+            <a:r>
+              <a:rPr lang="en-US" dirty="0" err="1" smtClean="0"/>
+              <a:t>Khác</a:t>
+            </a:r>
+            <a:r>
+              <a:rPr lang="en-US" dirty="0" smtClean="0"/>
+              <a:t> </a:t>
+            </a:r>
+            <a:r>
+              <a:rPr lang="en-US" dirty="0" err="1" smtClean="0"/>
+              <a:t>với</a:t>
+            </a:r>
+            <a:r>
+              <a:rPr lang="en-US" dirty="0" smtClean="0"/>
+              <a:t> </a:t>
+            </a:r>
+            <a:r>
+              <a:rPr lang="en-US" dirty="0" err="1" smtClean="0"/>
+              <a:t>các</a:t>
+            </a:r>
+            <a:r>
+              <a:rPr lang="en-US" dirty="0" smtClean="0"/>
+              <a:t> device </a:t>
+            </a:r>
+            <a:r>
+              <a:rPr lang="en-US" dirty="0" err="1" smtClean="0"/>
+              <a:t>thông</a:t>
+            </a:r>
+            <a:r>
+              <a:rPr lang="en-US" dirty="0" smtClean="0"/>
+              <a:t> </a:t>
+            </a:r>
+            <a:r>
+              <a:rPr lang="en-US" dirty="0" err="1" smtClean="0"/>
+              <a:t>thường</a:t>
+            </a:r>
+            <a:r>
+              <a:rPr lang="en-US" dirty="0" smtClean="0"/>
+              <a:t>, </a:t>
+            </a:r>
+            <a:r>
+              <a:rPr lang="en-US" dirty="0" err="1" smtClean="0"/>
+              <a:t>chúng</a:t>
+            </a:r>
+            <a:r>
+              <a:rPr lang="en-US" dirty="0" smtClean="0"/>
+              <a:t> </a:t>
+            </a:r>
+            <a:r>
+              <a:rPr lang="en-US" dirty="0" err="1" smtClean="0"/>
+              <a:t>được</a:t>
+            </a:r>
+            <a:r>
+              <a:rPr lang="en-US" dirty="0" smtClean="0"/>
+              <a:t> </a:t>
+            </a:r>
+            <a:r>
+              <a:rPr lang="en-US" dirty="0" err="1" smtClean="0"/>
+              <a:t>hệ</a:t>
+            </a:r>
+            <a:r>
+              <a:rPr lang="en-US" dirty="0" smtClean="0"/>
+              <a:t> </a:t>
+            </a:r>
+            <a:r>
+              <a:rPr lang="en-US" dirty="0" err="1" smtClean="0"/>
+              <a:t>điều</a:t>
+            </a:r>
+            <a:r>
+              <a:rPr lang="en-US" dirty="0" smtClean="0"/>
+              <a:t> </a:t>
+            </a:r>
+            <a:r>
+              <a:rPr lang="en-US" dirty="0" err="1" smtClean="0"/>
+              <a:t>hành</a:t>
+            </a:r>
+            <a:r>
+              <a:rPr lang="en-US" dirty="0" smtClean="0"/>
+              <a:t> </a:t>
+            </a:r>
+            <a:r>
+              <a:rPr lang="en-US" dirty="0" err="1" smtClean="0"/>
+              <a:t>tương</a:t>
+            </a:r>
+            <a:r>
+              <a:rPr lang="en-US" dirty="0" smtClean="0"/>
+              <a:t> </a:t>
+            </a:r>
+            <a:r>
+              <a:rPr lang="en-US" dirty="0" err="1" smtClean="0"/>
+              <a:t>tác</a:t>
+            </a:r>
+            <a:r>
+              <a:rPr lang="en-US" dirty="0" smtClean="0"/>
+              <a:t> qua device file </a:t>
+            </a:r>
+            <a:r>
+              <a:rPr lang="en-US" dirty="0" err="1" smtClean="0"/>
+              <a:t>trong</a:t>
+            </a:r>
+            <a:r>
+              <a:rPr lang="en-US" dirty="0" smtClean="0"/>
+              <a:t> </a:t>
+            </a:r>
+            <a:r>
+              <a:rPr lang="en-US" dirty="0" err="1" smtClean="0"/>
+              <a:t>thư</a:t>
+            </a:r>
+            <a:r>
+              <a:rPr lang="en-US" dirty="0" smtClean="0"/>
+              <a:t> </a:t>
+            </a:r>
+            <a:r>
+              <a:rPr lang="en-US" dirty="0" err="1" smtClean="0"/>
+              <a:t>mục</a:t>
+            </a:r>
+            <a:r>
+              <a:rPr lang="en-US" dirty="0" smtClean="0"/>
+              <a:t> /dev. </a:t>
+            </a:r>
+            <a:r>
+              <a:rPr lang="en-US" dirty="0" err="1" smtClean="0"/>
+              <a:t>Các</a:t>
+            </a:r>
+            <a:r>
+              <a:rPr lang="en-US" dirty="0" smtClean="0"/>
+              <a:t> network device </a:t>
+            </a:r>
+            <a:r>
+              <a:rPr lang="en-US" dirty="0" err="1" smtClean="0"/>
+              <a:t>sẽ</a:t>
+            </a:r>
+            <a:r>
+              <a:rPr lang="en-US" dirty="0" smtClean="0"/>
+              <a:t> </a:t>
+            </a:r>
+            <a:r>
+              <a:rPr lang="en-US" dirty="0" err="1" smtClean="0"/>
+              <a:t>tương</a:t>
+            </a:r>
+            <a:r>
+              <a:rPr lang="en-US" dirty="0" smtClean="0"/>
+              <a:t> </a:t>
+            </a:r>
+            <a:r>
+              <a:rPr lang="en-US" dirty="0" err="1" smtClean="0"/>
+              <a:t>tác</a:t>
+            </a:r>
+            <a:r>
+              <a:rPr lang="en-US" dirty="0" smtClean="0"/>
+              <a:t> </a:t>
+            </a:r>
+            <a:r>
+              <a:rPr lang="en-US" dirty="0" err="1" smtClean="0"/>
+              <a:t>với</a:t>
+            </a:r>
+            <a:r>
+              <a:rPr lang="en-US" dirty="0" smtClean="0"/>
+              <a:t> </a:t>
+            </a:r>
+            <a:r>
+              <a:rPr lang="en-US" dirty="0" err="1" smtClean="0"/>
+              <a:t>hệ</a:t>
+            </a:r>
+            <a:r>
+              <a:rPr lang="en-US" dirty="0" smtClean="0"/>
+              <a:t> </a:t>
+            </a:r>
+            <a:r>
+              <a:rPr lang="en-US" dirty="0" err="1" smtClean="0"/>
+              <a:t>điều</a:t>
+            </a:r>
+            <a:r>
+              <a:rPr lang="en-US" dirty="0" smtClean="0"/>
+              <a:t> </a:t>
+            </a:r>
+            <a:r>
+              <a:rPr lang="en-US" dirty="0" err="1" smtClean="0"/>
+              <a:t>hành</a:t>
+            </a:r>
+            <a:r>
+              <a:rPr lang="en-US" dirty="0" smtClean="0"/>
+              <a:t> </a:t>
+            </a:r>
+            <a:r>
+              <a:rPr lang="en-US" dirty="0" err="1" smtClean="0"/>
+              <a:t>thông</a:t>
+            </a:r>
+            <a:r>
+              <a:rPr lang="en-US" dirty="0" smtClean="0"/>
+              <a:t> qua 1 </a:t>
+            </a:r>
+            <a:r>
+              <a:rPr lang="en-US" dirty="0" err="1" smtClean="0"/>
+              <a:t>loại</a:t>
+            </a:r>
+            <a:r>
+              <a:rPr lang="en-US" dirty="0" smtClean="0"/>
+              <a:t> file </a:t>
+            </a:r>
+            <a:r>
+              <a:rPr lang="en-US" dirty="0" err="1" smtClean="0"/>
+              <a:t>đặc</a:t>
+            </a:r>
+            <a:r>
+              <a:rPr lang="en-US" dirty="0" smtClean="0"/>
+              <a:t> </a:t>
+            </a:r>
+            <a:r>
+              <a:rPr lang="en-US" dirty="0" err="1" smtClean="0"/>
+              <a:t>biệt</a:t>
+            </a:r>
+            <a:r>
+              <a:rPr lang="en-US" dirty="0" smtClean="0"/>
+              <a:t> </a:t>
+            </a:r>
+            <a:r>
+              <a:rPr lang="en-US" dirty="0" err="1" smtClean="0"/>
+              <a:t>hơn</a:t>
+            </a:r>
+            <a:r>
+              <a:rPr lang="en-US" dirty="0" smtClean="0"/>
+              <a:t> </a:t>
+            </a:r>
+            <a:r>
+              <a:rPr lang="en-US" dirty="0" err="1" smtClean="0"/>
+              <a:t>gọi</a:t>
+            </a:r>
+            <a:r>
+              <a:rPr lang="en-US" dirty="0" smtClean="0"/>
+              <a:t> </a:t>
+            </a:r>
+            <a:r>
+              <a:rPr lang="en-US" dirty="0" err="1" smtClean="0"/>
+              <a:t>là</a:t>
+            </a:r>
+            <a:r>
+              <a:rPr lang="en-US" dirty="0" smtClean="0"/>
+              <a:t> network interface.</a:t>
+            </a:r>
+          </a:p>
+          <a:p>
+            <a:r>
+              <a:rPr lang="en-US" dirty="0" smtClean="0"/>
+              <a:t>Network interface </a:t>
+            </a:r>
+            <a:r>
+              <a:rPr lang="en-US" dirty="0" err="1" smtClean="0"/>
+              <a:t>được</a:t>
+            </a:r>
+            <a:r>
+              <a:rPr lang="en-US" dirty="0" smtClean="0"/>
+              <a:t> </a:t>
+            </a:r>
+            <a:r>
+              <a:rPr lang="en-US" dirty="0" err="1" smtClean="0"/>
+              <a:t>config</a:t>
+            </a:r>
+            <a:r>
+              <a:rPr lang="en-US" dirty="0" smtClean="0"/>
+              <a:t> </a:t>
+            </a:r>
+            <a:r>
+              <a:rPr lang="en-US" dirty="0" err="1" smtClean="0"/>
+              <a:t>thông</a:t>
+            </a:r>
+            <a:r>
+              <a:rPr lang="en-US" dirty="0" smtClean="0"/>
+              <a:t> qua </a:t>
+            </a:r>
+            <a:r>
+              <a:rPr lang="en-US" dirty="0" err="1" smtClean="0"/>
+              <a:t>bộ</a:t>
+            </a:r>
+            <a:r>
+              <a:rPr lang="en-US" dirty="0"/>
+              <a:t> </a:t>
+            </a:r>
+            <a:r>
+              <a:rPr lang="en-US" dirty="0" err="1" smtClean="0"/>
+              <a:t>netutils</a:t>
+            </a:r>
+            <a:r>
+              <a:rPr lang="en-US" dirty="0" smtClean="0"/>
+              <a:t> package.</a:t>
+            </a:r>
+            <a:endParaRPr lang="en-US" dirty="0"/>
+          </a:p>
+        </p:txBody>
+      </p:sp>
+      <p:sp>
+        <p:nvSpPr>
+          <p:cNvPr id="4" name="Footer Placeholder 3"/>
+          <p:cNvSpPr>
+            <a:spLocks noGrp="1"/>
+          </p:cNvSpPr>
+          <p:nvPr>
+            <p:ph type="ftr" sz="quarter" idx="11"/>
+          </p:nvPr>
+        </p:nvSpPr>
+        <p:spPr/>
+        <p:txBody>
+          <a:bodyPr/>
+          <a:lstStyle/>
+          <a:p>
+            <a:r>
+              <a:rPr lang="en-US" smtClean="0"/>
+              <a:t>©FPT SOFTWARE - Corporate Training Center - Internal Use</a:t>
+            </a:r>
+            <a:endParaRPr lang="en-US"/>
+          </a:p>
+        </p:txBody>
+      </p:sp>
+      <p:sp>
+        <p:nvSpPr>
+          <p:cNvPr id="5" name="Slide Number Placeholder 4"/>
+          <p:cNvSpPr>
+            <a:spLocks noGrp="1"/>
+          </p:cNvSpPr>
+          <p:nvPr>
+            <p:ph type="sldNum" sz="quarter" idx="12"/>
+          </p:nvPr>
+        </p:nvSpPr>
+        <p:spPr/>
+        <p:txBody>
+          <a:bodyPr/>
+          <a:lstStyle/>
+          <a:p>
+            <a:fld id="{E3B08AF7-4237-6949-8335-F63F47C2C8CC}" type="slidenum">
+              <a:rPr lang="en-US" smtClean="0"/>
+              <a:t>5</a:t>
+            </a:fld>
+            <a:endParaRPr lang="en-US"/>
+          </a:p>
+        </p:txBody>
+      </p:sp>
+    </p:spTree>
+    <p:extLst>
+      <p:ext uri="{BB962C8B-B14F-4D97-AF65-F5344CB8AC3E}">
+        <p14:creationId xmlns:p14="http://schemas.microsoft.com/office/powerpoint/2010/main" val="1582018758"/>
+      </p:ext>
+    </p:extLst>
+  </p:cSld>
+  <p:clrMapOvr>
+    <a:masterClrMapping/>
+  </p:clrMapOvr>
+</p:sld>
+</file>
+
+<file path=ppt/slides/slide6.xml><?xml version="1.0" encoding="utf-8"?>
+<p:sld xmlns:a="http://schemas.openxmlformats.org/drawingml/2006/main" xmlns:r="http://schemas.openxmlformats.org/officeDocument/2006/relationships" xmlns:p="http://schemas.openxmlformats.org/presentationml/2006/main">
+  <p:cSld>
+    <p:spTree>
+      <p:nvGrpSpPr>
+        <p:cNvPr id="1" name=""/>
+        <p:cNvGrpSpPr/>
+        <p:nvPr/>
+      </p:nvGrpSpPr>
+      <p:grpSpPr>
+        <a:xfrm>
+          <a:off x="0" y="0"/>
+          <a:ext cx="0" cy="0"/>
+          <a:chOff x="0" y="0"/>
+          <a:chExt cx="0" cy="0"/>
+        </a:xfrm>
+      </p:grpSpPr>
+      <p:sp>
+        <p:nvSpPr>
+          <p:cNvPr id="2" name="Title 1"/>
+          <p:cNvSpPr>
+            <a:spLocks noGrp="1"/>
+          </p:cNvSpPr>
+          <p:nvPr>
+            <p:ph type="title"/>
+          </p:nvPr>
+        </p:nvSpPr>
+        <p:spPr/>
+        <p:txBody>
+          <a:bodyPr/>
+          <a:lstStyle/>
+          <a:p>
+            <a:r>
+              <a:rPr lang="en-US" dirty="0"/>
+              <a:t>Socket overview</a:t>
+            </a:r>
+          </a:p>
+        </p:txBody>
+      </p:sp>
+      <p:sp>
+        <p:nvSpPr>
+          <p:cNvPr id="3" name="Content Placeholder 2"/>
+          <p:cNvSpPr>
+            <a:spLocks noGrp="1"/>
+          </p:cNvSpPr>
+          <p:nvPr>
+            <p:ph idx="1"/>
+          </p:nvPr>
+        </p:nvSpPr>
+        <p:spPr/>
+        <p:txBody>
+          <a:bodyPr/>
+          <a:lstStyle/>
+          <a:p>
+            <a:r>
+              <a:rPr lang="vi-VN" dirty="0"/>
+              <a:t>Socket là các file ở dạng endpoint, khi ghi data vào 1 đầu thì data sẽ được gửi sang 1 hoặc nhiều đầu khác</a:t>
+            </a:r>
+            <a:r>
+              <a:rPr lang="vi-VN" dirty="0" smtClean="0"/>
+              <a:t>.</a:t>
+            </a:r>
+            <a:endParaRPr lang="en-US" dirty="0" smtClean="0"/>
+          </a:p>
+          <a:p>
+            <a:r>
+              <a:rPr lang="vi-VN" dirty="0"/>
+              <a:t>Các với các file thông thường, socket cho phép data được gửi ra khỏi máy tính để đi vào mạng </a:t>
+            </a:r>
+            <a:r>
+              <a:rPr lang="vi-VN" dirty="0" smtClean="0"/>
+              <a:t>internet</a:t>
+            </a:r>
+            <a:r>
+              <a:rPr lang="en-US" dirty="0" smtClean="0"/>
+              <a:t>.</a:t>
+            </a:r>
+            <a:endParaRPr lang="en-US" dirty="0"/>
+          </a:p>
+        </p:txBody>
+      </p:sp>
+      <p:sp>
+        <p:nvSpPr>
+          <p:cNvPr id="4" name="Footer Placeholder 3"/>
+          <p:cNvSpPr>
+            <a:spLocks noGrp="1"/>
+          </p:cNvSpPr>
+          <p:nvPr>
+            <p:ph type="ftr" sz="quarter" idx="11"/>
+          </p:nvPr>
+        </p:nvSpPr>
+        <p:spPr/>
+        <p:txBody>
+          <a:bodyPr/>
+          <a:lstStyle/>
+          <a:p>
+            <a:r>
+              <a:rPr lang="en-US" smtClean="0"/>
+              <a:t>©FPT SOFTWARE - Corporate Training Center - Internal Use</a:t>
+            </a:r>
+            <a:endParaRPr lang="en-US"/>
+          </a:p>
+        </p:txBody>
+      </p:sp>
+      <p:sp>
+        <p:nvSpPr>
+          <p:cNvPr id="5" name="Slide Number Placeholder 4"/>
+          <p:cNvSpPr>
+            <a:spLocks noGrp="1"/>
+          </p:cNvSpPr>
+          <p:nvPr>
+            <p:ph type="sldNum" sz="quarter" idx="12"/>
+          </p:nvPr>
+        </p:nvSpPr>
+        <p:spPr/>
+        <p:txBody>
+          <a:bodyPr/>
+          <a:lstStyle/>
+          <a:p>
+            <a:fld id="{E3B08AF7-4237-6949-8335-F63F47C2C8CC}" type="slidenum">
+              <a:rPr lang="en-US" smtClean="0"/>
+              <a:t>6</a:t>
+            </a:fld>
+            <a:endParaRPr lang="en-US"/>
+          </a:p>
+        </p:txBody>
+      </p:sp>
+    </p:spTree>
+    <p:extLst>
+      <p:ext uri="{BB962C8B-B14F-4D97-AF65-F5344CB8AC3E}">
+        <p14:creationId xmlns:p14="http://schemas.microsoft.com/office/powerpoint/2010/main" val="1668340489"/>
+      </p:ext>
+    </p:extLst>
+  </p:cSld>
+  <p:clrMapOvr>
+    <a:masterClrMapping/>
+  </p:clrMapOvr>
+</p:sld>
+</file>
+
+<file path=ppt/slides/slide7.xml><?xml version="1.0" encoding="utf-8"?>
+<p:sld xmlns:a="http://schemas.openxmlformats.org/drawingml/2006/main" xmlns:r="http://schemas.openxmlformats.org/officeDocument/2006/relationships" xmlns:p="http://schemas.openxmlformats.org/presentationml/2006/main">
+  <p:cSld>
+    <p:spTree>
+      <p:nvGrpSpPr>
+        <p:cNvPr id="1" name=""/>
+        <p:cNvGrpSpPr/>
+        <p:nvPr/>
+      </p:nvGrpSpPr>
+      <p:grpSpPr>
+        <a:xfrm>
+          <a:off x="0" y="0"/>
+          <a:ext cx="0" cy="0"/>
+          <a:chOff x="0" y="0"/>
+          <a:chExt cx="0" cy="0"/>
+        </a:xfrm>
+      </p:grpSpPr>
+      <p:sp>
+        <p:nvSpPr>
+          <p:cNvPr id="2" name="Title 1"/>
+          <p:cNvSpPr>
+            <a:spLocks noGrp="1"/>
+          </p:cNvSpPr>
+          <p:nvPr>
+            <p:ph type="title"/>
+          </p:nvPr>
+        </p:nvSpPr>
+        <p:spPr/>
+        <p:txBody>
+          <a:bodyPr/>
+          <a:lstStyle/>
+          <a:p>
+            <a:r>
+              <a:rPr lang="vi-VN" sz="2800" dirty="0"/>
+              <a:t>Sơ đồ setup socket trên sever và client</a:t>
+            </a:r>
+            <a:endParaRPr lang="en-US" sz="2800" dirty="0"/>
+          </a:p>
+        </p:txBody>
+      </p:sp>
+      <p:sp>
+        <p:nvSpPr>
+          <p:cNvPr id="6" name="Text Placeholder 5"/>
+          <p:cNvSpPr>
+            <a:spLocks noGrp="1"/>
+          </p:cNvSpPr>
+          <p:nvPr>
+            <p:ph type="body" idx="1"/>
+          </p:nvPr>
+        </p:nvSpPr>
+        <p:spPr/>
+        <p:txBody>
+          <a:bodyPr/>
+          <a:lstStyle/>
+          <a:p>
+            <a:r>
+              <a:rPr lang="en-US" dirty="0" smtClean="0"/>
+              <a:t>Sever</a:t>
+            </a:r>
+            <a:endParaRPr lang="en-US" dirty="0"/>
+          </a:p>
+        </p:txBody>
+      </p:sp>
+      <p:sp>
+        <p:nvSpPr>
+          <p:cNvPr id="7" name="Content Placeholder 6"/>
+          <p:cNvSpPr>
+            <a:spLocks noGrp="1"/>
+          </p:cNvSpPr>
+          <p:nvPr>
+            <p:ph sz="half" idx="2"/>
+          </p:nvPr>
+        </p:nvSpPr>
+        <p:spPr/>
+        <p:txBody>
+          <a:bodyPr/>
+          <a:lstStyle/>
+          <a:p>
+            <a:pPr marL="0" indent="0">
+              <a:buNone/>
+            </a:pPr>
+            <a:endParaRPr lang="en-US" dirty="0"/>
+          </a:p>
+        </p:txBody>
+      </p:sp>
+      <p:sp>
+        <p:nvSpPr>
+          <p:cNvPr id="8" name="Text Placeholder 7"/>
+          <p:cNvSpPr>
+            <a:spLocks noGrp="1"/>
+          </p:cNvSpPr>
+          <p:nvPr>
+            <p:ph type="body" sz="quarter" idx="3"/>
+          </p:nvPr>
+        </p:nvSpPr>
+        <p:spPr/>
+        <p:txBody>
+          <a:bodyPr/>
+          <a:lstStyle/>
+          <a:p>
+            <a:r>
+              <a:rPr lang="en-US" dirty="0" smtClean="0"/>
+              <a:t>client</a:t>
+            </a:r>
+            <a:endParaRPr lang="en-US" dirty="0"/>
+          </a:p>
+        </p:txBody>
+      </p:sp>
+      <p:sp>
+        <p:nvSpPr>
+          <p:cNvPr id="9" name="Content Placeholder 8"/>
+          <p:cNvSpPr>
+            <a:spLocks noGrp="1"/>
+          </p:cNvSpPr>
+          <p:nvPr>
+            <p:ph sz="quarter" idx="4"/>
+          </p:nvPr>
+        </p:nvSpPr>
+        <p:spPr/>
+        <p:txBody>
+          <a:bodyPr/>
+          <a:lstStyle/>
+          <a:p>
+            <a:pPr marL="0" indent="0">
+              <a:buNone/>
+            </a:pPr>
+            <a:endParaRPr lang="en-US" dirty="0"/>
+          </a:p>
+        </p:txBody>
+      </p:sp>
+      <p:sp>
+        <p:nvSpPr>
+          <p:cNvPr id="4" name="Footer Placeholder 3"/>
+          <p:cNvSpPr>
+            <a:spLocks noGrp="1"/>
+          </p:cNvSpPr>
+          <p:nvPr>
+            <p:ph type="ftr" sz="quarter" idx="11"/>
+          </p:nvPr>
+        </p:nvSpPr>
+        <p:spPr/>
+        <p:txBody>
+          <a:bodyPr/>
+          <a:lstStyle/>
+          <a:p>
+            <a:r>
+              <a:rPr lang="en-US" smtClean="0"/>
+              <a:t>©FPT SOFTWARE - Corporate Training Center - Internal Use</a:t>
+            </a:r>
+            <a:endParaRPr lang="en-US"/>
+          </a:p>
+        </p:txBody>
+      </p:sp>
+      <p:sp>
+        <p:nvSpPr>
+          <p:cNvPr id="5" name="Slide Number Placeholder 4"/>
+          <p:cNvSpPr>
+            <a:spLocks noGrp="1"/>
+          </p:cNvSpPr>
+          <p:nvPr>
+            <p:ph type="sldNum" sz="quarter" idx="12"/>
+          </p:nvPr>
+        </p:nvSpPr>
+        <p:spPr/>
+        <p:txBody>
+          <a:bodyPr/>
+          <a:lstStyle/>
+          <a:p>
+            <a:fld id="{E3B08AF7-4237-6949-8335-F63F47C2C8CC}" type="slidenum">
+              <a:rPr lang="en-US" smtClean="0"/>
+              <a:t>7</a:t>
+            </a:fld>
+            <a:endParaRPr lang="en-US"/>
+          </a:p>
+        </p:txBody>
+      </p:sp>
+      <p:sp>
+        <p:nvSpPr>
+          <p:cNvPr id="10" name="Rectangle 9"/>
+          <p:cNvSpPr/>
+          <p:nvPr/>
+        </p:nvSpPr>
+        <p:spPr>
+          <a:xfrm>
+            <a:off x="1021977" y="1475334"/>
+            <a:ext cx="2927616" cy="264964"/>
+          </a:xfrm>
+          <a:prstGeom prst="rect">
+            <a:avLst/>
+          </a:prstGeom>
+        </p:spPr>
+        <p:style>
+          <a:lnRef idx="1">
+            <a:schemeClr val="accent1"/>
+          </a:lnRef>
+          <a:fillRef idx="3">
+            <a:schemeClr val="accent1"/>
+          </a:fillRef>
+          <a:effectRef idx="2">
+            <a:schemeClr val="accent1"/>
+          </a:effectRef>
+          <a:fontRef idx="minor">
+            <a:schemeClr val="lt1"/>
+          </a:fontRef>
+        </p:style>
+        <p:txBody>
+          <a:bodyPr rtlCol="0" anchor="ctr"/>
+          <a:lstStyle/>
+          <a:p>
+            <a:pPr algn="ctr"/>
+            <a:r>
+              <a:rPr lang="en-US" dirty="0" smtClean="0"/>
+              <a:t>Socket()</a:t>
+            </a:r>
+            <a:endParaRPr lang="en-US" dirty="0"/>
+          </a:p>
+        </p:txBody>
+      </p:sp>
+      <p:sp>
+        <p:nvSpPr>
+          <p:cNvPr id="11" name="Rectangle 10"/>
+          <p:cNvSpPr/>
+          <p:nvPr/>
+        </p:nvSpPr>
+        <p:spPr>
+          <a:xfrm>
+            <a:off x="1006909" y="1904163"/>
+            <a:ext cx="2927616" cy="264964"/>
+          </a:xfrm>
+          <a:prstGeom prst="rect">
+            <a:avLst/>
+          </a:prstGeom>
+        </p:spPr>
+        <p:style>
+          <a:lnRef idx="1">
+            <a:schemeClr val="accent1"/>
+          </a:lnRef>
+          <a:fillRef idx="3">
+            <a:schemeClr val="accent1"/>
+          </a:fillRef>
+          <a:effectRef idx="2">
+            <a:schemeClr val="accent1"/>
+          </a:effectRef>
+          <a:fontRef idx="minor">
+            <a:schemeClr val="lt1"/>
+          </a:fontRef>
+        </p:style>
+        <p:txBody>
+          <a:bodyPr rtlCol="0" anchor="ctr"/>
+          <a:lstStyle/>
+          <a:p>
+            <a:pPr algn="ctr"/>
+            <a:r>
+              <a:rPr lang="en-US" dirty="0" err="1" smtClean="0"/>
+              <a:t>Init</a:t>
+            </a:r>
+            <a:r>
+              <a:rPr lang="en-US" dirty="0" smtClean="0"/>
+              <a:t> </a:t>
+            </a:r>
+            <a:r>
+              <a:rPr lang="en-US" dirty="0" err="1"/>
+              <a:t>sockaddr_in</a:t>
+            </a:r>
+            <a:endParaRPr lang="en-US" dirty="0"/>
+          </a:p>
+        </p:txBody>
+      </p:sp>
+      <p:sp>
+        <p:nvSpPr>
+          <p:cNvPr id="12" name="Rectangle 11"/>
+          <p:cNvSpPr/>
+          <p:nvPr/>
+        </p:nvSpPr>
+        <p:spPr>
+          <a:xfrm>
+            <a:off x="1006909" y="2304249"/>
+            <a:ext cx="2927616" cy="264964"/>
+          </a:xfrm>
+          <a:prstGeom prst="rect">
+            <a:avLst/>
+          </a:prstGeom>
+        </p:spPr>
+        <p:style>
+          <a:lnRef idx="1">
+            <a:schemeClr val="accent1"/>
+          </a:lnRef>
+          <a:fillRef idx="3">
+            <a:schemeClr val="accent1"/>
+          </a:fillRef>
+          <a:effectRef idx="2">
+            <a:schemeClr val="accent1"/>
+          </a:effectRef>
+          <a:fontRef idx="minor">
+            <a:schemeClr val="lt1"/>
+          </a:fontRef>
+        </p:style>
+        <p:txBody>
+          <a:bodyPr rtlCol="0" anchor="ctr"/>
+          <a:lstStyle/>
+          <a:p>
+            <a:pPr algn="ctr"/>
+            <a:r>
+              <a:rPr lang="en-US" dirty="0" smtClean="0"/>
+              <a:t>Bind()</a:t>
+            </a:r>
+            <a:endParaRPr lang="en-US" dirty="0"/>
+          </a:p>
+        </p:txBody>
+      </p:sp>
+      <p:sp>
+        <p:nvSpPr>
+          <p:cNvPr id="13" name="Rectangle 12"/>
+          <p:cNvSpPr/>
+          <p:nvPr/>
+        </p:nvSpPr>
+        <p:spPr>
+          <a:xfrm>
+            <a:off x="1006909" y="2715480"/>
+            <a:ext cx="2927616" cy="264964"/>
+          </a:xfrm>
+          <a:prstGeom prst="rect">
+            <a:avLst/>
+          </a:prstGeom>
+        </p:spPr>
+        <p:style>
+          <a:lnRef idx="1">
+            <a:schemeClr val="accent1"/>
+          </a:lnRef>
+          <a:fillRef idx="3">
+            <a:schemeClr val="accent1"/>
+          </a:fillRef>
+          <a:effectRef idx="2">
+            <a:schemeClr val="accent1"/>
+          </a:effectRef>
+          <a:fontRef idx="minor">
+            <a:schemeClr val="lt1"/>
+          </a:fontRef>
+        </p:style>
+        <p:txBody>
+          <a:bodyPr rtlCol="0" anchor="ctr"/>
+          <a:lstStyle/>
+          <a:p>
+            <a:pPr algn="ctr"/>
+            <a:r>
+              <a:rPr lang="en-US" dirty="0" smtClean="0"/>
+              <a:t>Listen()</a:t>
+            </a:r>
+            <a:endParaRPr lang="en-US" dirty="0"/>
+          </a:p>
+        </p:txBody>
+      </p:sp>
+      <p:sp>
+        <p:nvSpPr>
+          <p:cNvPr id="14" name="Rectangle 13"/>
+          <p:cNvSpPr/>
+          <p:nvPr/>
+        </p:nvSpPr>
+        <p:spPr>
+          <a:xfrm>
+            <a:off x="1021977" y="3111338"/>
+            <a:ext cx="2927616" cy="264964"/>
+          </a:xfrm>
+          <a:prstGeom prst="rect">
+            <a:avLst/>
+          </a:prstGeom>
+        </p:spPr>
+        <p:style>
+          <a:lnRef idx="1">
+            <a:schemeClr val="accent1"/>
+          </a:lnRef>
+          <a:fillRef idx="3">
+            <a:schemeClr val="accent1"/>
+          </a:fillRef>
+          <a:effectRef idx="2">
+            <a:schemeClr val="accent1"/>
+          </a:effectRef>
+          <a:fontRef idx="minor">
+            <a:schemeClr val="lt1"/>
+          </a:fontRef>
+        </p:style>
+        <p:txBody>
+          <a:bodyPr rtlCol="0" anchor="ctr"/>
+          <a:lstStyle/>
+          <a:p>
+            <a:pPr algn="ctr"/>
+            <a:r>
+              <a:rPr lang="en-US" dirty="0"/>
+              <a:t>accept</a:t>
+            </a:r>
+            <a:r>
+              <a:rPr lang="en-US" dirty="0" smtClean="0"/>
+              <a:t>()</a:t>
+            </a:r>
+            <a:endParaRPr lang="en-US" dirty="0"/>
+          </a:p>
+        </p:txBody>
+      </p:sp>
+      <p:sp>
+        <p:nvSpPr>
+          <p:cNvPr id="15" name="Rectangle 14"/>
+          <p:cNvSpPr/>
+          <p:nvPr/>
+        </p:nvSpPr>
+        <p:spPr>
+          <a:xfrm>
+            <a:off x="5202105" y="1475334"/>
+            <a:ext cx="2927616" cy="264964"/>
+          </a:xfrm>
+          <a:prstGeom prst="rect">
+            <a:avLst/>
+          </a:prstGeom>
+        </p:spPr>
+        <p:style>
+          <a:lnRef idx="1">
+            <a:schemeClr val="accent1"/>
+          </a:lnRef>
+          <a:fillRef idx="3">
+            <a:schemeClr val="accent1"/>
+          </a:fillRef>
+          <a:effectRef idx="2">
+            <a:schemeClr val="accent1"/>
+          </a:effectRef>
+          <a:fontRef idx="minor">
+            <a:schemeClr val="lt1"/>
+          </a:fontRef>
+        </p:style>
+        <p:txBody>
+          <a:bodyPr rtlCol="0" anchor="ctr"/>
+          <a:lstStyle/>
+          <a:p>
+            <a:pPr algn="ctr"/>
+            <a:r>
+              <a:rPr lang="en-US" dirty="0" smtClean="0"/>
+              <a:t>Socket()</a:t>
+            </a:r>
+            <a:endParaRPr lang="en-US" dirty="0"/>
+          </a:p>
+        </p:txBody>
+      </p:sp>
+      <p:sp>
+        <p:nvSpPr>
+          <p:cNvPr id="16" name="Rectangle 15"/>
+          <p:cNvSpPr/>
+          <p:nvPr/>
+        </p:nvSpPr>
+        <p:spPr>
+          <a:xfrm>
+            <a:off x="5202105" y="1904163"/>
+            <a:ext cx="2927616" cy="264964"/>
+          </a:xfrm>
+          <a:prstGeom prst="rect">
+            <a:avLst/>
+          </a:prstGeom>
+        </p:spPr>
+        <p:style>
+          <a:lnRef idx="1">
+            <a:schemeClr val="accent1"/>
+          </a:lnRef>
+          <a:fillRef idx="3">
+            <a:schemeClr val="accent1"/>
+          </a:fillRef>
+          <a:effectRef idx="2">
+            <a:schemeClr val="accent1"/>
+          </a:effectRef>
+          <a:fontRef idx="minor">
+            <a:schemeClr val="lt1"/>
+          </a:fontRef>
+        </p:style>
+        <p:txBody>
+          <a:bodyPr rtlCol="0" anchor="ctr"/>
+          <a:lstStyle/>
+          <a:p>
+            <a:pPr algn="ctr"/>
+            <a:r>
+              <a:rPr lang="en-US" dirty="0" err="1" smtClean="0"/>
+              <a:t>Init</a:t>
+            </a:r>
+            <a:r>
+              <a:rPr lang="en-US" dirty="0" smtClean="0"/>
+              <a:t> </a:t>
+            </a:r>
+            <a:r>
+              <a:rPr lang="en-US" dirty="0" err="1"/>
+              <a:t>sockaddr_in</a:t>
+            </a:r>
+            <a:endParaRPr lang="en-US" dirty="0"/>
+          </a:p>
+        </p:txBody>
+      </p:sp>
+      <p:sp>
+        <p:nvSpPr>
+          <p:cNvPr id="17" name="Rectangle 16"/>
+          <p:cNvSpPr/>
+          <p:nvPr/>
+        </p:nvSpPr>
+        <p:spPr>
+          <a:xfrm>
+            <a:off x="5202105" y="2304249"/>
+            <a:ext cx="2927616" cy="264964"/>
+          </a:xfrm>
+          <a:prstGeom prst="rect">
+            <a:avLst/>
+          </a:prstGeom>
+        </p:spPr>
+        <p:style>
+          <a:lnRef idx="1">
+            <a:schemeClr val="accent1"/>
+          </a:lnRef>
+          <a:fillRef idx="3">
+            <a:schemeClr val="accent1"/>
+          </a:fillRef>
+          <a:effectRef idx="2">
+            <a:schemeClr val="accent1"/>
+          </a:effectRef>
+          <a:fontRef idx="minor">
+            <a:schemeClr val="lt1"/>
+          </a:fontRef>
+        </p:style>
+        <p:txBody>
+          <a:bodyPr rtlCol="0" anchor="ctr"/>
+          <a:lstStyle/>
+          <a:p>
+            <a:pPr algn="ctr"/>
+            <a:r>
+              <a:rPr lang="en-US" dirty="0"/>
+              <a:t>connect</a:t>
+            </a:r>
+            <a:r>
+              <a:rPr lang="en-US" dirty="0" smtClean="0"/>
+              <a:t>()</a:t>
+            </a:r>
+            <a:endParaRPr lang="en-US" dirty="0"/>
+          </a:p>
+        </p:txBody>
+      </p:sp>
+      <p:sp>
+        <p:nvSpPr>
+          <p:cNvPr id="18" name="Rectangle 17"/>
+          <p:cNvSpPr/>
+          <p:nvPr/>
+        </p:nvSpPr>
+        <p:spPr>
+          <a:xfrm>
+            <a:off x="3181218" y="3540167"/>
+            <a:ext cx="2927616" cy="264964"/>
+          </a:xfrm>
+          <a:prstGeom prst="rect">
+            <a:avLst/>
+          </a:prstGeom>
+        </p:spPr>
+        <p:style>
+          <a:lnRef idx="1">
+            <a:schemeClr val="accent1"/>
+          </a:lnRef>
+          <a:fillRef idx="3">
+            <a:schemeClr val="accent1"/>
+          </a:fillRef>
+          <a:effectRef idx="2">
+            <a:schemeClr val="accent1"/>
+          </a:effectRef>
+          <a:fontRef idx="minor">
+            <a:schemeClr val="lt1"/>
+          </a:fontRef>
+        </p:style>
+        <p:txBody>
+          <a:bodyPr rtlCol="0" anchor="ctr"/>
+          <a:lstStyle/>
+          <a:p>
+            <a:pPr algn="ctr"/>
+            <a:r>
+              <a:rPr lang="en-US" dirty="0" smtClean="0"/>
+              <a:t>send()</a:t>
+            </a:r>
+            <a:endParaRPr lang="en-US" dirty="0"/>
+          </a:p>
+        </p:txBody>
+      </p:sp>
+      <p:sp>
+        <p:nvSpPr>
+          <p:cNvPr id="19" name="Rectangle 18"/>
+          <p:cNvSpPr/>
+          <p:nvPr/>
+        </p:nvSpPr>
+        <p:spPr>
+          <a:xfrm>
+            <a:off x="3181218" y="3961435"/>
+            <a:ext cx="2927616" cy="264964"/>
+          </a:xfrm>
+          <a:prstGeom prst="rect">
+            <a:avLst/>
+          </a:prstGeom>
+        </p:spPr>
+        <p:style>
+          <a:lnRef idx="1">
+            <a:schemeClr val="accent1"/>
+          </a:lnRef>
+          <a:fillRef idx="3">
+            <a:schemeClr val="accent1"/>
+          </a:fillRef>
+          <a:effectRef idx="2">
+            <a:schemeClr val="accent1"/>
+          </a:effectRef>
+          <a:fontRef idx="minor">
+            <a:schemeClr val="lt1"/>
+          </a:fontRef>
+        </p:style>
+        <p:txBody>
+          <a:bodyPr rtlCol="0" anchor="ctr"/>
+          <a:lstStyle/>
+          <a:p>
+            <a:pPr algn="ctr"/>
+            <a:r>
+              <a:rPr lang="en-US" dirty="0" smtClean="0"/>
+              <a:t>read()</a:t>
+            </a:r>
+            <a:endParaRPr lang="en-US" dirty="0"/>
+          </a:p>
+        </p:txBody>
+      </p:sp>
+      <p:sp>
+        <p:nvSpPr>
+          <p:cNvPr id="20" name="Rectangle 19"/>
+          <p:cNvSpPr/>
+          <p:nvPr/>
+        </p:nvSpPr>
+        <p:spPr>
+          <a:xfrm>
+            <a:off x="3181218" y="4358947"/>
+            <a:ext cx="2927616" cy="264964"/>
+          </a:xfrm>
+          <a:prstGeom prst="rect">
+            <a:avLst/>
+          </a:prstGeom>
+        </p:spPr>
+        <p:style>
+          <a:lnRef idx="1">
+            <a:schemeClr val="accent1"/>
+          </a:lnRef>
+          <a:fillRef idx="3">
+            <a:schemeClr val="accent1"/>
+          </a:fillRef>
+          <a:effectRef idx="2">
+            <a:schemeClr val="accent1"/>
+          </a:effectRef>
+          <a:fontRef idx="minor">
+            <a:schemeClr val="lt1"/>
+          </a:fontRef>
+        </p:style>
+        <p:txBody>
+          <a:bodyPr rtlCol="0" anchor="ctr"/>
+          <a:lstStyle/>
+          <a:p>
+            <a:pPr algn="ctr"/>
+            <a:r>
+              <a:rPr lang="en-US" dirty="0" smtClean="0"/>
+              <a:t>close()</a:t>
+            </a:r>
+            <a:endParaRPr lang="en-US" dirty="0"/>
+          </a:p>
+        </p:txBody>
+      </p:sp>
+    </p:spTree>
+    <p:extLst>
+      <p:ext uri="{BB962C8B-B14F-4D97-AF65-F5344CB8AC3E}">
+        <p14:creationId xmlns:p14="http://schemas.microsoft.com/office/powerpoint/2010/main" val="1400334781"/>
+      </p:ext>
+    </p:extLst>
+  </p:cSld>
+  <p:clrMapOvr>
+    <a:masterClrMapping/>
+  </p:clrMapOvr>
+</p:sld>
+</file>
+
+<file path=ppt/slides/slide8.xml><?xml version="1.0" encoding="utf-8"?>
+<p:sld xmlns:a="http://schemas.openxmlformats.org/drawingml/2006/main" xmlns:r="http://schemas.openxmlformats.org/officeDocument/2006/relationships" xmlns:p="http://schemas.openxmlformats.org/presentationml/2006/main">
+  <p:cSld>
+    <p:spTree>
+      <p:nvGrpSpPr>
+        <p:cNvPr id="1" name=""/>
+        <p:cNvGrpSpPr/>
+        <p:nvPr/>
+      </p:nvGrpSpPr>
+      <p:grpSpPr>
+        <a:xfrm>
+          <a:off x="0" y="0"/>
+          <a:ext cx="0" cy="0"/>
+          <a:chOff x="0" y="0"/>
+          <a:chExt cx="0" cy="0"/>
+        </a:xfrm>
+      </p:grpSpPr>
+      <p:sp>
+        <p:nvSpPr>
+          <p:cNvPr id="9" name="Title 8"/>
+          <p:cNvSpPr>
+            <a:spLocks noGrp="1"/>
+          </p:cNvSpPr>
+          <p:nvPr>
+            <p:ph type="title"/>
+          </p:nvPr>
+        </p:nvSpPr>
+        <p:spPr/>
+        <p:txBody>
+          <a:bodyPr/>
+          <a:lstStyle/>
+          <a:p>
+            <a:endParaRPr lang="en-US"/>
+          </a:p>
+        </p:txBody>
+      </p:sp>
+      <p:sp>
+        <p:nvSpPr>
+          <p:cNvPr id="10" name="Text Placeholder 9"/>
+          <p:cNvSpPr>
+            <a:spLocks noGrp="1"/>
+          </p:cNvSpPr>
+          <p:nvPr>
+            <p:ph type="body" idx="1"/>
+          </p:nvPr>
+        </p:nvSpPr>
+        <p:spPr/>
+        <p:txBody>
+          <a:bodyPr>
+            <a:normAutofit/>
+          </a:bodyPr>
+          <a:lstStyle/>
+          <a:p>
+            <a:pPr algn="ctr"/>
+            <a:r>
+              <a:rPr lang="en-US" sz="3200" dirty="0" err="1" smtClean="0">
+                <a:solidFill>
+                  <a:schemeClr val="tx1"/>
+                </a:solidFill>
+              </a:rPr>
+              <a:t>Thiết</a:t>
+            </a:r>
+            <a:r>
+              <a:rPr lang="en-US" sz="3200" dirty="0" smtClean="0">
+                <a:solidFill>
+                  <a:schemeClr val="tx1"/>
+                </a:solidFill>
+              </a:rPr>
+              <a:t> </a:t>
+            </a:r>
+            <a:r>
+              <a:rPr lang="en-US" sz="3200" dirty="0" err="1" smtClean="0">
+                <a:solidFill>
+                  <a:schemeClr val="tx1"/>
+                </a:solidFill>
+              </a:rPr>
+              <a:t>lập</a:t>
+            </a:r>
+            <a:r>
+              <a:rPr lang="en-US" sz="3200" dirty="0" smtClean="0">
+                <a:solidFill>
+                  <a:schemeClr val="tx1"/>
+                </a:solidFill>
+              </a:rPr>
+              <a:t> </a:t>
+            </a:r>
+            <a:r>
+              <a:rPr lang="en-US" sz="3200" dirty="0" err="1" smtClean="0">
+                <a:solidFill>
+                  <a:schemeClr val="tx1"/>
+                </a:solidFill>
+              </a:rPr>
+              <a:t>kết</a:t>
+            </a:r>
+            <a:r>
+              <a:rPr lang="en-US" sz="3200" dirty="0" smtClean="0">
+                <a:solidFill>
+                  <a:schemeClr val="tx1"/>
+                </a:solidFill>
+              </a:rPr>
+              <a:t> </a:t>
+            </a:r>
+            <a:r>
+              <a:rPr lang="en-US" sz="3200" dirty="0" err="1" smtClean="0">
+                <a:solidFill>
+                  <a:schemeClr val="tx1"/>
+                </a:solidFill>
+              </a:rPr>
+              <a:t>nối</a:t>
+            </a:r>
+            <a:r>
+              <a:rPr lang="en-US" sz="3200" dirty="0" smtClean="0">
+                <a:solidFill>
+                  <a:schemeClr val="tx1"/>
+                </a:solidFill>
+              </a:rPr>
+              <a:t> </a:t>
+            </a:r>
+            <a:r>
+              <a:rPr lang="en-US" sz="3200" dirty="0" err="1" smtClean="0">
+                <a:solidFill>
+                  <a:schemeClr val="tx1"/>
+                </a:solidFill>
+              </a:rPr>
+              <a:t>từ</a:t>
+            </a:r>
+            <a:r>
+              <a:rPr lang="en-US" sz="3200" dirty="0" smtClean="0">
+                <a:solidFill>
+                  <a:schemeClr val="tx1"/>
+                </a:solidFill>
+              </a:rPr>
+              <a:t> </a:t>
+            </a:r>
+            <a:r>
+              <a:rPr lang="en-US" sz="3200" dirty="0" err="1" smtClean="0">
+                <a:solidFill>
+                  <a:schemeClr val="tx1"/>
+                </a:solidFill>
+              </a:rPr>
+              <a:t>phía</a:t>
+            </a:r>
+            <a:r>
+              <a:rPr lang="en-US" sz="3200" dirty="0" smtClean="0">
+                <a:solidFill>
+                  <a:schemeClr val="tx1"/>
+                </a:solidFill>
+              </a:rPr>
+              <a:t> server</a:t>
+            </a:r>
+            <a:endParaRPr lang="en-US" sz="3200" dirty="0">
+              <a:solidFill>
+                <a:schemeClr val="tx1"/>
+              </a:solidFill>
+            </a:endParaRPr>
+          </a:p>
+        </p:txBody>
+      </p:sp>
+      <p:sp>
+        <p:nvSpPr>
+          <p:cNvPr id="7" name="Footer Placeholder 6"/>
+          <p:cNvSpPr>
+            <a:spLocks noGrp="1"/>
+          </p:cNvSpPr>
+          <p:nvPr>
+            <p:ph type="ftr" sz="quarter" idx="11"/>
+          </p:nvPr>
+        </p:nvSpPr>
+        <p:spPr/>
+        <p:txBody>
+          <a:bodyPr/>
+          <a:lstStyle/>
+          <a:p>
+            <a:r>
+              <a:rPr lang="en-US" smtClean="0"/>
+              <a:t>©FPT SOFTWARE - Corporate Training Center - Internal Use</a:t>
+            </a:r>
+            <a:endParaRPr lang="en-US"/>
+          </a:p>
+        </p:txBody>
+      </p:sp>
+      <p:sp>
+        <p:nvSpPr>
+          <p:cNvPr id="8" name="Slide Number Placeholder 7"/>
+          <p:cNvSpPr>
+            <a:spLocks noGrp="1"/>
+          </p:cNvSpPr>
+          <p:nvPr>
+            <p:ph type="sldNum" sz="quarter" idx="12"/>
+          </p:nvPr>
+        </p:nvSpPr>
+        <p:spPr/>
+        <p:txBody>
+          <a:bodyPr/>
+          <a:lstStyle/>
+          <a:p>
+            <a:fld id="{E3B08AF7-4237-6949-8335-F63F47C2C8CC}" type="slidenum">
+              <a:rPr lang="en-US" smtClean="0"/>
+              <a:t>8</a:t>
+            </a:fld>
+            <a:endParaRPr lang="en-US"/>
+          </a:p>
+        </p:txBody>
+      </p:sp>
+    </p:spTree>
+    <p:extLst>
+      <p:ext uri="{BB962C8B-B14F-4D97-AF65-F5344CB8AC3E}">
+        <p14:creationId xmlns:p14="http://schemas.microsoft.com/office/powerpoint/2010/main" val="4238502000"/>
+      </p:ext>
+    </p:extLst>
+  </p:cSld>
+  <p:clrMapOvr>
+    <a:masterClrMapping/>
+  </p:clrMapOvr>
+</p:sld>
+</file>
+
+<file path=ppt/slides/slide9.xml><?xml version="1.0" encoding="utf-8"?>
+<p:sld xmlns:a="http://schemas.openxmlformats.org/drawingml/2006/main" xmlns:r="http://schemas.openxmlformats.org/officeDocument/2006/relationships" xmlns:p="http://schemas.openxmlformats.org/presentationml/2006/main">
+  <p:cSld>
+    <p:spTree>
+      <p:nvGrpSpPr>
+        <p:cNvPr id="1" name=""/>
+        <p:cNvGrpSpPr/>
+        <p:nvPr/>
+      </p:nvGrpSpPr>
+      <p:grpSpPr>
+        <a:xfrm>
+          <a:off x="0" y="0"/>
+          <a:ext cx="0" cy="0"/>
+          <a:chOff x="0" y="0"/>
+          <a:chExt cx="0" cy="0"/>
+        </a:xfrm>
+      </p:grpSpPr>
+      <p:sp>
+        <p:nvSpPr>
+          <p:cNvPr id="2" name="Title 1"/>
+          <p:cNvSpPr>
+            <a:spLocks noGrp="1"/>
+          </p:cNvSpPr>
+          <p:nvPr>
+            <p:ph type="title"/>
+          </p:nvPr>
+        </p:nvSpPr>
+        <p:spPr/>
+        <p:txBody>
+          <a:bodyPr/>
+          <a:lstStyle/>
+          <a:p>
+            <a:r>
+              <a:rPr lang="en-US" dirty="0"/>
+              <a:t>Create a socket</a:t>
+            </a:r>
+          </a:p>
+        </p:txBody>
+      </p:sp>
+      <p:sp>
+        <p:nvSpPr>
+          <p:cNvPr id="3" name="Content Placeholder 2"/>
+          <p:cNvSpPr>
+            <a:spLocks noGrp="1"/>
+          </p:cNvSpPr>
+          <p:nvPr>
+            <p:ph idx="1"/>
+          </p:nvPr>
+        </p:nvSpPr>
+        <p:spPr/>
+        <p:txBody>
+          <a:bodyPr>
+            <a:normAutofit lnSpcReduction="10000"/>
+          </a:bodyPr>
+          <a:lstStyle/>
+          <a:p>
+            <a:r>
+              <a:rPr lang="en-US" dirty="0"/>
+              <a:t>#include &lt;sys/</a:t>
+            </a:r>
+            <a:r>
+              <a:rPr lang="en-US" dirty="0" err="1"/>
+              <a:t>socket.h</a:t>
+            </a:r>
+            <a:r>
+              <a:rPr lang="en-US" dirty="0" smtClean="0"/>
+              <a:t>&gt;</a:t>
+            </a:r>
+          </a:p>
+          <a:p>
+            <a:r>
+              <a:rPr lang="en-US" dirty="0"/>
+              <a:t>int socket(int domain, int type, int protocol</a:t>
+            </a:r>
+            <a:r>
+              <a:rPr lang="en-US" dirty="0" smtClean="0"/>
+              <a:t>)</a:t>
+            </a:r>
+          </a:p>
+          <a:p>
+            <a:pPr lvl="1"/>
+            <a:r>
+              <a:rPr lang="en-US" dirty="0" err="1"/>
+              <a:t>Giá</a:t>
+            </a:r>
+            <a:r>
+              <a:rPr lang="en-US" dirty="0"/>
+              <a:t> </a:t>
+            </a:r>
+            <a:r>
+              <a:rPr lang="en-US" dirty="0" err="1"/>
+              <a:t>trị</a:t>
+            </a:r>
+            <a:r>
+              <a:rPr lang="en-US" dirty="0"/>
+              <a:t> </a:t>
+            </a:r>
+            <a:r>
+              <a:rPr lang="en-US" dirty="0" err="1"/>
+              <a:t>trả</a:t>
+            </a:r>
+            <a:r>
+              <a:rPr lang="en-US" dirty="0"/>
+              <a:t> về sẽ là file descriptor </a:t>
+            </a:r>
+            <a:r>
+              <a:rPr lang="en-US" dirty="0" err="1"/>
+              <a:t>giống</a:t>
+            </a:r>
+            <a:r>
+              <a:rPr lang="en-US" dirty="0"/>
+              <a:t> với </a:t>
+            </a:r>
+            <a:r>
+              <a:rPr lang="en-US" dirty="0" err="1"/>
+              <a:t>hàm</a:t>
+            </a:r>
+            <a:r>
+              <a:rPr lang="en-US" dirty="0"/>
+              <a:t> </a:t>
+            </a:r>
+            <a:r>
+              <a:rPr lang="en-US" dirty="0" smtClean="0"/>
+              <a:t>open</a:t>
+            </a:r>
+          </a:p>
+          <a:p>
+            <a:pPr lvl="1"/>
+            <a:r>
+              <a:rPr lang="vi-VN" dirty="0"/>
+              <a:t>Tham số domain sẽ define một cách chung nhất về phương thức giao </a:t>
+            </a:r>
+            <a:r>
+              <a:rPr lang="vi-VN" dirty="0" smtClean="0"/>
+              <a:t>tiếp</a:t>
+            </a:r>
+            <a:endParaRPr lang="en-US" dirty="0" smtClean="0"/>
+          </a:p>
+          <a:p>
+            <a:pPr lvl="1"/>
+            <a:r>
+              <a:rPr lang="en-US" dirty="0"/>
+              <a:t>Tham </a:t>
+            </a:r>
+            <a:r>
+              <a:rPr lang="en-US" dirty="0" err="1"/>
+              <a:t>số</a:t>
+            </a:r>
+            <a:r>
+              <a:rPr lang="en-US" dirty="0"/>
+              <a:t> type sẽ </a:t>
+            </a:r>
+            <a:r>
+              <a:rPr lang="en-US" dirty="0" err="1"/>
+              <a:t>định</a:t>
+            </a:r>
+            <a:r>
+              <a:rPr lang="en-US" dirty="0"/>
+              <a:t> </a:t>
+            </a:r>
+            <a:r>
+              <a:rPr lang="en-US" dirty="0" err="1"/>
+              <a:t>nghĩa</a:t>
+            </a:r>
+            <a:r>
+              <a:rPr lang="en-US" dirty="0"/>
+              <a:t> </a:t>
+            </a:r>
+            <a:r>
+              <a:rPr lang="en-US" dirty="0" err="1"/>
+              <a:t>cách</a:t>
+            </a:r>
+            <a:r>
+              <a:rPr lang="en-US" dirty="0"/>
+              <a:t> </a:t>
+            </a:r>
+            <a:r>
+              <a:rPr lang="en-US" dirty="0" err="1"/>
+              <a:t>truyền</a:t>
+            </a:r>
+            <a:r>
+              <a:rPr lang="en-US" dirty="0"/>
+              <a:t> dữ </a:t>
+            </a:r>
+            <a:r>
+              <a:rPr lang="en-US" dirty="0" smtClean="0"/>
+              <a:t>liệu</a:t>
+            </a:r>
+          </a:p>
+          <a:p>
+            <a:pPr lvl="1"/>
+            <a:r>
+              <a:rPr lang="en-US" dirty="0"/>
+              <a:t>Tham </a:t>
+            </a:r>
+            <a:r>
+              <a:rPr lang="en-US" dirty="0" err="1"/>
+              <a:t>số</a:t>
+            </a:r>
+            <a:r>
+              <a:rPr lang="en-US" dirty="0"/>
+              <a:t> protocol </a:t>
+            </a:r>
+            <a:r>
+              <a:rPr lang="en-US" dirty="0" err="1"/>
+              <a:t>định</a:t>
+            </a:r>
+            <a:r>
+              <a:rPr lang="en-US" dirty="0"/>
+              <a:t> </a:t>
+            </a:r>
+            <a:r>
+              <a:rPr lang="en-US" dirty="0" err="1"/>
+              <a:t>nghĩa</a:t>
+            </a:r>
+            <a:r>
+              <a:rPr lang="en-US" dirty="0"/>
+              <a:t> </a:t>
+            </a:r>
+            <a:r>
+              <a:rPr lang="en-US" dirty="0" err="1"/>
+              <a:t>chuẩn</a:t>
+            </a:r>
+            <a:r>
+              <a:rPr lang="en-US" dirty="0"/>
+              <a:t> giao </a:t>
+            </a:r>
+            <a:r>
+              <a:rPr lang="en-US" dirty="0" err="1"/>
+              <a:t>tiếp</a:t>
+            </a:r>
+            <a:endParaRPr lang="en-US" dirty="0"/>
+          </a:p>
+        </p:txBody>
+      </p:sp>
+      <p:sp>
+        <p:nvSpPr>
+          <p:cNvPr id="4" name="Footer Placeholder 3"/>
+          <p:cNvSpPr>
+            <a:spLocks noGrp="1"/>
+          </p:cNvSpPr>
+          <p:nvPr>
+            <p:ph type="ftr" sz="quarter" idx="11"/>
+          </p:nvPr>
+        </p:nvSpPr>
+        <p:spPr/>
+        <p:txBody>
+          <a:bodyPr/>
+          <a:lstStyle/>
+          <a:p>
+            <a:r>
+              <a:rPr lang="en-US" smtClean="0"/>
+              <a:t>©FPT SOFTWARE - Corporate Training Center - Internal Use</a:t>
+            </a:r>
+            <a:endParaRPr lang="en-US"/>
+          </a:p>
+        </p:txBody>
+      </p:sp>
+      <p:sp>
+        <p:nvSpPr>
+          <p:cNvPr id="5" name="Slide Number Placeholder 4"/>
+          <p:cNvSpPr>
+            <a:spLocks noGrp="1"/>
+          </p:cNvSpPr>
+          <p:nvPr>
+            <p:ph type="sldNum" sz="quarter" idx="12"/>
+          </p:nvPr>
+        </p:nvSpPr>
+        <p:spPr/>
+        <p:txBody>
+          <a:bodyPr/>
+          <a:lstStyle/>
+          <a:p>
+            <a:fld id="{E3B08AF7-4237-6949-8335-F63F47C2C8CC}" type="slidenum">
+              <a:rPr lang="en-US" smtClean="0"/>
+              <a:t>9</a:t>
+            </a:fld>
+            <a:endParaRPr lang="en-US"/>
+          </a:p>
+        </p:txBody>
+      </p:sp>
+    </p:spTree>
+    <p:extLst>
+      <p:ext uri="{BB962C8B-B14F-4D97-AF65-F5344CB8AC3E}">
+        <p14:creationId xmlns:p14="http://schemas.microsoft.com/office/powerpoint/2010/main" val="174856696"/>
       </p:ext>
     </p:extLst>
   </p:cSld>

--- a/Bai 9/Lập trình với socket.pptx
+++ b/Bai 9/Lập trình với socket.pptx
@@ -13,10 +13,10 @@
   <p:sldIdLst>
     <p:sldId id="256" r:id="rId2"/>
     <p:sldId id="259" r:id="rId3"/>
-    <p:sldId id="261" r:id="rId4"/>
-    <p:sldId id="262" r:id="rId5"/>
-    <p:sldId id="278" r:id="rId6"/>
-    <p:sldId id="272" r:id="rId7"/>
+    <p:sldId id="272" r:id="rId4"/>
+    <p:sldId id="261" r:id="rId5"/>
+    <p:sldId id="262" r:id="rId6"/>
+    <p:sldId id="278" r:id="rId7"/>
     <p:sldId id="270" r:id="rId8"/>
     <p:sldId id="279" r:id="rId9"/>
     <p:sldId id="263" r:id="rId10"/>
@@ -815,7 +815,7 @@
           <a:p>
             <a:fld id="{2B3067B3-3AE6-DD4A-9E3D-C999AB3971A1}" type="slidenum">
               <a:rPr lang="en-US" smtClean="0"/>
-              <a:t>3</a:t>
+              <a:t>4</a:t>
             </a:fld>
             <a:endParaRPr lang="en-US"/>
           </a:p>
@@ -5178,6 +5178,13 @@
   <p:clrMapOvr>
     <a:masterClrMapping/>
   </p:clrMapOvr>
+  <p:timing>
+    <p:tnLst>
+      <p:par>
+        <p:cTn id="1" dur="indefinite" restart="never" nodeType="tmRoot"/>
+      </p:par>
+    </p:tnLst>
+  </p:timing>
 </p:sld>
 </file>
 
@@ -7950,7 +7957,6 @@
               <a:rPr lang="en-US" dirty="0"/>
               <a:t>);</a:t>
             </a:r>
-            <a:endParaRPr lang="en-US" dirty="0"/>
           </a:p>
         </p:txBody>
       </p:sp>
@@ -8171,6 +8177,13 @@
   <p:clrMapOvr>
     <a:masterClrMapping/>
   </p:clrMapOvr>
+  <p:timing>
+    <p:tnLst>
+      <p:par>
+        <p:cTn id="1" dur="indefinite" restart="never" nodeType="tmRoot"/>
+      </p:par>
+    </p:tnLst>
+  </p:timing>
 </p:sld>
 </file>
 
@@ -8486,6 +8499,153 @@
       </p:grpSpPr>
       <p:sp>
         <p:nvSpPr>
+          <p:cNvPr id="2" name="Title 1"/>
+          <p:cNvSpPr>
+            <a:spLocks noGrp="1"/>
+          </p:cNvSpPr>
+          <p:nvPr>
+            <p:ph type="title"/>
+          </p:nvPr>
+        </p:nvSpPr>
+        <p:spPr/>
+        <p:txBody>
+          <a:bodyPr/>
+          <a:lstStyle/>
+          <a:p>
+            <a:r>
+              <a:rPr lang="en-US" dirty="0"/>
+              <a:t>Socket overview</a:t>
+            </a:r>
+          </a:p>
+        </p:txBody>
+      </p:sp>
+      <p:sp>
+        <p:nvSpPr>
+          <p:cNvPr id="3" name="Content Placeholder 2"/>
+          <p:cNvSpPr>
+            <a:spLocks noGrp="1"/>
+          </p:cNvSpPr>
+          <p:nvPr>
+            <p:ph idx="1"/>
+          </p:nvPr>
+        </p:nvSpPr>
+        <p:spPr/>
+        <p:txBody>
+          <a:bodyPr/>
+          <a:lstStyle/>
+          <a:p>
+            <a:r>
+              <a:rPr lang="vi-VN" dirty="0"/>
+              <a:t>Socket là các file ở dạng endpoint, khi ghi data vào 1 đầu thì data sẽ được gửi sang 1 hoặc nhiều đầu khác</a:t>
+            </a:r>
+            <a:r>
+              <a:rPr lang="vi-VN" dirty="0" smtClean="0"/>
+              <a:t>.</a:t>
+            </a:r>
+            <a:endParaRPr lang="en-US" dirty="0" smtClean="0"/>
+          </a:p>
+          <a:p>
+            <a:r>
+              <a:rPr lang="vi-VN" dirty="0"/>
+              <a:t>Các với các file thông thường, socket cho phép data được gửi ra khỏi máy tính để đi vào mạng </a:t>
+            </a:r>
+            <a:r>
+              <a:rPr lang="vi-VN" dirty="0" smtClean="0"/>
+              <a:t>internet</a:t>
+            </a:r>
+            <a:r>
+              <a:rPr lang="en-US" dirty="0" smtClean="0"/>
+              <a:t>.</a:t>
+            </a:r>
+            <a:endParaRPr lang="en-US" dirty="0"/>
+          </a:p>
+        </p:txBody>
+      </p:sp>
+      <p:sp>
+        <p:nvSpPr>
+          <p:cNvPr id="4" name="Footer Placeholder 3"/>
+          <p:cNvSpPr>
+            <a:spLocks noGrp="1"/>
+          </p:cNvSpPr>
+          <p:nvPr>
+            <p:ph type="ftr" sz="quarter" idx="11"/>
+          </p:nvPr>
+        </p:nvSpPr>
+        <p:spPr/>
+        <p:txBody>
+          <a:bodyPr/>
+          <a:lstStyle/>
+          <a:p>
+            <a:r>
+              <a:rPr lang="en-US" smtClean="0"/>
+              <a:t>©FPT SOFTWARE - Corporate Training Center - Internal Use</a:t>
+            </a:r>
+            <a:endParaRPr lang="en-US"/>
+          </a:p>
+        </p:txBody>
+      </p:sp>
+      <p:sp>
+        <p:nvSpPr>
+          <p:cNvPr id="5" name="Slide Number Placeholder 4"/>
+          <p:cNvSpPr>
+            <a:spLocks noGrp="1"/>
+          </p:cNvSpPr>
+          <p:nvPr>
+            <p:ph type="sldNum" sz="quarter" idx="12"/>
+          </p:nvPr>
+        </p:nvSpPr>
+        <p:spPr/>
+        <p:txBody>
+          <a:bodyPr/>
+          <a:lstStyle/>
+          <a:p>
+            <a:fld id="{E3B08AF7-4237-6949-8335-F63F47C2C8CC}" type="slidenum">
+              <a:rPr lang="en-US" smtClean="0"/>
+              <a:t>3</a:t>
+            </a:fld>
+            <a:endParaRPr lang="en-US"/>
+          </a:p>
+        </p:txBody>
+      </p:sp>
+    </p:spTree>
+    <p:extLst>
+      <p:ext uri="{BB962C8B-B14F-4D97-AF65-F5344CB8AC3E}">
+        <p14:creationId xmlns:p14="http://schemas.microsoft.com/office/powerpoint/2010/main" val="1668340489"/>
+      </p:ext>
+    </p:extLst>
+  </p:cSld>
+  <p:clrMapOvr>
+    <a:masterClrMapping/>
+  </p:clrMapOvr>
+  <p:timing>
+    <p:tnLst>
+      <p:par>
+        <p:cTn id="1" dur="indefinite" restart="never" nodeType="tmRoot"/>
+      </p:par>
+    </p:tnLst>
+  </p:timing>
+</p:sld>
+</file>
+
+<file path=ppt/slides/slide4.xml><?xml version="1.0" encoding="utf-8"?>
+<p:sld xmlns:a="http://schemas.openxmlformats.org/drawingml/2006/main" xmlns:r="http://schemas.openxmlformats.org/officeDocument/2006/relationships" xmlns:p="http://schemas.openxmlformats.org/presentationml/2006/main">
+  <p:cSld>
+    <p:spTree>
+      <p:nvGrpSpPr>
+        <p:cNvPr id="1" name=""/>
+        <p:cNvGrpSpPr/>
+        <p:nvPr/>
+      </p:nvGrpSpPr>
+      <p:grpSpPr>
+        <a:xfrm>
+          <a:off x="0" y="0"/>
+          <a:ext cx="0" cy="0"/>
+          <a:chOff x="0" y="0"/>
+          <a:chExt cx="0" cy="0"/>
+        </a:xfrm>
+      </p:grpSpPr>
+      <p:sp>
+        <p:nvSpPr>
           <p:cNvPr id="10" name="Content Placeholder 9"/>
           <p:cNvSpPr>
             <a:spLocks noGrp="1"/>
@@ -8633,7 +8793,7 @@
           <a:p>
             <a:fld id="{E3B08AF7-4237-6949-8335-F63F47C2C8CC}" type="slidenum">
               <a:rPr lang="en-US" smtClean="0"/>
-              <a:t>3</a:t>
+              <a:t>4</a:t>
             </a:fld>
             <a:endParaRPr lang="en-US" dirty="0"/>
           </a:p>
@@ -8692,130 +8852,13 @@
   <p:clrMapOvr>
     <a:masterClrMapping/>
   </p:clrMapOvr>
-</p:sld>
-</file>
-
-<file path=ppt/slides/slide4.xml><?xml version="1.0" encoding="utf-8"?>
-<p:sld xmlns:a="http://schemas.openxmlformats.org/drawingml/2006/main" xmlns:r="http://schemas.openxmlformats.org/officeDocument/2006/relationships" xmlns:p="http://schemas.openxmlformats.org/presentationml/2006/main">
-  <p:cSld>
-    <p:spTree>
-      <p:nvGrpSpPr>
-        <p:cNvPr id="1" name=""/>
-        <p:cNvGrpSpPr/>
-        <p:nvPr/>
-      </p:nvGrpSpPr>
-      <p:grpSpPr>
-        <a:xfrm>
-          <a:off x="0" y="0"/>
-          <a:ext cx="0" cy="0"/>
-          <a:chOff x="0" y="0"/>
-          <a:chExt cx="0" cy="0"/>
-        </a:xfrm>
-      </p:grpSpPr>
-      <p:sp>
-        <p:nvSpPr>
-          <p:cNvPr id="2" name="Title 1"/>
-          <p:cNvSpPr>
-            <a:spLocks noGrp="1"/>
-          </p:cNvSpPr>
-          <p:nvPr>
-            <p:ph type="title"/>
-          </p:nvPr>
-        </p:nvSpPr>
-        <p:spPr/>
-        <p:txBody>
-          <a:bodyPr/>
-          <a:lstStyle/>
-          <a:p>
-            <a:r>
-              <a:rPr lang="en-US" dirty="0"/>
-              <a:t>Packet flow diagram</a:t>
-            </a:r>
-          </a:p>
-        </p:txBody>
-      </p:sp>
-      <p:pic>
-        <p:nvPicPr>
-          <p:cNvPr id="6" name="Content Placeholder 5"/>
-          <p:cNvPicPr>
-            <a:picLocks noGrp="1" noChangeAspect="1"/>
-          </p:cNvPicPr>
-          <p:nvPr>
-            <p:ph idx="1"/>
-          </p:nvPr>
-        </p:nvPicPr>
-        <p:blipFill>
-          <a:blip r:embed="rId2"/>
-          <a:stretch>
-            <a:fillRect/>
-          </a:stretch>
-        </p:blipFill>
-        <p:spPr>
-          <a:xfrm>
-            <a:off x="1547317" y="871538"/>
-            <a:ext cx="6049366" cy="3722687"/>
-          </a:xfrm>
-          <a:prstGeom prst="rect">
-            <a:avLst/>
-          </a:prstGeom>
-        </p:spPr>
-      </p:pic>
-      <p:sp>
-        <p:nvSpPr>
-          <p:cNvPr id="4" name="Footer Placeholder 3"/>
-          <p:cNvSpPr>
-            <a:spLocks noGrp="1"/>
-          </p:cNvSpPr>
-          <p:nvPr>
-            <p:ph type="ftr" sz="quarter" idx="11"/>
-          </p:nvPr>
-        </p:nvSpPr>
-        <p:spPr/>
-        <p:txBody>
-          <a:bodyPr/>
-          <a:lstStyle/>
-          <a:p>
-            <a:r>
-              <a:rPr lang="en-US" smtClean="0"/>
-              <a:t>©FPT SOFTWARE - Corporate Training Center - Internal Use</a:t>
-            </a:r>
-            <a:endParaRPr lang="en-US"/>
-          </a:p>
-        </p:txBody>
-      </p:sp>
-      <p:sp>
-        <p:nvSpPr>
-          <p:cNvPr id="5" name="Slide Number Placeholder 4"/>
-          <p:cNvSpPr>
-            <a:spLocks noGrp="1"/>
-          </p:cNvSpPr>
-          <p:nvPr>
-            <p:ph type="sldNum" sz="quarter" idx="12"/>
-          </p:nvPr>
-        </p:nvSpPr>
-        <p:spPr/>
-        <p:txBody>
-          <a:bodyPr/>
-          <a:lstStyle/>
-          <a:p>
-            <a:fld id="{E3B08AF7-4237-6949-8335-F63F47C2C8CC}" type="slidenum">
-              <a:rPr lang="en-US" smtClean="0"/>
-              <a:t>4</a:t>
-            </a:fld>
-            <a:endParaRPr lang="en-US"/>
-          </a:p>
-        </p:txBody>
-      </p:sp>
-    </p:spTree>
-    <p:extLst>
-      <p:ext uri="{BB962C8B-B14F-4D97-AF65-F5344CB8AC3E}">
-        <p14:creationId xmlns:p14="http://schemas.microsoft.com/office/powerpoint/2010/main" val="2709202873"/>
-      </p:ext>
-    </p:extLst>
-  </p:cSld>
-  <p:clrMapOvr>
-    <a:masterClrMapping/>
-  </p:clrMapOvr>
+  <p:timing>
+    <p:tnLst>
+      <p:par>
+        <p:cTn id="1" dur="indefinite" restart="never" nodeType="tmRoot"/>
+      </p:par>
+    </p:tnLst>
+  </p:timing>
 </p:sld>
 </file>
 
@@ -8852,318 +8895,38 @@
           <a:lstStyle/>
           <a:p>
             <a:r>
-              <a:rPr lang="en-US" dirty="0" smtClean="0"/>
-              <a:t>Network interface</a:t>
-            </a:r>
-            <a:endParaRPr lang="en-US" dirty="0"/>
-          </a:p>
-        </p:txBody>
-      </p:sp>
-      <p:sp>
-        <p:nvSpPr>
-          <p:cNvPr id="3" name="Content Placeholder 2"/>
-          <p:cNvSpPr>
-            <a:spLocks noGrp="1"/>
-          </p:cNvSpPr>
+              <a:rPr lang="en-US" dirty="0"/>
+              <a:t>Packet flow diagram</a:t>
+            </a:r>
+          </a:p>
+        </p:txBody>
+      </p:sp>
+      <p:pic>
+        <p:nvPicPr>
+          <p:cNvPr id="6" name="Content Placeholder 5"/>
+          <p:cNvPicPr>
+            <a:picLocks noGrp="1" noChangeAspect="1"/>
+          </p:cNvPicPr>
           <p:nvPr>
             <p:ph idx="1"/>
           </p:nvPr>
-        </p:nvSpPr>
-        <p:spPr/>
-        <p:txBody>
-          <a:bodyPr/>
-          <a:lstStyle/>
-          <a:p>
-            <a:r>
-              <a:rPr lang="en-US" dirty="0" err="1" smtClean="0"/>
-              <a:t>Khác</a:t>
-            </a:r>
-            <a:r>
-              <a:rPr lang="en-US" dirty="0" smtClean="0"/>
-              <a:t> </a:t>
-            </a:r>
-            <a:r>
-              <a:rPr lang="en-US" dirty="0" err="1" smtClean="0"/>
-              <a:t>với</a:t>
-            </a:r>
-            <a:r>
-              <a:rPr lang="en-US" dirty="0" smtClean="0"/>
-              <a:t> </a:t>
-            </a:r>
-            <a:r>
-              <a:rPr lang="en-US" dirty="0" err="1" smtClean="0"/>
-              <a:t>các</a:t>
-            </a:r>
-            <a:r>
-              <a:rPr lang="en-US" dirty="0" smtClean="0"/>
-              <a:t> device </a:t>
-            </a:r>
-            <a:r>
-              <a:rPr lang="en-US" dirty="0" err="1" smtClean="0"/>
-              <a:t>thông</a:t>
-            </a:r>
-            <a:r>
-              <a:rPr lang="en-US" dirty="0" smtClean="0"/>
-              <a:t> </a:t>
-            </a:r>
-            <a:r>
-              <a:rPr lang="en-US" dirty="0" err="1" smtClean="0"/>
-              <a:t>thường</a:t>
-            </a:r>
-            <a:r>
-              <a:rPr lang="en-US" dirty="0" smtClean="0"/>
-              <a:t>, </a:t>
-            </a:r>
-            <a:r>
-              <a:rPr lang="en-US" dirty="0" err="1" smtClean="0"/>
-              <a:t>chúng</a:t>
-            </a:r>
-            <a:r>
-              <a:rPr lang="en-US" dirty="0" smtClean="0"/>
-              <a:t> </a:t>
-            </a:r>
-            <a:r>
-              <a:rPr lang="en-US" dirty="0" err="1" smtClean="0"/>
-              <a:t>được</a:t>
-            </a:r>
-            <a:r>
-              <a:rPr lang="en-US" dirty="0" smtClean="0"/>
-              <a:t> </a:t>
-            </a:r>
-            <a:r>
-              <a:rPr lang="en-US" dirty="0" err="1" smtClean="0"/>
-              <a:t>hệ</a:t>
-            </a:r>
-            <a:r>
-              <a:rPr lang="en-US" dirty="0" smtClean="0"/>
-              <a:t> </a:t>
-            </a:r>
-            <a:r>
-              <a:rPr lang="en-US" dirty="0" err="1" smtClean="0"/>
-              <a:t>điều</a:t>
-            </a:r>
-            <a:r>
-              <a:rPr lang="en-US" dirty="0" smtClean="0"/>
-              <a:t> </a:t>
-            </a:r>
-            <a:r>
-              <a:rPr lang="en-US" dirty="0" err="1" smtClean="0"/>
-              <a:t>hành</a:t>
-            </a:r>
-            <a:r>
-              <a:rPr lang="en-US" dirty="0" smtClean="0"/>
-              <a:t> </a:t>
-            </a:r>
-            <a:r>
-              <a:rPr lang="en-US" dirty="0" err="1" smtClean="0"/>
-              <a:t>tương</a:t>
-            </a:r>
-            <a:r>
-              <a:rPr lang="en-US" dirty="0" smtClean="0"/>
-              <a:t> </a:t>
-            </a:r>
-            <a:r>
-              <a:rPr lang="en-US" dirty="0" err="1" smtClean="0"/>
-              <a:t>tác</a:t>
-            </a:r>
-            <a:r>
-              <a:rPr lang="en-US" dirty="0" smtClean="0"/>
-              <a:t> qua device file </a:t>
-            </a:r>
-            <a:r>
-              <a:rPr lang="en-US" dirty="0" err="1" smtClean="0"/>
-              <a:t>trong</a:t>
-            </a:r>
-            <a:r>
-              <a:rPr lang="en-US" dirty="0" smtClean="0"/>
-              <a:t> </a:t>
-            </a:r>
-            <a:r>
-              <a:rPr lang="en-US" dirty="0" err="1" smtClean="0"/>
-              <a:t>thư</a:t>
-            </a:r>
-            <a:r>
-              <a:rPr lang="en-US" dirty="0" smtClean="0"/>
-              <a:t> </a:t>
-            </a:r>
-            <a:r>
-              <a:rPr lang="en-US" dirty="0" err="1" smtClean="0"/>
-              <a:t>mục</a:t>
-            </a:r>
-            <a:r>
-              <a:rPr lang="en-US" dirty="0" smtClean="0"/>
-              <a:t> /dev. </a:t>
-            </a:r>
-            <a:r>
-              <a:rPr lang="en-US" dirty="0" err="1" smtClean="0"/>
-              <a:t>Các</a:t>
-            </a:r>
-            <a:r>
-              <a:rPr lang="en-US" dirty="0" smtClean="0"/>
-              <a:t> network device </a:t>
-            </a:r>
-            <a:r>
-              <a:rPr lang="en-US" dirty="0" err="1" smtClean="0"/>
-              <a:t>sẽ</a:t>
-            </a:r>
-            <a:r>
-              <a:rPr lang="en-US" dirty="0" smtClean="0"/>
-              <a:t> </a:t>
-            </a:r>
-            <a:r>
-              <a:rPr lang="en-US" dirty="0" err="1" smtClean="0"/>
-              <a:t>tương</a:t>
-            </a:r>
-            <a:r>
-              <a:rPr lang="en-US" dirty="0" smtClean="0"/>
-              <a:t> </a:t>
-            </a:r>
-            <a:r>
-              <a:rPr lang="en-US" dirty="0" err="1" smtClean="0"/>
-              <a:t>tác</a:t>
-            </a:r>
-            <a:r>
-              <a:rPr lang="en-US" dirty="0" smtClean="0"/>
-              <a:t> </a:t>
-            </a:r>
-            <a:r>
-              <a:rPr lang="en-US" dirty="0" err="1" smtClean="0"/>
-              <a:t>với</a:t>
-            </a:r>
-            <a:r>
-              <a:rPr lang="en-US" dirty="0" smtClean="0"/>
-              <a:t> </a:t>
-            </a:r>
-            <a:r>
-              <a:rPr lang="en-US" dirty="0" err="1" smtClean="0"/>
-              <a:t>hệ</a:t>
-            </a:r>
-            <a:r>
-              <a:rPr lang="en-US" dirty="0" smtClean="0"/>
-              <a:t> </a:t>
-            </a:r>
-            <a:r>
-              <a:rPr lang="en-US" dirty="0" err="1" smtClean="0"/>
-              <a:t>điều</a:t>
-            </a:r>
-            <a:r>
-              <a:rPr lang="en-US" dirty="0" smtClean="0"/>
-              <a:t> </a:t>
-            </a:r>
-            <a:r>
-              <a:rPr lang="en-US" dirty="0" err="1" smtClean="0"/>
-              <a:t>hành</a:t>
-            </a:r>
-            <a:r>
-              <a:rPr lang="en-US" dirty="0" smtClean="0"/>
-              <a:t> </a:t>
-            </a:r>
-            <a:r>
-              <a:rPr lang="en-US" dirty="0" err="1" smtClean="0"/>
-              <a:t>thông</a:t>
-            </a:r>
-            <a:r>
-              <a:rPr lang="en-US" dirty="0" smtClean="0"/>
-              <a:t> qua 1 </a:t>
-            </a:r>
-            <a:r>
-              <a:rPr lang="en-US" dirty="0" err="1" smtClean="0"/>
-              <a:t>loại</a:t>
-            </a:r>
-            <a:r>
-              <a:rPr lang="en-US" dirty="0" smtClean="0"/>
-              <a:t> file </a:t>
-            </a:r>
-            <a:r>
-              <a:rPr lang="en-US" dirty="0" err="1" smtClean="0"/>
-              <a:t>đặc</a:t>
-            </a:r>
-            <a:r>
-              <a:rPr lang="en-US" dirty="0" smtClean="0"/>
-              <a:t> </a:t>
-            </a:r>
-            <a:r>
-              <a:rPr lang="en-US" dirty="0" err="1" smtClean="0"/>
-              <a:t>biệt</a:t>
-            </a:r>
-            <a:r>
-              <a:rPr lang="en-US" dirty="0" smtClean="0"/>
-              <a:t> </a:t>
-            </a:r>
-            <a:r>
-              <a:rPr lang="en-US" dirty="0" err="1" smtClean="0"/>
-              <a:t>hơn</a:t>
-            </a:r>
-            <a:r>
-              <a:rPr lang="en-US" dirty="0" smtClean="0"/>
-              <a:t> </a:t>
-            </a:r>
-            <a:r>
-              <a:rPr lang="en-US" dirty="0" err="1" smtClean="0"/>
-              <a:t>gọi</a:t>
-            </a:r>
-            <a:r>
-              <a:rPr lang="en-US" dirty="0" smtClean="0"/>
-              <a:t> </a:t>
-            </a:r>
-            <a:r>
-              <a:rPr lang="en-US" dirty="0" err="1" smtClean="0"/>
-              <a:t>là</a:t>
-            </a:r>
-            <a:r>
-              <a:rPr lang="en-US" dirty="0" smtClean="0"/>
-              <a:t> network interface.</a:t>
-            </a:r>
-          </a:p>
-          <a:p>
-            <a:r>
-              <a:rPr lang="en-US" dirty="0" smtClean="0"/>
-              <a:t>Network interface </a:t>
-            </a:r>
-            <a:r>
-              <a:rPr lang="en-US" dirty="0" err="1" smtClean="0"/>
-              <a:t>được</a:t>
-            </a:r>
-            <a:r>
-              <a:rPr lang="en-US" dirty="0" smtClean="0"/>
-              <a:t> </a:t>
-            </a:r>
-            <a:r>
-              <a:rPr lang="en-US" dirty="0" err="1" smtClean="0"/>
-              <a:t>config</a:t>
-            </a:r>
-            <a:r>
-              <a:rPr lang="en-US" dirty="0" smtClean="0"/>
-              <a:t> </a:t>
-            </a:r>
-            <a:r>
-              <a:rPr lang="en-US" dirty="0" err="1" smtClean="0"/>
-              <a:t>thông</a:t>
-            </a:r>
-            <a:r>
-              <a:rPr lang="en-US" dirty="0" smtClean="0"/>
-              <a:t> qua </a:t>
-            </a:r>
-            <a:r>
-              <a:rPr lang="en-US" dirty="0" err="1" smtClean="0"/>
-              <a:t>bộ</a:t>
-            </a:r>
-            <a:r>
-              <a:rPr lang="en-US" dirty="0"/>
-              <a:t> </a:t>
-            </a:r>
-            <a:r>
-              <a:rPr lang="en-US" dirty="0" err="1" smtClean="0"/>
-              <a:t>netutils</a:t>
-            </a:r>
-            <a:r>
-              <a:rPr lang="en-US" dirty="0" smtClean="0"/>
-              <a:t> package.</a:t>
-            </a:r>
-            <a:endParaRPr lang="en-US" dirty="0"/>
-          </a:p>
-        </p:txBody>
-      </p:sp>
+        </p:nvPicPr>
+        <p:blipFill>
+          <a:blip r:embed="rId2"/>
+          <a:stretch>
+            <a:fillRect/>
+          </a:stretch>
+        </p:blipFill>
+        <p:spPr>
+          <a:xfrm>
+            <a:off x="1547317" y="871538"/>
+            <a:ext cx="6049366" cy="3722687"/>
+          </a:xfrm>
+          <a:prstGeom prst="rect">
+            <a:avLst/>
+          </a:prstGeom>
+        </p:spPr>
+      </p:pic>
       <p:sp>
         <p:nvSpPr>
           <p:cNvPr id="4" name="Footer Placeholder 3"/>
@@ -9213,13 +8976,20 @@
     </p:spTree>
     <p:extLst>
       <p:ext uri="{BB962C8B-B14F-4D97-AF65-F5344CB8AC3E}">
-        <p14:creationId xmlns:p14="http://schemas.microsoft.com/office/powerpoint/2010/main" val="1582018758"/>
+        <p14:creationId xmlns:p14="http://schemas.microsoft.com/office/powerpoint/2010/main" val="2709202873"/>
       </p:ext>
     </p:extLst>
   </p:cSld>
   <p:clrMapOvr>
     <a:masterClrMapping/>
   </p:clrMapOvr>
+  <p:timing>
+    <p:tnLst>
+      <p:par>
+        <p:cTn id="1" dur="indefinite" restart="never" nodeType="tmRoot"/>
+      </p:par>
+    </p:tnLst>
+  </p:timing>
 </p:sld>
 </file>
 
@@ -9256,49 +9026,313 @@
           <a:lstStyle/>
           <a:p>
             <a:r>
+              <a:rPr lang="en-US" dirty="0" smtClean="0"/>
+              <a:t>Network interface</a:t>
+            </a:r>
+            <a:endParaRPr lang="en-US" dirty="0"/>
+          </a:p>
+        </p:txBody>
+      </p:sp>
+      <p:sp>
+        <p:nvSpPr>
+          <p:cNvPr id="3" name="Content Placeholder 2"/>
+          <p:cNvSpPr>
+            <a:spLocks noGrp="1"/>
+          </p:cNvSpPr>
+          <p:nvPr>
+            <p:ph idx="1"/>
+          </p:nvPr>
+        </p:nvSpPr>
+        <p:spPr/>
+        <p:txBody>
+          <a:bodyPr/>
+          <a:lstStyle/>
+          <a:p>
+            <a:r>
+              <a:rPr lang="en-US" dirty="0" err="1" smtClean="0"/>
+              <a:t>Khác</a:t>
+            </a:r>
+            <a:r>
+              <a:rPr lang="en-US" dirty="0" smtClean="0"/>
+              <a:t> </a:t>
+            </a:r>
+            <a:r>
+              <a:rPr lang="en-US" dirty="0" err="1" smtClean="0"/>
+              <a:t>với</a:t>
+            </a:r>
+            <a:r>
+              <a:rPr lang="en-US" dirty="0" smtClean="0"/>
+              <a:t> </a:t>
+            </a:r>
+            <a:r>
+              <a:rPr lang="en-US" dirty="0" err="1" smtClean="0"/>
+              <a:t>các</a:t>
+            </a:r>
+            <a:r>
+              <a:rPr lang="en-US" dirty="0" smtClean="0"/>
+              <a:t> device </a:t>
+            </a:r>
+            <a:r>
+              <a:rPr lang="en-US" dirty="0" err="1" smtClean="0"/>
+              <a:t>thông</a:t>
+            </a:r>
+            <a:r>
+              <a:rPr lang="en-US" dirty="0" smtClean="0"/>
+              <a:t> </a:t>
+            </a:r>
+            <a:r>
+              <a:rPr lang="en-US" dirty="0" err="1" smtClean="0"/>
+              <a:t>thường</a:t>
+            </a:r>
+            <a:r>
+              <a:rPr lang="en-US" dirty="0" smtClean="0"/>
+              <a:t>, </a:t>
+            </a:r>
+            <a:r>
+              <a:rPr lang="en-US" dirty="0" err="1" smtClean="0"/>
+              <a:t>chúng</a:t>
+            </a:r>
+            <a:r>
+              <a:rPr lang="en-US" dirty="0" smtClean="0"/>
+              <a:t> </a:t>
+            </a:r>
+            <a:r>
+              <a:rPr lang="en-US" dirty="0" err="1" smtClean="0"/>
+              <a:t>được</a:t>
+            </a:r>
+            <a:r>
+              <a:rPr lang="en-US" dirty="0" smtClean="0"/>
+              <a:t> </a:t>
+            </a:r>
+            <a:r>
+              <a:rPr lang="en-US" dirty="0" err="1" smtClean="0"/>
+              <a:t>hệ</a:t>
+            </a:r>
+            <a:r>
+              <a:rPr lang="en-US" dirty="0" smtClean="0"/>
+              <a:t> </a:t>
+            </a:r>
+            <a:r>
+              <a:rPr lang="en-US" dirty="0" err="1" smtClean="0"/>
+              <a:t>điều</a:t>
+            </a:r>
+            <a:r>
+              <a:rPr lang="en-US" dirty="0" smtClean="0"/>
+              <a:t> </a:t>
+            </a:r>
+            <a:r>
+              <a:rPr lang="en-US" dirty="0" err="1" smtClean="0"/>
+              <a:t>hành</a:t>
+            </a:r>
+            <a:r>
+              <a:rPr lang="en-US" dirty="0" smtClean="0"/>
+              <a:t> </a:t>
+            </a:r>
+            <a:r>
+              <a:rPr lang="en-US" dirty="0" err="1" smtClean="0"/>
+              <a:t>tương</a:t>
+            </a:r>
+            <a:r>
+              <a:rPr lang="en-US" dirty="0" smtClean="0"/>
+              <a:t> </a:t>
+            </a:r>
+            <a:r>
+              <a:rPr lang="en-US" dirty="0" err="1" smtClean="0"/>
+              <a:t>tác</a:t>
+            </a:r>
+            <a:r>
+              <a:rPr lang="en-US" dirty="0" smtClean="0"/>
+              <a:t> qua device file </a:t>
+            </a:r>
+            <a:r>
+              <a:rPr lang="en-US" dirty="0" err="1" smtClean="0"/>
+              <a:t>trong</a:t>
+            </a:r>
+            <a:r>
+              <a:rPr lang="en-US" dirty="0" smtClean="0"/>
+              <a:t> </a:t>
+            </a:r>
+            <a:r>
+              <a:rPr lang="en-US" dirty="0" err="1" smtClean="0"/>
+              <a:t>thư</a:t>
+            </a:r>
+            <a:r>
+              <a:rPr lang="en-US" dirty="0" smtClean="0"/>
+              <a:t> </a:t>
+            </a:r>
+            <a:r>
+              <a:rPr lang="en-US" dirty="0" err="1" smtClean="0"/>
+              <a:t>mục</a:t>
+            </a:r>
+            <a:r>
+              <a:rPr lang="en-US" dirty="0" smtClean="0"/>
+              <a:t> /dev. </a:t>
+            </a:r>
+            <a:r>
+              <a:rPr lang="en-US" dirty="0" err="1" smtClean="0"/>
+              <a:t>Các</a:t>
+            </a:r>
+            <a:r>
+              <a:rPr lang="en-US" dirty="0" smtClean="0"/>
+              <a:t> network device </a:t>
+            </a:r>
+            <a:r>
+              <a:rPr lang="en-US" dirty="0" err="1" smtClean="0"/>
+              <a:t>sẽ</a:t>
+            </a:r>
+            <a:r>
+              <a:rPr lang="en-US" dirty="0" smtClean="0"/>
+              <a:t> </a:t>
+            </a:r>
+            <a:r>
+              <a:rPr lang="en-US" dirty="0" err="1" smtClean="0"/>
+              <a:t>tương</a:t>
+            </a:r>
+            <a:r>
+              <a:rPr lang="en-US" dirty="0" smtClean="0"/>
+              <a:t> </a:t>
+            </a:r>
+            <a:r>
+              <a:rPr lang="en-US" dirty="0" err="1" smtClean="0"/>
+              <a:t>tác</a:t>
+            </a:r>
+            <a:r>
+              <a:rPr lang="en-US" dirty="0" smtClean="0"/>
+              <a:t> </a:t>
+            </a:r>
+            <a:r>
+              <a:rPr lang="en-US" dirty="0" err="1" smtClean="0"/>
+              <a:t>với</a:t>
+            </a:r>
+            <a:r>
+              <a:rPr lang="en-US" dirty="0" smtClean="0"/>
+              <a:t> </a:t>
+            </a:r>
+            <a:r>
+              <a:rPr lang="en-US" dirty="0" err="1" smtClean="0"/>
+              <a:t>hệ</a:t>
+            </a:r>
+            <a:r>
+              <a:rPr lang="en-US" dirty="0" smtClean="0"/>
+              <a:t> </a:t>
+            </a:r>
+            <a:r>
+              <a:rPr lang="en-US" dirty="0" err="1" smtClean="0"/>
+              <a:t>điều</a:t>
+            </a:r>
+            <a:r>
+              <a:rPr lang="en-US" dirty="0" smtClean="0"/>
+              <a:t> </a:t>
+            </a:r>
+            <a:r>
+              <a:rPr lang="en-US" dirty="0" err="1" smtClean="0"/>
+              <a:t>hành</a:t>
+            </a:r>
+            <a:r>
+              <a:rPr lang="en-US" dirty="0" smtClean="0"/>
+              <a:t> </a:t>
+            </a:r>
+            <a:r>
+              <a:rPr lang="en-US" dirty="0" err="1" smtClean="0"/>
+              <a:t>thông</a:t>
+            </a:r>
+            <a:r>
+              <a:rPr lang="en-US" dirty="0" smtClean="0"/>
+              <a:t> qua 1 </a:t>
+            </a:r>
+            <a:r>
+              <a:rPr lang="en-US" dirty="0" err="1" smtClean="0"/>
+              <a:t>loại</a:t>
+            </a:r>
+            <a:r>
+              <a:rPr lang="en-US" dirty="0" smtClean="0"/>
+              <a:t> file </a:t>
+            </a:r>
+            <a:r>
+              <a:rPr lang="en-US" dirty="0" err="1" smtClean="0"/>
+              <a:t>đặc</a:t>
+            </a:r>
+            <a:r>
+              <a:rPr lang="en-US" dirty="0" smtClean="0"/>
+              <a:t> </a:t>
+            </a:r>
+            <a:r>
+              <a:rPr lang="en-US" dirty="0" err="1" smtClean="0"/>
+              <a:t>biệt</a:t>
+            </a:r>
+            <a:r>
+              <a:rPr lang="en-US" dirty="0" smtClean="0"/>
+              <a:t> </a:t>
+            </a:r>
+            <a:r>
+              <a:rPr lang="en-US" dirty="0" err="1" smtClean="0"/>
+              <a:t>hơn</a:t>
+            </a:r>
+            <a:r>
+              <a:rPr lang="en-US" dirty="0" smtClean="0"/>
+              <a:t> </a:t>
+            </a:r>
+            <a:r>
+              <a:rPr lang="en-US" dirty="0" err="1" smtClean="0"/>
+              <a:t>gọi</a:t>
+            </a:r>
+            <a:r>
+              <a:rPr lang="en-US" dirty="0" smtClean="0"/>
+              <a:t> </a:t>
+            </a:r>
+            <a:r>
+              <a:rPr lang="en-US" dirty="0" err="1" smtClean="0"/>
+              <a:t>là</a:t>
+            </a:r>
+            <a:r>
+              <a:rPr lang="en-US" dirty="0" smtClean="0"/>
+              <a:t> network interface.</a:t>
+            </a:r>
+          </a:p>
+          <a:p>
+            <a:r>
+              <a:rPr lang="en-US" dirty="0" smtClean="0"/>
+              <a:t>Network interface </a:t>
+            </a:r>
+            <a:r>
+              <a:rPr lang="en-US" dirty="0" err="1" smtClean="0"/>
+              <a:t>được</a:t>
+            </a:r>
+            <a:r>
+              <a:rPr lang="en-US" dirty="0" smtClean="0"/>
+              <a:t> </a:t>
+            </a:r>
+            <a:r>
+              <a:rPr lang="en-US" dirty="0" err="1" smtClean="0"/>
+              <a:t>config</a:t>
+            </a:r>
+            <a:r>
+              <a:rPr lang="en-US" dirty="0" smtClean="0"/>
+              <a:t> </a:t>
+            </a:r>
+            <a:r>
+              <a:rPr lang="en-US" dirty="0" err="1" smtClean="0"/>
+              <a:t>thông</a:t>
+            </a:r>
+            <a:r>
+              <a:rPr lang="en-US" dirty="0" smtClean="0"/>
+              <a:t> qua </a:t>
+            </a:r>
+            <a:r>
+              <a:rPr lang="en-US" dirty="0" err="1" smtClean="0"/>
+              <a:t>bộ</a:t>
+            </a:r>
+            <a:r>
               <a:rPr lang="en-US" dirty="0"/>
-              <a:t>Socket overview</a:t>
-            </a:r>
-          </a:p>
-        </p:txBody>
-      </p:sp>
-      <p:sp>
-        <p:nvSpPr>
-          <p:cNvPr id="3" name="Content Placeholder 2"/>
-          <p:cNvSpPr>
-            <a:spLocks noGrp="1"/>
-          </p:cNvSpPr>
-          <p:nvPr>
-            <p:ph idx="1"/>
-          </p:nvPr>
-        </p:nvSpPr>
-        <p:spPr/>
-        <p:txBody>
-          <a:bodyPr/>
-          <a:lstStyle/>
-          <a:p>
-            <a:r>
-              <a:rPr lang="vi-VN" dirty="0"/>
-              <a:t>Socket là các file ở dạng endpoint, khi ghi data vào 1 đầu thì data sẽ được gửi sang 1 hoặc nhiều đầu khác</a:t>
-            </a:r>
-            <a:r>
-              <a:rPr lang="vi-VN" dirty="0" smtClean="0"/>
-              <a:t>.</a:t>
-            </a:r>
-            <a:endParaRPr lang="en-US" dirty="0" smtClean="0"/>
-          </a:p>
-          <a:p>
-            <a:r>
-              <a:rPr lang="vi-VN" dirty="0"/>
-              <a:t>Các với các file thông thường, socket cho phép data được gửi ra khỏi máy tính để đi vào mạng </a:t>
-            </a:r>
-            <a:r>
-              <a:rPr lang="vi-VN" dirty="0" smtClean="0"/>
-              <a:t>internet</a:t>
-            </a:r>
-            <a:r>
-              <a:rPr lang="en-US" dirty="0" smtClean="0"/>
-              <a:t>.</a:t>
+              <a:t> </a:t>
+            </a:r>
+            <a:r>
+              <a:rPr lang="en-US" dirty="0" err="1" smtClean="0"/>
+              <a:t>netutils</a:t>
+            </a:r>
+            <a:r>
+              <a:rPr lang="en-US" dirty="0" smtClean="0"/>
+              <a:t> package.</a:t>
             </a:r>
             <a:endParaRPr lang="en-US" dirty="0"/>
           </a:p>
@@ -9353,13 +9387,20 @@
     </p:spTree>
     <p:extLst>
       <p:ext uri="{BB962C8B-B14F-4D97-AF65-F5344CB8AC3E}">
-        <p14:creationId xmlns:p14="http://schemas.microsoft.com/office/powerpoint/2010/main" val="1668340489"/>
+        <p14:creationId xmlns:p14="http://schemas.microsoft.com/office/powerpoint/2010/main" val="1582018758"/>
       </p:ext>
     </p:extLst>
   </p:cSld>
   <p:clrMapOvr>
     <a:masterClrMapping/>
   </p:clrMapOvr>
+  <p:timing>
+    <p:tnLst>
+      <p:par>
+        <p:cTn id="1" dur="indefinite" restart="never" nodeType="tmRoot"/>
+      </p:par>
+    </p:tnLst>
+  </p:timing>
 </p:sld>
 </file>
 
@@ -10035,6 +10076,13 @@
   <p:clrMapOvr>
     <a:masterClrMapping/>
   </p:clrMapOvr>
+  <p:timing>
+    <p:tnLst>
+      <p:par>
+        <p:cTn id="1" dur="indefinite" restart="never" nodeType="tmRoot"/>
+      </p:par>
+    </p:tnLst>
+  </p:timing>
 </p:sld>
 </file>
 
@@ -10252,6 +10300,13 @@
   <p:clrMapOvr>
     <a:masterClrMapping/>
   </p:clrMapOvr>
+  <p:timing>
+    <p:tnLst>
+      <p:par>
+        <p:cTn id="1" dur="indefinite" restart="never" nodeType="tmRoot"/>
+      </p:par>
+    </p:tnLst>
+  </p:timing>
 </p:sld>
 </file>
 
@@ -10546,6 +10601,13 @@
   <p:clrMapOvr>
     <a:masterClrMapping/>
   </p:clrMapOvr>
+  <p:timing>
+    <p:tnLst>
+      <p:par>
+        <p:cTn id="1" dur="indefinite" restart="never" nodeType="tmRoot"/>
+      </p:par>
+    </p:tnLst>
+  </p:timing>
 </p:sld>
 </file>
 
